--- a/trunk/2-Java-Programmer-Modulo-II/16.Capitulo10.pptx
+++ b/trunk/2-Java-Programmer-Modulo-II/16.Capitulo10.pptx
@@ -5,21 +5,22 @@
     <p:sldMasterId id="2147483660" r:id="rId1"/>
   </p:sldMasterIdLst>
   <p:notesMasterIdLst>
-    <p:notesMasterId r:id="rId14"/>
+    <p:notesMasterId r:id="rId15"/>
   </p:notesMasterIdLst>
   <p:sldIdLst>
     <p:sldId id="256" r:id="rId2"/>
-    <p:sldId id="298" r:id="rId3"/>
-    <p:sldId id="299" r:id="rId4"/>
-    <p:sldId id="300" r:id="rId5"/>
-    <p:sldId id="301" r:id="rId6"/>
-    <p:sldId id="302" r:id="rId7"/>
-    <p:sldId id="303" r:id="rId8"/>
-    <p:sldId id="304" r:id="rId9"/>
-    <p:sldId id="305" r:id="rId10"/>
-    <p:sldId id="306" r:id="rId11"/>
-    <p:sldId id="307" r:id="rId12"/>
-    <p:sldId id="308" r:id="rId13"/>
+    <p:sldId id="309" r:id="rId3"/>
+    <p:sldId id="298" r:id="rId4"/>
+    <p:sldId id="299" r:id="rId5"/>
+    <p:sldId id="300" r:id="rId6"/>
+    <p:sldId id="301" r:id="rId7"/>
+    <p:sldId id="302" r:id="rId8"/>
+    <p:sldId id="303" r:id="rId9"/>
+    <p:sldId id="304" r:id="rId10"/>
+    <p:sldId id="305" r:id="rId11"/>
+    <p:sldId id="306" r:id="rId12"/>
+    <p:sldId id="307" r:id="rId13"/>
+    <p:sldId id="308" r:id="rId14"/>
   </p:sldIdLst>
   <p:sldSz cx="9144000" cy="6858000" type="screen4x3"/>
   <p:notesSz cx="6858000" cy="9144000"/>
@@ -260,7 +261,7 @@
               <a:pPr>
                 <a:defRPr/>
               </a:pPr>
-              <a:t>30/04/2012</a:t>
+              <a:t>02/05/2012</a:t>
             </a:fld>
             <a:endParaRPr lang="pt-BR"/>
           </a:p>
@@ -729,7 +730,7 @@
       </p:grpSpPr>
       <p:sp>
         <p:nvSpPr>
-          <p:cNvPr id="29698" name="Espaço Reservado para Imagem de Slide 1"/>
+          <p:cNvPr id="28674" name="Espaço Reservado para Imagem de Slide 1"/>
           <p:cNvSpPr>
             <a:spLocks noGrp="1" noRot="1" noChangeAspect="1" noTextEdit="1"/>
           </p:cNvSpPr>
@@ -751,7 +752,7 @@
       </p:sp>
       <p:sp>
         <p:nvSpPr>
-          <p:cNvPr id="29699" name="Espaço Reservado para Anotações 2"/>
+          <p:cNvPr id="28675" name="Espaço Reservado para Anotações 2"/>
           <p:cNvSpPr>
             <a:spLocks noGrp="1"/>
           </p:cNvSpPr>
@@ -792,7 +793,7 @@
             <a:pPr>
               <a:defRPr/>
             </a:pPr>
-            <a:fld id="{0F139F0C-3366-48F3-A388-8D5CB0E390FF}" type="slidenum">
+            <a:fld id="{CB3FF845-4009-4067-8E08-C6A18F56A150}" type="slidenum">
               <a:rPr lang="pt-BR" smtClean="0"/>
               <a:pPr>
                 <a:defRPr/>
@@ -830,7 +831,7 @@
       </p:grpSpPr>
       <p:sp>
         <p:nvSpPr>
-          <p:cNvPr id="30722" name="Espaço Reservado para Imagem de Slide 1"/>
+          <p:cNvPr id="29698" name="Espaço Reservado para Imagem de Slide 1"/>
           <p:cNvSpPr>
             <a:spLocks noGrp="1" noRot="1" noChangeAspect="1" noTextEdit="1"/>
           </p:cNvSpPr>
@@ -852,7 +853,7 @@
       </p:sp>
       <p:sp>
         <p:nvSpPr>
-          <p:cNvPr id="30723" name="Espaço Reservado para Anotações 2"/>
+          <p:cNvPr id="29699" name="Espaço Reservado para Anotações 2"/>
           <p:cNvSpPr>
             <a:spLocks noGrp="1"/>
           </p:cNvSpPr>
@@ -893,7 +894,7 @@
             <a:pPr>
               <a:defRPr/>
             </a:pPr>
-            <a:fld id="{2B496507-147A-4E90-8297-737FD993F4E5}" type="slidenum">
+            <a:fld id="{0F139F0C-3366-48F3-A388-8D5CB0E390FF}" type="slidenum">
               <a:rPr lang="pt-BR" smtClean="0"/>
               <a:pPr>
                 <a:defRPr/>
@@ -931,7 +932,7 @@
       </p:grpSpPr>
       <p:sp>
         <p:nvSpPr>
-          <p:cNvPr id="31746" name="Espaço Reservado para Imagem de Slide 1"/>
+          <p:cNvPr id="30722" name="Espaço Reservado para Imagem de Slide 1"/>
           <p:cNvSpPr>
             <a:spLocks noGrp="1" noRot="1" noChangeAspect="1" noTextEdit="1"/>
           </p:cNvSpPr>
@@ -953,7 +954,7 @@
       </p:sp>
       <p:sp>
         <p:nvSpPr>
-          <p:cNvPr id="31747" name="Espaço Reservado para Anotações 2"/>
+          <p:cNvPr id="30723" name="Espaço Reservado para Anotações 2"/>
           <p:cNvSpPr>
             <a:spLocks noGrp="1"/>
           </p:cNvSpPr>
@@ -994,12 +995,113 @@
             <a:pPr>
               <a:defRPr/>
             </a:pPr>
-            <a:fld id="{95153150-84FA-41F4-9BF1-3F7875CF2B31}" type="slidenum">
+            <a:fld id="{2B496507-147A-4E90-8297-737FD993F4E5}" type="slidenum">
               <a:rPr lang="pt-BR" smtClean="0"/>
               <a:pPr>
                 <a:defRPr/>
               </a:pPr>
               <a:t>12</a:t>
+            </a:fld>
+            <a:endParaRPr lang="pt-BR"/>
+          </a:p>
+        </p:txBody>
+      </p:sp>
+    </p:spTree>
+  </p:cSld>
+  <p:clrMapOvr>
+    <a:masterClrMapping/>
+  </p:clrMapOvr>
+</p:notes>
+</file>
+
+<file path=ppt/notesSlides/notesSlide13.xml><?xml version="1.0" encoding="utf-8"?>
+<p:notes xmlns:a="http://schemas.openxmlformats.org/drawingml/2006/main" xmlns:r="http://schemas.openxmlformats.org/officeDocument/2006/relationships" xmlns:p="http://schemas.openxmlformats.org/presentationml/2006/main">
+  <p:cSld>
+    <p:spTree>
+      <p:nvGrpSpPr>
+        <p:cNvPr id="1" name=""/>
+        <p:cNvGrpSpPr/>
+        <p:nvPr/>
+      </p:nvGrpSpPr>
+      <p:grpSpPr>
+        <a:xfrm>
+          <a:off x="0" y="0"/>
+          <a:ext cx="0" cy="0"/>
+          <a:chOff x="0" y="0"/>
+          <a:chExt cx="0" cy="0"/>
+        </a:xfrm>
+      </p:grpSpPr>
+      <p:sp>
+        <p:nvSpPr>
+          <p:cNvPr id="31746" name="Espaço Reservado para Imagem de Slide 1"/>
+          <p:cNvSpPr>
+            <a:spLocks noGrp="1" noRot="1" noChangeAspect="1" noTextEdit="1"/>
+          </p:cNvSpPr>
+          <p:nvPr>
+            <p:ph type="sldImg"/>
+          </p:nvPr>
+        </p:nvSpPr>
+        <p:spPr bwMode="auto">
+          <a:noFill/>
+          <a:ln>
+            <a:solidFill>
+              <a:srgbClr val="000000"/>
+            </a:solidFill>
+            <a:miter lim="800000"/>
+            <a:headEnd/>
+            <a:tailEnd/>
+          </a:ln>
+        </p:spPr>
+      </p:sp>
+      <p:sp>
+        <p:nvSpPr>
+          <p:cNvPr id="31747" name="Espaço Reservado para Anotações 2"/>
+          <p:cNvSpPr>
+            <a:spLocks noGrp="1"/>
+          </p:cNvSpPr>
+          <p:nvPr>
+            <p:ph type="body" idx="1"/>
+          </p:nvPr>
+        </p:nvSpPr>
+        <p:spPr bwMode="auto">
+          <a:noFill/>
+        </p:spPr>
+        <p:txBody>
+          <a:bodyPr wrap="square" numCol="1" anchor="t" anchorCtr="0" compatLnSpc="1">
+            <a:prstTxWarp prst="textNoShape">
+              <a:avLst/>
+            </a:prstTxWarp>
+          </a:bodyPr>
+          <a:lstStyle/>
+          <a:p>
+            <a:endParaRPr lang="pt-BR" smtClean="0"/>
+          </a:p>
+        </p:txBody>
+      </p:sp>
+      <p:sp>
+        <p:nvSpPr>
+          <p:cNvPr id="4" name="Espaço Reservado para Número de Slide 3"/>
+          <p:cNvSpPr>
+            <a:spLocks noGrp="1"/>
+          </p:cNvSpPr>
+          <p:nvPr>
+            <p:ph type="sldNum" sz="quarter" idx="5"/>
+          </p:nvPr>
+        </p:nvSpPr>
+        <p:spPr/>
+        <p:txBody>
+          <a:bodyPr/>
+          <a:lstStyle/>
+          <a:p>
+            <a:pPr>
+              <a:defRPr/>
+            </a:pPr>
+            <a:fld id="{95153150-84FA-41F4-9BF1-3F7875CF2B31}" type="slidenum">
+              <a:rPr lang="pt-BR" smtClean="0"/>
+              <a:pPr>
+                <a:defRPr/>
+              </a:pPr>
+              <a:t>13</a:t>
             </a:fld>
             <a:endParaRPr lang="pt-BR"/>
           </a:p>
@@ -1032,29 +1134,19 @@
       </p:grpSpPr>
       <p:sp>
         <p:nvSpPr>
-          <p:cNvPr id="21506" name="Espaço Reservado para Imagem de Slide 1"/>
-          <p:cNvSpPr>
-            <a:spLocks noGrp="1" noRot="1" noChangeAspect="1" noTextEdit="1"/>
+          <p:cNvPr id="2" name="Espaço Reservado para Imagem de Slide 1"/>
+          <p:cNvSpPr>
+            <a:spLocks noGrp="1" noRot="1" noChangeAspect="1"/>
           </p:cNvSpPr>
           <p:nvPr>
             <p:ph type="sldImg"/>
           </p:nvPr>
         </p:nvSpPr>
-        <p:spPr bwMode="auto">
-          <a:noFill/>
-          <a:ln>
-            <a:solidFill>
-              <a:srgbClr val="000000"/>
-            </a:solidFill>
-            <a:miter lim="800000"/>
-            <a:headEnd/>
-            <a:tailEnd/>
-          </a:ln>
-        </p:spPr>
-      </p:sp>
-      <p:sp>
-        <p:nvSpPr>
-          <p:cNvPr id="21507" name="Espaço Reservado para Anotações 2"/>
+        <p:spPr/>
+      </p:sp>
+      <p:sp>
+        <p:nvSpPr>
+          <p:cNvPr id="3" name="Espaço Reservado para Anotações 2"/>
           <p:cNvSpPr>
             <a:spLocks noGrp="1"/>
           </p:cNvSpPr>
@@ -1062,18 +1154,14 @@
             <p:ph type="body" idx="1"/>
           </p:nvPr>
         </p:nvSpPr>
-        <p:spPr bwMode="auto">
-          <a:noFill/>
-        </p:spPr>
-        <p:txBody>
-          <a:bodyPr wrap="square" numCol="1" anchor="t" anchorCtr="0" compatLnSpc="1">
-            <a:prstTxWarp prst="textNoShape">
-              <a:avLst/>
-            </a:prstTxWarp>
+        <p:spPr/>
+        <p:txBody>
+          <a:bodyPr>
+            <a:normAutofit/>
           </a:bodyPr>
           <a:lstStyle/>
           <a:p>
-            <a:endParaRPr lang="pt-BR" smtClean="0"/>
+            <a:endParaRPr lang="pt-BR"/>
           </a:p>
         </p:txBody>
       </p:sp>
@@ -1084,7 +1172,7 @@
             <a:spLocks noGrp="1"/>
           </p:cNvSpPr>
           <p:nvPr>
-            <p:ph type="sldNum" sz="quarter" idx="5"/>
+            <p:ph type="sldNum" sz="quarter" idx="10"/>
           </p:nvPr>
         </p:nvSpPr>
         <p:spPr/>
@@ -1095,7 +1183,7 @@
             <a:pPr>
               <a:defRPr/>
             </a:pPr>
-            <a:fld id="{A2739769-D500-4250-868A-C2B8871F91CD}" type="slidenum">
+            <a:fld id="{373010A1-97EB-4147-B509-23B1A33D8481}" type="slidenum">
               <a:rPr lang="pt-BR" smtClean="0"/>
               <a:pPr>
                 <a:defRPr/>
@@ -1133,7 +1221,7 @@
       </p:grpSpPr>
       <p:sp>
         <p:nvSpPr>
-          <p:cNvPr id="22530" name="Espaço Reservado para Imagem de Slide 1"/>
+          <p:cNvPr id="21506" name="Espaço Reservado para Imagem de Slide 1"/>
           <p:cNvSpPr>
             <a:spLocks noGrp="1" noRot="1" noChangeAspect="1" noTextEdit="1"/>
           </p:cNvSpPr>
@@ -1155,7 +1243,7 @@
       </p:sp>
       <p:sp>
         <p:nvSpPr>
-          <p:cNvPr id="22531" name="Espaço Reservado para Anotações 2"/>
+          <p:cNvPr id="21507" name="Espaço Reservado para Anotações 2"/>
           <p:cNvSpPr>
             <a:spLocks noGrp="1"/>
           </p:cNvSpPr>
@@ -1196,7 +1284,7 @@
             <a:pPr>
               <a:defRPr/>
             </a:pPr>
-            <a:fld id="{64A97453-8B32-4B96-9F3E-71E78682158D}" type="slidenum">
+            <a:fld id="{A2739769-D500-4250-868A-C2B8871F91CD}" type="slidenum">
               <a:rPr lang="pt-BR" smtClean="0"/>
               <a:pPr>
                 <a:defRPr/>
@@ -1234,7 +1322,7 @@
       </p:grpSpPr>
       <p:sp>
         <p:nvSpPr>
-          <p:cNvPr id="23554" name="Espaço Reservado para Imagem de Slide 1"/>
+          <p:cNvPr id="22530" name="Espaço Reservado para Imagem de Slide 1"/>
           <p:cNvSpPr>
             <a:spLocks noGrp="1" noRot="1" noChangeAspect="1" noTextEdit="1"/>
           </p:cNvSpPr>
@@ -1256,7 +1344,7 @@
       </p:sp>
       <p:sp>
         <p:nvSpPr>
-          <p:cNvPr id="23555" name="Espaço Reservado para Anotações 2"/>
+          <p:cNvPr id="22531" name="Espaço Reservado para Anotações 2"/>
           <p:cNvSpPr>
             <a:spLocks noGrp="1"/>
           </p:cNvSpPr>
@@ -1297,7 +1385,7 @@
             <a:pPr>
               <a:defRPr/>
             </a:pPr>
-            <a:fld id="{6B8F65D9-89BC-4556-92A1-CAFAFB5983F5}" type="slidenum">
+            <a:fld id="{64A97453-8B32-4B96-9F3E-71E78682158D}" type="slidenum">
               <a:rPr lang="pt-BR" smtClean="0"/>
               <a:pPr>
                 <a:defRPr/>
@@ -1335,7 +1423,7 @@
       </p:grpSpPr>
       <p:sp>
         <p:nvSpPr>
-          <p:cNvPr id="24578" name="Espaço Reservado para Imagem de Slide 1"/>
+          <p:cNvPr id="23554" name="Espaço Reservado para Imagem de Slide 1"/>
           <p:cNvSpPr>
             <a:spLocks noGrp="1" noRot="1" noChangeAspect="1" noTextEdit="1"/>
           </p:cNvSpPr>
@@ -1357,7 +1445,7 @@
       </p:sp>
       <p:sp>
         <p:nvSpPr>
-          <p:cNvPr id="24579" name="Espaço Reservado para Anotações 2"/>
+          <p:cNvPr id="23555" name="Espaço Reservado para Anotações 2"/>
           <p:cNvSpPr>
             <a:spLocks noGrp="1"/>
           </p:cNvSpPr>
@@ -1398,7 +1486,7 @@
             <a:pPr>
               <a:defRPr/>
             </a:pPr>
-            <a:fld id="{34175632-67D5-4670-88B2-2454E24DEDD1}" type="slidenum">
+            <a:fld id="{6B8F65D9-89BC-4556-92A1-CAFAFB5983F5}" type="slidenum">
               <a:rPr lang="pt-BR" smtClean="0"/>
               <a:pPr>
                 <a:defRPr/>
@@ -1436,7 +1524,7 @@
       </p:grpSpPr>
       <p:sp>
         <p:nvSpPr>
-          <p:cNvPr id="25602" name="Espaço Reservado para Imagem de Slide 1"/>
+          <p:cNvPr id="24578" name="Espaço Reservado para Imagem de Slide 1"/>
           <p:cNvSpPr>
             <a:spLocks noGrp="1" noRot="1" noChangeAspect="1" noTextEdit="1"/>
           </p:cNvSpPr>
@@ -1458,7 +1546,7 @@
       </p:sp>
       <p:sp>
         <p:nvSpPr>
-          <p:cNvPr id="25603" name="Espaço Reservado para Anotações 2"/>
+          <p:cNvPr id="24579" name="Espaço Reservado para Anotações 2"/>
           <p:cNvSpPr>
             <a:spLocks noGrp="1"/>
           </p:cNvSpPr>
@@ -1499,7 +1587,7 @@
             <a:pPr>
               <a:defRPr/>
             </a:pPr>
-            <a:fld id="{D8C329BD-2EA1-406B-9012-15A398588625}" type="slidenum">
+            <a:fld id="{34175632-67D5-4670-88B2-2454E24DEDD1}" type="slidenum">
               <a:rPr lang="pt-BR" smtClean="0"/>
               <a:pPr>
                 <a:defRPr/>
@@ -1537,7 +1625,7 @@
       </p:grpSpPr>
       <p:sp>
         <p:nvSpPr>
-          <p:cNvPr id="26626" name="Espaço Reservado para Imagem de Slide 1"/>
+          <p:cNvPr id="25602" name="Espaço Reservado para Imagem de Slide 1"/>
           <p:cNvSpPr>
             <a:spLocks noGrp="1" noRot="1" noChangeAspect="1" noTextEdit="1"/>
           </p:cNvSpPr>
@@ -1559,7 +1647,7 @@
       </p:sp>
       <p:sp>
         <p:nvSpPr>
-          <p:cNvPr id="26627" name="Espaço Reservado para Anotações 2"/>
+          <p:cNvPr id="25603" name="Espaço Reservado para Anotações 2"/>
           <p:cNvSpPr>
             <a:spLocks noGrp="1"/>
           </p:cNvSpPr>
@@ -1600,7 +1688,7 @@
             <a:pPr>
               <a:defRPr/>
             </a:pPr>
-            <a:fld id="{06A37879-4216-4327-8CFB-D8AEF1EC61E8}" type="slidenum">
+            <a:fld id="{D8C329BD-2EA1-406B-9012-15A398588625}" type="slidenum">
               <a:rPr lang="pt-BR" smtClean="0"/>
               <a:pPr>
                 <a:defRPr/>
@@ -1638,7 +1726,7 @@
       </p:grpSpPr>
       <p:sp>
         <p:nvSpPr>
-          <p:cNvPr id="27650" name="Espaço Reservado para Imagem de Slide 1"/>
+          <p:cNvPr id="26626" name="Espaço Reservado para Imagem de Slide 1"/>
           <p:cNvSpPr>
             <a:spLocks noGrp="1" noRot="1" noChangeAspect="1" noTextEdit="1"/>
           </p:cNvSpPr>
@@ -1660,7 +1748,7 @@
       </p:sp>
       <p:sp>
         <p:nvSpPr>
-          <p:cNvPr id="27651" name="Espaço Reservado para Anotações 2"/>
+          <p:cNvPr id="26627" name="Espaço Reservado para Anotações 2"/>
           <p:cNvSpPr>
             <a:spLocks noGrp="1"/>
           </p:cNvSpPr>
@@ -1701,7 +1789,7 @@
             <a:pPr>
               <a:defRPr/>
             </a:pPr>
-            <a:fld id="{97D91471-377B-409D-85B3-CCD3C72F2590}" type="slidenum">
+            <a:fld id="{06A37879-4216-4327-8CFB-D8AEF1EC61E8}" type="slidenum">
               <a:rPr lang="pt-BR" smtClean="0"/>
               <a:pPr>
                 <a:defRPr/>
@@ -1739,7 +1827,7 @@
       </p:grpSpPr>
       <p:sp>
         <p:nvSpPr>
-          <p:cNvPr id="28674" name="Espaço Reservado para Imagem de Slide 1"/>
+          <p:cNvPr id="27650" name="Espaço Reservado para Imagem de Slide 1"/>
           <p:cNvSpPr>
             <a:spLocks noGrp="1" noRot="1" noChangeAspect="1" noTextEdit="1"/>
           </p:cNvSpPr>
@@ -1761,7 +1849,7 @@
       </p:sp>
       <p:sp>
         <p:nvSpPr>
-          <p:cNvPr id="28675" name="Espaço Reservado para Anotações 2"/>
+          <p:cNvPr id="27651" name="Espaço Reservado para Anotações 2"/>
           <p:cNvSpPr>
             <a:spLocks noGrp="1"/>
           </p:cNvSpPr>
@@ -1802,7 +1890,7 @@
             <a:pPr>
               <a:defRPr/>
             </a:pPr>
-            <a:fld id="{CB3FF845-4009-4067-8E08-C6A18F56A150}" type="slidenum">
+            <a:fld id="{97D91471-377B-409D-85B3-CCD3C72F2590}" type="slidenum">
               <a:rPr lang="pt-BR" smtClean="0"/>
               <a:pPr>
                 <a:defRPr/>
@@ -2236,7 +2324,10 @@
             </a:pPr>
             <a:fld id="{45D5A6A2-C68B-40CA-9E37-D72BA046AE71}" type="datetime1">
               <a:rPr lang="pt-BR" smtClean="0"/>
-              <a:t>30/04/2012</a:t>
+              <a:pPr>
+                <a:defRPr/>
+              </a:pPr>
+              <a:t>02/05/2012</a:t>
             </a:fld>
             <a:endParaRPr lang="pt-BR"/>
           </a:p>
@@ -2425,7 +2516,10 @@
             </a:pPr>
             <a:fld id="{255B29BB-7A37-4304-A0D4-BC9D95EBBF73}" type="datetime1">
               <a:rPr lang="pt-BR" smtClean="0"/>
-              <a:t>30/04/2012</a:t>
+              <a:pPr>
+                <a:defRPr/>
+              </a:pPr>
+              <a:t>02/05/2012</a:t>
             </a:fld>
             <a:endParaRPr lang="pt-BR"/>
           </a:p>
@@ -2624,7 +2718,10 @@
             </a:pPr>
             <a:fld id="{4F319AA9-B850-4052-9F05-059628A352AA}" type="datetime1">
               <a:rPr lang="pt-BR" smtClean="0"/>
-              <a:t>30/04/2012</a:t>
+              <a:pPr>
+                <a:defRPr/>
+              </a:pPr>
+              <a:t>02/05/2012</a:t>
             </a:fld>
             <a:endParaRPr lang="pt-BR"/>
           </a:p>
@@ -2817,7 +2914,10 @@
             </a:pPr>
             <a:fld id="{4907CC71-A433-4586-96D2-DA4193EACA1F}" type="datetime1">
               <a:rPr lang="pt-BR" smtClean="0"/>
-              <a:t>30/04/2012</a:t>
+              <a:pPr>
+                <a:defRPr/>
+              </a:pPr>
+              <a:t>02/05/2012</a:t>
             </a:fld>
             <a:endParaRPr lang="pt-BR"/>
           </a:p>
@@ -3320,7 +3420,10 @@
             </a:pPr>
             <a:fld id="{DF99C00B-5FE9-43E4-A8D9-33CBBA8BD092}" type="datetime1">
               <a:rPr lang="pt-BR" smtClean="0"/>
-              <a:t>30/04/2012</a:t>
+              <a:pPr>
+                <a:defRPr/>
+              </a:pPr>
+              <a:t>02/05/2012</a:t>
             </a:fld>
             <a:endParaRPr lang="pt-BR"/>
           </a:p>
@@ -3608,7 +3711,10 @@
             </a:pPr>
             <a:fld id="{F350991C-853B-4EF3-A97B-E787F7281166}" type="datetime1">
               <a:rPr lang="pt-BR" smtClean="0"/>
-              <a:t>30/04/2012</a:t>
+              <a:pPr>
+                <a:defRPr/>
+              </a:pPr>
+              <a:t>02/05/2012</a:t>
             </a:fld>
             <a:endParaRPr lang="pt-BR"/>
           </a:p>
@@ -4006,7 +4112,10 @@
             </a:pPr>
             <a:fld id="{BC0F18D3-0149-41C9-AD6A-BF51FF911158}" type="datetime1">
               <a:rPr lang="pt-BR" smtClean="0"/>
-              <a:t>30/04/2012</a:t>
+              <a:pPr>
+                <a:defRPr/>
+              </a:pPr>
+              <a:t>02/05/2012</a:t>
             </a:fld>
             <a:endParaRPr lang="pt-BR"/>
           </a:p>
@@ -4152,7 +4261,10 @@
             </a:pPr>
             <a:fld id="{04BCA835-AAE5-49A3-9629-E7C2848CAC9F}" type="datetime1">
               <a:rPr lang="pt-BR" smtClean="0"/>
-              <a:t>30/04/2012</a:t>
+              <a:pPr>
+                <a:defRPr/>
+              </a:pPr>
+              <a:t>02/05/2012</a:t>
             </a:fld>
             <a:endParaRPr lang="pt-BR"/>
           </a:p>
@@ -4266,7 +4378,10 @@
             </a:pPr>
             <a:fld id="{BE9B7CE1-2BBC-4F3A-8132-700BCE528D53}" type="datetime1">
               <a:rPr lang="pt-BR" smtClean="0"/>
-              <a:t>30/04/2012</a:t>
+              <a:pPr>
+                <a:defRPr/>
+              </a:pPr>
+              <a:t>02/05/2012</a:t>
             </a:fld>
             <a:endParaRPr lang="pt-BR"/>
           </a:p>
@@ -4539,7 +4654,10 @@
             </a:pPr>
             <a:fld id="{6762FDF2-B98B-411A-8532-AE207D83727B}" type="datetime1">
               <a:rPr lang="pt-BR" smtClean="0"/>
-              <a:t>30/04/2012</a:t>
+              <a:pPr>
+                <a:defRPr/>
+              </a:pPr>
+              <a:t>02/05/2012</a:t>
             </a:fld>
             <a:endParaRPr lang="pt-BR"/>
           </a:p>
@@ -4820,7 +4938,10 @@
             </a:pPr>
             <a:fld id="{E2516530-859C-4788-AB8F-91D51CC31A55}" type="datetime1">
               <a:rPr lang="pt-BR" smtClean="0"/>
-              <a:t>30/04/2012</a:t>
+              <a:pPr>
+                <a:defRPr/>
+              </a:pPr>
+              <a:t>02/05/2012</a:t>
             </a:fld>
             <a:endParaRPr lang="pt-BR"/>
           </a:p>
@@ -5295,7 +5416,10 @@
             </a:pPr>
             <a:fld id="{D789166A-69C1-43C9-BE1B-964C9E953AB2}" type="datetime1">
               <a:rPr lang="pt-BR" smtClean="0"/>
-              <a:t>30/04/2012</a:t>
+              <a:pPr>
+                <a:defRPr/>
+              </a:pPr>
+              <a:t>02/05/2012</a:t>
             </a:fld>
             <a:endParaRPr lang="pt-BR"/>
           </a:p>
@@ -5947,7 +6071,7 @@
       </p:grpSpPr>
       <p:sp>
         <p:nvSpPr>
-          <p:cNvPr id="16386" name="Título 1"/>
+          <p:cNvPr id="15362" name="Título 1"/>
           <p:cNvSpPr>
             <a:spLocks noGrp="1"/>
           </p:cNvSpPr>
@@ -5963,14 +6087,14 @@
             <a:pPr eaLnBrk="1" hangingPunct="1"/>
             <a:r>
               <a:rPr lang="pt-BR" smtClean="0"/>
-              <a:t>Classe BufferedReader</a:t>
-            </a:r>
-          </a:p>
-        </p:txBody>
-      </p:sp>
-      <p:sp>
-        <p:nvSpPr>
-          <p:cNvPr id="16387" name="Espaço Reservado para Conteúdo 2"/>
+              <a:t>Classe FileReader</a:t>
+            </a:r>
+          </a:p>
+        </p:txBody>
+      </p:sp>
+      <p:sp>
+        <p:nvSpPr>
+          <p:cNvPr id="15363" name="Espaço Reservado para Conteúdo 2"/>
           <p:cNvSpPr>
             <a:spLocks noGrp="1"/>
           </p:cNvSpPr>
@@ -6043,7 +6167,7 @@
       </p:grpSpPr>
       <p:sp>
         <p:nvSpPr>
-          <p:cNvPr id="17410" name="Título 1"/>
+          <p:cNvPr id="16386" name="Título 1"/>
           <p:cNvSpPr>
             <a:spLocks noGrp="1"/>
           </p:cNvSpPr>
@@ -6059,14 +6183,14 @@
             <a:pPr eaLnBrk="1" hangingPunct="1"/>
             <a:r>
               <a:rPr lang="pt-BR" smtClean="0"/>
-              <a:t>RandomAccessFile</a:t>
-            </a:r>
-          </a:p>
-        </p:txBody>
-      </p:sp>
-      <p:sp>
-        <p:nvSpPr>
-          <p:cNvPr id="17411" name="Espaço Reservado para Conteúdo 2"/>
+              <a:t>Classe BufferedReader</a:t>
+            </a:r>
+          </a:p>
+        </p:txBody>
+      </p:sp>
+      <p:sp>
+        <p:nvSpPr>
+          <p:cNvPr id="16387" name="Espaço Reservado para Conteúdo 2"/>
           <p:cNvSpPr>
             <a:spLocks noGrp="1"/>
           </p:cNvSpPr>
@@ -6139,7 +6263,7 @@
       </p:grpSpPr>
       <p:sp>
         <p:nvSpPr>
-          <p:cNvPr id="18434" name="Título 1"/>
+          <p:cNvPr id="17410" name="Título 1"/>
           <p:cNvSpPr>
             <a:spLocks noGrp="1"/>
           </p:cNvSpPr>
@@ -6155,14 +6279,14 @@
             <a:pPr eaLnBrk="1" hangingPunct="1"/>
             <a:r>
               <a:rPr lang="pt-BR" smtClean="0"/>
-              <a:t>Path</a:t>
-            </a:r>
-          </a:p>
-        </p:txBody>
-      </p:sp>
-      <p:sp>
-        <p:nvSpPr>
-          <p:cNvPr id="18435" name="Espaço Reservado para Conteúdo 2"/>
+              <a:t>RandomAccessFile</a:t>
+            </a:r>
+          </a:p>
+        </p:txBody>
+      </p:sp>
+      <p:sp>
+        <p:nvSpPr>
+          <p:cNvPr id="17411" name="Espaço Reservado para Conteúdo 2"/>
           <p:cNvSpPr>
             <a:spLocks noGrp="1"/>
           </p:cNvSpPr>
@@ -6203,6 +6327,102 @@
                 <a:defRPr/>
               </a:pPr>
               <a:t>12</a:t>
+            </a:fld>
+            <a:endParaRPr lang="pt-BR"/>
+          </a:p>
+        </p:txBody>
+      </p:sp>
+    </p:spTree>
+  </p:cSld>
+  <p:clrMapOvr>
+    <a:masterClrMapping/>
+  </p:clrMapOvr>
+</p:sld>
+</file>
+
+<file path=ppt/slides/slide13.xml><?xml version="1.0" encoding="utf-8"?>
+<p:sld xmlns:a="http://schemas.openxmlformats.org/drawingml/2006/main" xmlns:r="http://schemas.openxmlformats.org/officeDocument/2006/relationships" xmlns:p="http://schemas.openxmlformats.org/presentationml/2006/main">
+  <p:cSld>
+    <p:spTree>
+      <p:nvGrpSpPr>
+        <p:cNvPr id="1" name=""/>
+        <p:cNvGrpSpPr/>
+        <p:nvPr/>
+      </p:nvGrpSpPr>
+      <p:grpSpPr>
+        <a:xfrm>
+          <a:off x="0" y="0"/>
+          <a:ext cx="0" cy="0"/>
+          <a:chOff x="0" y="0"/>
+          <a:chExt cx="0" cy="0"/>
+        </a:xfrm>
+      </p:grpSpPr>
+      <p:sp>
+        <p:nvSpPr>
+          <p:cNvPr id="18434" name="Título 1"/>
+          <p:cNvSpPr>
+            <a:spLocks noGrp="1"/>
+          </p:cNvSpPr>
+          <p:nvPr>
+            <p:ph type="title"/>
+          </p:nvPr>
+        </p:nvSpPr>
+        <p:spPr/>
+        <p:txBody>
+          <a:bodyPr/>
+          <a:lstStyle/>
+          <a:p>
+            <a:pPr eaLnBrk="1" hangingPunct="1"/>
+            <a:r>
+              <a:rPr lang="pt-BR" smtClean="0"/>
+              <a:t>Path</a:t>
+            </a:r>
+          </a:p>
+        </p:txBody>
+      </p:sp>
+      <p:sp>
+        <p:nvSpPr>
+          <p:cNvPr id="18435" name="Espaço Reservado para Conteúdo 2"/>
+          <p:cNvSpPr>
+            <a:spLocks noGrp="1"/>
+          </p:cNvSpPr>
+          <p:nvPr>
+            <p:ph idx="1"/>
+          </p:nvPr>
+        </p:nvSpPr>
+        <p:spPr/>
+        <p:txBody>
+          <a:bodyPr/>
+          <a:lstStyle/>
+          <a:p>
+            <a:endParaRPr lang="pt-BR" smtClean="0"/>
+          </a:p>
+        </p:txBody>
+      </p:sp>
+      <p:sp>
+        <p:nvSpPr>
+          <p:cNvPr id="4" name="Espaço Reservado para Número de Slide 3"/>
+          <p:cNvSpPr>
+            <a:spLocks noGrp="1"/>
+          </p:cNvSpPr>
+          <p:nvPr>
+            <p:ph type="sldNum" sz="quarter" idx="12"/>
+          </p:nvPr>
+        </p:nvSpPr>
+        <p:spPr/>
+        <p:txBody>
+          <a:bodyPr/>
+          <a:lstStyle/>
+          <a:p>
+            <a:pPr>
+              <a:defRPr/>
+            </a:pPr>
+            <a:fld id="{676AE120-6210-44C4-9C14-8704E13AF0BD}" type="slidenum">
+              <a:rPr lang="pt-BR" smtClean="0"/>
+              <a:pPr>
+                <a:defRPr/>
+              </a:pPr>
+              <a:t>13</a:t>
             </a:fld>
             <a:endParaRPr lang="pt-BR"/>
           </a:p>
@@ -6235,7 +6455,7 @@
       </p:grpSpPr>
       <p:sp>
         <p:nvSpPr>
-          <p:cNvPr id="8194" name="Título 1"/>
+          <p:cNvPr id="2" name="Título 1"/>
           <p:cNvSpPr>
             <a:spLocks noGrp="1"/>
           </p:cNvSpPr>
@@ -6248,22 +6468,26 @@
           <a:bodyPr/>
           <a:lstStyle/>
           <a:p>
-            <a:pPr eaLnBrk="1" hangingPunct="1"/>
-            <a:r>
-              <a:rPr lang="pt-BR" smtClean="0"/>
-              <a:t>Classe OutputStream</a:t>
-            </a:r>
-          </a:p>
-        </p:txBody>
-      </p:sp>
-      <p:sp>
-        <p:nvSpPr>
-          <p:cNvPr id="8195" name="Espaço Reservado para Conteúdo 2"/>
-          <p:cNvSpPr>
-            <a:spLocks noGrp="1"/>
-          </p:cNvSpPr>
-          <p:nvPr>
-            <p:ph idx="1"/>
+            <a:r>
+              <a:rPr lang="pt-BR" dirty="0" err="1" smtClean="0"/>
+              <a:t>Stream</a:t>
+            </a:r>
+            <a:r>
+              <a:rPr lang="pt-BR" dirty="0" smtClean="0"/>
+              <a:t> – Fluxo I/O </a:t>
+            </a:r>
+            <a:endParaRPr lang="pt-BR" dirty="0"/>
+          </a:p>
+        </p:txBody>
+      </p:sp>
+      <p:sp>
+        <p:nvSpPr>
+          <p:cNvPr id="3" name="Espaço Reservado para Conteúdo 2"/>
+          <p:cNvSpPr>
+            <a:spLocks noGrp="1"/>
+          </p:cNvSpPr>
+          <p:nvPr>
+            <p:ph sz="half" idx="1"/>
           </p:nvPr>
         </p:nvSpPr>
         <p:spPr/>
@@ -6271,13 +6495,333 @@
           <a:bodyPr/>
           <a:lstStyle/>
           <a:p>
-            <a:endParaRPr lang="pt-BR" smtClean="0"/>
-          </a:p>
-        </p:txBody>
-      </p:sp>
-      <p:sp>
-        <p:nvSpPr>
-          <p:cNvPr id="4" name="Espaço Reservado para Número de Slide 3"/>
+            <a:r>
+              <a:rPr lang="pt-BR" sz="2400" dirty="0" smtClean="0"/>
+              <a:t>Acessando o sistema de arquivos</a:t>
+            </a:r>
+          </a:p>
+          <a:p>
+            <a:pPr lvl="1"/>
+            <a:r>
+              <a:rPr lang="pt-BR" sz="2000" dirty="0" err="1" smtClean="0"/>
+              <a:t>java</a:t>
+            </a:r>
+            <a:r>
+              <a:rPr lang="pt-BR" sz="2000" dirty="0" smtClean="0"/>
+              <a:t>.</a:t>
+            </a:r>
+            <a:r>
+              <a:rPr lang="pt-BR" sz="2000" dirty="0" err="1" smtClean="0"/>
+              <a:t>io</a:t>
+            </a:r>
+            <a:r>
+              <a:rPr lang="pt-BR" sz="2000" dirty="0" smtClean="0"/>
+              <a:t>.File</a:t>
+            </a:r>
+            <a:endParaRPr lang="pt-BR" sz="2000" dirty="0" smtClean="0"/>
+          </a:p>
+          <a:p>
+            <a:r>
+              <a:rPr lang="pt-BR" sz="2400" dirty="0" smtClean="0"/>
+              <a:t>Gravação em arquivos texto</a:t>
+            </a:r>
+          </a:p>
+          <a:p>
+            <a:pPr lvl="1"/>
+            <a:r>
+              <a:rPr lang="pt-BR" sz="2000" dirty="0" err="1" smtClean="0"/>
+              <a:t>java</a:t>
+            </a:r>
+            <a:r>
+              <a:rPr lang="pt-BR" sz="2000" dirty="0" smtClean="0"/>
+              <a:t>.</a:t>
+            </a:r>
+            <a:r>
+              <a:rPr lang="pt-BR" sz="2000" dirty="0" err="1" smtClean="0"/>
+              <a:t>io</a:t>
+            </a:r>
+            <a:r>
+              <a:rPr lang="pt-BR" sz="2000" dirty="0" smtClean="0"/>
+              <a:t>.</a:t>
+            </a:r>
+            <a:r>
+              <a:rPr lang="pt-BR" sz="2000" dirty="0" err="1" smtClean="0"/>
+              <a:t>FileWriter</a:t>
+            </a:r>
+            <a:endParaRPr lang="pt-BR" sz="2000" dirty="0" smtClean="0"/>
+          </a:p>
+          <a:p>
+            <a:pPr lvl="1"/>
+            <a:r>
+              <a:rPr lang="pt-BR" sz="2000" dirty="0" err="1" smtClean="0"/>
+              <a:t>java</a:t>
+            </a:r>
+            <a:r>
+              <a:rPr lang="pt-BR" sz="2000" dirty="0" smtClean="0"/>
+              <a:t>.</a:t>
+            </a:r>
+            <a:r>
+              <a:rPr lang="pt-BR" sz="2000" dirty="0" err="1" smtClean="0"/>
+              <a:t>io</a:t>
+            </a:r>
+            <a:r>
+              <a:rPr lang="pt-BR" sz="2000" dirty="0" smtClean="0"/>
+              <a:t>.</a:t>
+            </a:r>
+            <a:r>
+              <a:rPr lang="pt-BR" sz="2000" dirty="0" err="1" smtClean="0"/>
+              <a:t>BufferedWriter</a:t>
+            </a:r>
+            <a:endParaRPr lang="pt-BR" sz="2000" dirty="0" smtClean="0"/>
+          </a:p>
+          <a:p>
+            <a:pPr lvl="1"/>
+            <a:r>
+              <a:rPr lang="pt-BR" sz="2000" dirty="0" err="1" smtClean="0"/>
+              <a:t>java</a:t>
+            </a:r>
+            <a:r>
+              <a:rPr lang="pt-BR" sz="2000" dirty="0" smtClean="0"/>
+              <a:t>.</a:t>
+            </a:r>
+            <a:r>
+              <a:rPr lang="pt-BR" sz="2000" dirty="0" err="1" smtClean="0"/>
+              <a:t>io</a:t>
+            </a:r>
+            <a:r>
+              <a:rPr lang="pt-BR" sz="2000" dirty="0" smtClean="0"/>
+              <a:t>.</a:t>
+            </a:r>
+            <a:r>
+              <a:rPr lang="pt-BR" sz="2000" dirty="0" err="1" smtClean="0"/>
+              <a:t>PrintWriter</a:t>
+            </a:r>
+            <a:endParaRPr lang="pt-BR" sz="2000" dirty="0" smtClean="0"/>
+          </a:p>
+          <a:p>
+            <a:r>
+              <a:rPr lang="pt-BR" sz="2400" dirty="0" smtClean="0"/>
+              <a:t>Leitura em arquivos texto</a:t>
+            </a:r>
+          </a:p>
+          <a:p>
+            <a:pPr lvl="1"/>
+            <a:r>
+              <a:rPr lang="pt-BR" sz="2000" dirty="0" err="1" smtClean="0"/>
+              <a:t>java</a:t>
+            </a:r>
+            <a:r>
+              <a:rPr lang="pt-BR" sz="2000" dirty="0" smtClean="0"/>
+              <a:t>.</a:t>
+            </a:r>
+            <a:r>
+              <a:rPr lang="pt-BR" sz="2000" dirty="0" err="1" smtClean="0"/>
+              <a:t>io</a:t>
+            </a:r>
+            <a:r>
+              <a:rPr lang="pt-BR" sz="2000" dirty="0" smtClean="0"/>
+              <a:t>.</a:t>
+            </a:r>
+            <a:r>
+              <a:rPr lang="pt-BR" sz="2000" dirty="0" err="1" smtClean="0"/>
+              <a:t>FileReader</a:t>
+            </a:r>
+            <a:endParaRPr lang="pt-BR" sz="2000" dirty="0" smtClean="0"/>
+          </a:p>
+          <a:p>
+            <a:pPr lvl="1"/>
+            <a:r>
+              <a:rPr lang="pt-BR" sz="2000" dirty="0" err="1" smtClean="0"/>
+              <a:t>java</a:t>
+            </a:r>
+            <a:r>
+              <a:rPr lang="pt-BR" sz="2000" dirty="0" smtClean="0"/>
+              <a:t>.</a:t>
+            </a:r>
+            <a:r>
+              <a:rPr lang="pt-BR" sz="2000" dirty="0" err="1" smtClean="0"/>
+              <a:t>io</a:t>
+            </a:r>
+            <a:r>
+              <a:rPr lang="pt-BR" sz="2000" dirty="0" smtClean="0"/>
+              <a:t>.</a:t>
+            </a:r>
+            <a:r>
+              <a:rPr lang="pt-BR" sz="2000" dirty="0" err="1" smtClean="0"/>
+              <a:t>BufferedReader</a:t>
+            </a:r>
+            <a:endParaRPr lang="pt-BR" sz="2000" dirty="0" smtClean="0"/>
+          </a:p>
+          <a:p>
+            <a:endParaRPr lang="pt-BR" sz="2400" dirty="0"/>
+          </a:p>
+        </p:txBody>
+      </p:sp>
+      <p:sp>
+        <p:nvSpPr>
+          <p:cNvPr id="4" name="Espaço Reservado para Conteúdo 3"/>
+          <p:cNvSpPr>
+            <a:spLocks noGrp="1"/>
+          </p:cNvSpPr>
+          <p:nvPr>
+            <p:ph sz="half" idx="2"/>
+          </p:nvPr>
+        </p:nvSpPr>
+        <p:spPr>
+          <a:xfrm>
+            <a:off x="4267200" y="1600200"/>
+            <a:ext cx="4553272" cy="4525963"/>
+          </a:xfrm>
+        </p:spPr>
+        <p:txBody>
+          <a:bodyPr/>
+          <a:lstStyle/>
+          <a:p>
+            <a:r>
+              <a:rPr lang="pt-BR" sz="2400" dirty="0" smtClean="0"/>
+              <a:t>Gravação em arquivos binários</a:t>
+            </a:r>
+          </a:p>
+          <a:p>
+            <a:pPr lvl="1"/>
+            <a:r>
+              <a:rPr lang="pt-BR" sz="2000" dirty="0" err="1" smtClean="0"/>
+              <a:t>java</a:t>
+            </a:r>
+            <a:r>
+              <a:rPr lang="pt-BR" sz="2000" dirty="0" smtClean="0"/>
+              <a:t>.</a:t>
+            </a:r>
+            <a:r>
+              <a:rPr lang="pt-BR" sz="2000" dirty="0" err="1" smtClean="0"/>
+              <a:t>io</a:t>
+            </a:r>
+            <a:r>
+              <a:rPr lang="pt-BR" sz="2000" dirty="0" smtClean="0"/>
+              <a:t>.</a:t>
+            </a:r>
+            <a:r>
+              <a:rPr lang="pt-BR" sz="2000" dirty="0" err="1" smtClean="0"/>
+              <a:t>FileOutputStream</a:t>
+            </a:r>
+            <a:endParaRPr lang="pt-BR" sz="2000" dirty="0" smtClean="0"/>
+          </a:p>
+          <a:p>
+            <a:pPr lvl="1"/>
+            <a:r>
+              <a:rPr lang="pt-BR" sz="2000" dirty="0" err="1" smtClean="0"/>
+              <a:t>java</a:t>
+            </a:r>
+            <a:r>
+              <a:rPr lang="pt-BR" sz="2000" dirty="0" smtClean="0"/>
+              <a:t>.</a:t>
+            </a:r>
+            <a:r>
+              <a:rPr lang="pt-BR" sz="2000" dirty="0" err="1" smtClean="0"/>
+              <a:t>io</a:t>
+            </a:r>
+            <a:r>
+              <a:rPr lang="pt-BR" sz="2000" dirty="0" smtClean="0"/>
+              <a:t>.</a:t>
+            </a:r>
+            <a:r>
+              <a:rPr lang="pt-BR" sz="2000" dirty="0" err="1" smtClean="0"/>
+              <a:t>ByteArrayOutputStream</a:t>
+            </a:r>
+            <a:endParaRPr lang="pt-BR" sz="2000" dirty="0" smtClean="0"/>
+          </a:p>
+          <a:p>
+            <a:r>
+              <a:rPr lang="pt-BR" sz="2400" dirty="0" smtClean="0"/>
+              <a:t>Leitura em arquivos binários</a:t>
+            </a:r>
+          </a:p>
+          <a:p>
+            <a:pPr lvl="1"/>
+            <a:r>
+              <a:rPr lang="pt-BR" sz="2000" dirty="0" err="1" smtClean="0"/>
+              <a:t>java</a:t>
+            </a:r>
+            <a:r>
+              <a:rPr lang="pt-BR" sz="2000" dirty="0" smtClean="0"/>
+              <a:t>.</a:t>
+            </a:r>
+            <a:r>
+              <a:rPr lang="pt-BR" sz="2000" dirty="0" err="1" smtClean="0"/>
+              <a:t>io</a:t>
+            </a:r>
+            <a:r>
+              <a:rPr lang="pt-BR" sz="2000" dirty="0" smtClean="0"/>
+              <a:t>.</a:t>
+            </a:r>
+            <a:r>
+              <a:rPr lang="pt-BR" sz="2000" dirty="0" err="1" smtClean="0"/>
+              <a:t>FileInputStream</a:t>
+            </a:r>
+            <a:endParaRPr lang="pt-BR" sz="2000" dirty="0" smtClean="0"/>
+          </a:p>
+          <a:p>
+            <a:pPr lvl="1"/>
+            <a:r>
+              <a:rPr lang="pt-BR" sz="2000" dirty="0" err="1" smtClean="0"/>
+              <a:t>java</a:t>
+            </a:r>
+            <a:r>
+              <a:rPr lang="pt-BR" sz="2000" dirty="0" smtClean="0"/>
+              <a:t>.</a:t>
+            </a:r>
+            <a:r>
+              <a:rPr lang="pt-BR" sz="2000" dirty="0" err="1" smtClean="0"/>
+              <a:t>io</a:t>
+            </a:r>
+            <a:r>
+              <a:rPr lang="pt-BR" sz="2000" dirty="0" smtClean="0"/>
+              <a:t>.</a:t>
+            </a:r>
+            <a:r>
+              <a:rPr lang="pt-BR" sz="2000" dirty="0" err="1" smtClean="0"/>
+              <a:t>ByteArrayInputStream</a:t>
+            </a:r>
+            <a:endParaRPr lang="pt-BR" sz="2000" dirty="0" smtClean="0"/>
+          </a:p>
+          <a:p>
+            <a:r>
+              <a:rPr lang="pt-BR" sz="2400" dirty="0" smtClean="0"/>
+              <a:t>Arquivos de acesso randômico</a:t>
+            </a:r>
+          </a:p>
+          <a:p>
+            <a:pPr lvl="1"/>
+            <a:r>
+              <a:rPr lang="pt-BR" sz="2000" dirty="0" err="1" smtClean="0"/>
+              <a:t>java</a:t>
+            </a:r>
+            <a:r>
+              <a:rPr lang="pt-BR" sz="2000" dirty="0" smtClean="0"/>
+              <a:t>.</a:t>
+            </a:r>
+            <a:r>
+              <a:rPr lang="pt-BR" sz="2000" dirty="0" err="1" smtClean="0"/>
+              <a:t>io</a:t>
+            </a:r>
+            <a:r>
+              <a:rPr lang="pt-BR" sz="2000" dirty="0" smtClean="0"/>
+              <a:t>.</a:t>
+            </a:r>
+            <a:r>
+              <a:rPr lang="pt-BR" sz="2000" dirty="0" err="1" smtClean="0"/>
+              <a:t>RandomAccessFile</a:t>
+            </a:r>
+            <a:endParaRPr lang="pt-BR" sz="2000" dirty="0" smtClean="0"/>
+          </a:p>
+          <a:p>
+            <a:endParaRPr lang="pt-BR" sz="2400" dirty="0"/>
+          </a:p>
+        </p:txBody>
+      </p:sp>
+      <p:sp>
+        <p:nvSpPr>
+          <p:cNvPr id="5" name="Espaço Reservado para Número de Slide 4"/>
           <p:cNvSpPr>
             <a:spLocks noGrp="1"/>
           </p:cNvSpPr>
@@ -6293,7 +6837,7 @@
             <a:pPr>
               <a:defRPr/>
             </a:pPr>
-            <a:fld id="{676AE120-6210-44C4-9C14-8704E13AF0BD}" type="slidenum">
+            <a:fld id="{35C62884-6945-4AD0-B9E7-509287E8F1F5}" type="slidenum">
               <a:rPr lang="pt-BR" smtClean="0"/>
               <a:pPr>
                 <a:defRPr/>
@@ -6331,7 +6875,7 @@
       </p:grpSpPr>
       <p:sp>
         <p:nvSpPr>
-          <p:cNvPr id="9218" name="Título 1"/>
+          <p:cNvPr id="8194" name="Título 1"/>
           <p:cNvSpPr>
             <a:spLocks noGrp="1"/>
           </p:cNvSpPr>
@@ -6347,14 +6891,14 @@
             <a:pPr eaLnBrk="1" hangingPunct="1"/>
             <a:r>
               <a:rPr lang="pt-BR" smtClean="0"/>
-              <a:t>Métodos</a:t>
-            </a:r>
-          </a:p>
-        </p:txBody>
-      </p:sp>
-      <p:sp>
-        <p:nvSpPr>
-          <p:cNvPr id="9219" name="Espaço Reservado para Conteúdo 2"/>
+              <a:t>Classe OutputStream</a:t>
+            </a:r>
+          </a:p>
+        </p:txBody>
+      </p:sp>
+      <p:sp>
+        <p:nvSpPr>
+          <p:cNvPr id="8195" name="Espaço Reservado para Conteúdo 2"/>
           <p:cNvSpPr>
             <a:spLocks noGrp="1"/>
           </p:cNvSpPr>
@@ -6427,7 +6971,7 @@
       </p:grpSpPr>
       <p:sp>
         <p:nvSpPr>
-          <p:cNvPr id="10242" name="Título 1"/>
+          <p:cNvPr id="9218" name="Título 1"/>
           <p:cNvSpPr>
             <a:spLocks noGrp="1"/>
           </p:cNvSpPr>
@@ -6443,14 +6987,14 @@
             <a:pPr eaLnBrk="1" hangingPunct="1"/>
             <a:r>
               <a:rPr lang="pt-BR" smtClean="0"/>
-              <a:t>Classe InputStream</a:t>
-            </a:r>
-          </a:p>
-        </p:txBody>
-      </p:sp>
-      <p:sp>
-        <p:nvSpPr>
-          <p:cNvPr id="10243" name="Espaço Reservado para Conteúdo 2"/>
+              <a:t>Métodos</a:t>
+            </a:r>
+          </a:p>
+        </p:txBody>
+      </p:sp>
+      <p:sp>
+        <p:nvSpPr>
+          <p:cNvPr id="9219" name="Espaço Reservado para Conteúdo 2"/>
           <p:cNvSpPr>
             <a:spLocks noGrp="1"/>
           </p:cNvSpPr>
@@ -6523,7 +7067,7 @@
       </p:grpSpPr>
       <p:sp>
         <p:nvSpPr>
-          <p:cNvPr id="11266" name="Título 1"/>
+          <p:cNvPr id="10242" name="Título 1"/>
           <p:cNvSpPr>
             <a:spLocks noGrp="1"/>
           </p:cNvSpPr>
@@ -6539,14 +7083,14 @@
             <a:pPr eaLnBrk="1" hangingPunct="1"/>
             <a:r>
               <a:rPr lang="pt-BR" smtClean="0"/>
-              <a:t>Métodos</a:t>
-            </a:r>
-          </a:p>
-        </p:txBody>
-      </p:sp>
-      <p:sp>
-        <p:nvSpPr>
-          <p:cNvPr id="11267" name="Espaço Reservado para Conteúdo 2"/>
+              <a:t>Classe InputStream</a:t>
+            </a:r>
+          </a:p>
+        </p:txBody>
+      </p:sp>
+      <p:sp>
+        <p:nvSpPr>
+          <p:cNvPr id="10243" name="Espaço Reservado para Conteúdo 2"/>
           <p:cNvSpPr>
             <a:spLocks noGrp="1"/>
           </p:cNvSpPr>
@@ -6619,7 +7163,7 @@
       </p:grpSpPr>
       <p:sp>
         <p:nvSpPr>
-          <p:cNvPr id="12290" name="Título 1"/>
+          <p:cNvPr id="11266" name="Título 1"/>
           <p:cNvSpPr>
             <a:spLocks noGrp="1"/>
           </p:cNvSpPr>
@@ -6635,14 +7179,14 @@
             <a:pPr eaLnBrk="1" hangingPunct="1"/>
             <a:r>
               <a:rPr lang="pt-BR" smtClean="0"/>
-              <a:t>Leitura de arquivos binários</a:t>
-            </a:r>
-          </a:p>
-        </p:txBody>
-      </p:sp>
-      <p:sp>
-        <p:nvSpPr>
-          <p:cNvPr id="12291" name="Espaço Reservado para Conteúdo 2"/>
+              <a:t>Métodos</a:t>
+            </a:r>
+          </a:p>
+        </p:txBody>
+      </p:sp>
+      <p:sp>
+        <p:nvSpPr>
+          <p:cNvPr id="11267" name="Espaço Reservado para Conteúdo 2"/>
           <p:cNvSpPr>
             <a:spLocks noGrp="1"/>
           </p:cNvSpPr>
@@ -6715,7 +7259,7 @@
       </p:grpSpPr>
       <p:sp>
         <p:nvSpPr>
-          <p:cNvPr id="13314" name="Título 1"/>
+          <p:cNvPr id="12290" name="Título 1"/>
           <p:cNvSpPr>
             <a:spLocks noGrp="1"/>
           </p:cNvSpPr>
@@ -6731,14 +7275,14 @@
             <a:pPr eaLnBrk="1" hangingPunct="1"/>
             <a:r>
               <a:rPr lang="pt-BR" smtClean="0"/>
-              <a:t>Classe FileInputStream</a:t>
-            </a:r>
-          </a:p>
-        </p:txBody>
-      </p:sp>
-      <p:sp>
-        <p:nvSpPr>
-          <p:cNvPr id="13315" name="Espaço Reservado para Conteúdo 2"/>
+              <a:t>Leitura de arquivos binários</a:t>
+            </a:r>
+          </a:p>
+        </p:txBody>
+      </p:sp>
+      <p:sp>
+        <p:nvSpPr>
+          <p:cNvPr id="12291" name="Espaço Reservado para Conteúdo 2"/>
           <p:cNvSpPr>
             <a:spLocks noGrp="1"/>
           </p:cNvSpPr>
@@ -6811,7 +7355,7 @@
       </p:grpSpPr>
       <p:sp>
         <p:nvSpPr>
-          <p:cNvPr id="14338" name="Título 1"/>
+          <p:cNvPr id="13314" name="Título 1"/>
           <p:cNvSpPr>
             <a:spLocks noGrp="1"/>
           </p:cNvSpPr>
@@ -6827,14 +7371,14 @@
             <a:pPr eaLnBrk="1" hangingPunct="1"/>
             <a:r>
               <a:rPr lang="pt-BR" smtClean="0"/>
-              <a:t>Leitura de arquivos texto</a:t>
-            </a:r>
-          </a:p>
-        </p:txBody>
-      </p:sp>
-      <p:sp>
-        <p:nvSpPr>
-          <p:cNvPr id="14339" name="Espaço Reservado para Conteúdo 2"/>
+              <a:t>Classe FileInputStream</a:t>
+            </a:r>
+          </a:p>
+        </p:txBody>
+      </p:sp>
+      <p:sp>
+        <p:nvSpPr>
+          <p:cNvPr id="13315" name="Espaço Reservado para Conteúdo 2"/>
           <p:cNvSpPr>
             <a:spLocks noGrp="1"/>
           </p:cNvSpPr>
@@ -6907,7 +7451,7 @@
       </p:grpSpPr>
       <p:sp>
         <p:nvSpPr>
-          <p:cNvPr id="15362" name="Título 1"/>
+          <p:cNvPr id="14338" name="Título 1"/>
           <p:cNvSpPr>
             <a:spLocks noGrp="1"/>
           </p:cNvSpPr>
@@ -6923,14 +7467,14 @@
             <a:pPr eaLnBrk="1" hangingPunct="1"/>
             <a:r>
               <a:rPr lang="pt-BR" smtClean="0"/>
-              <a:t>Classe FileReader</a:t>
-            </a:r>
-          </a:p>
-        </p:txBody>
-      </p:sp>
-      <p:sp>
-        <p:nvSpPr>
-          <p:cNvPr id="15363" name="Espaço Reservado para Conteúdo 2"/>
+              <a:t>Leitura de arquivos texto</a:t>
+            </a:r>
+          </a:p>
+        </p:txBody>
+      </p:sp>
+      <p:sp>
+        <p:nvSpPr>
+          <p:cNvPr id="14339" name="Espaço Reservado para Conteúdo 2"/>
           <p:cNvSpPr>
             <a:spLocks noGrp="1"/>
           </p:cNvSpPr>

--- a/trunk/2-Java-Programmer-Modulo-II/16.Capitulo10.pptx
+++ b/trunk/2-Java-Programmer-Modulo-II/16.Capitulo10.pptx
@@ -5,22 +5,30 @@
     <p:sldMasterId id="2147483660" r:id="rId1"/>
   </p:sldMasterIdLst>
   <p:notesMasterIdLst>
-    <p:notesMasterId r:id="rId15"/>
+    <p:notesMasterId r:id="rId23"/>
   </p:notesMasterIdLst>
   <p:sldIdLst>
     <p:sldId id="256" r:id="rId2"/>
     <p:sldId id="309" r:id="rId3"/>
-    <p:sldId id="298" r:id="rId4"/>
-    <p:sldId id="299" r:id="rId5"/>
-    <p:sldId id="300" r:id="rId6"/>
-    <p:sldId id="301" r:id="rId7"/>
-    <p:sldId id="302" r:id="rId8"/>
-    <p:sldId id="303" r:id="rId9"/>
-    <p:sldId id="304" r:id="rId10"/>
-    <p:sldId id="305" r:id="rId11"/>
-    <p:sldId id="306" r:id="rId12"/>
-    <p:sldId id="307" r:id="rId13"/>
-    <p:sldId id="308" r:id="rId14"/>
+    <p:sldId id="323" r:id="rId4"/>
+    <p:sldId id="298" r:id="rId5"/>
+    <p:sldId id="310" r:id="rId6"/>
+    <p:sldId id="311" r:id="rId7"/>
+    <p:sldId id="312" r:id="rId8"/>
+    <p:sldId id="313" r:id="rId9"/>
+    <p:sldId id="314" r:id="rId10"/>
+    <p:sldId id="300" r:id="rId11"/>
+    <p:sldId id="315" r:id="rId12"/>
+    <p:sldId id="316" r:id="rId13"/>
+    <p:sldId id="301" r:id="rId14"/>
+    <p:sldId id="317" r:id="rId15"/>
+    <p:sldId id="318" r:id="rId16"/>
+    <p:sldId id="302" r:id="rId17"/>
+    <p:sldId id="319" r:id="rId18"/>
+    <p:sldId id="320" r:id="rId19"/>
+    <p:sldId id="303" r:id="rId20"/>
+    <p:sldId id="321" r:id="rId21"/>
+    <p:sldId id="322" r:id="rId22"/>
   </p:sldIdLst>
   <p:sldSz cx="9144000" cy="6858000" type="screen4x3"/>
   <p:notesSz cx="6858000" cy="9144000"/>
@@ -261,7 +269,7 @@
               <a:pPr>
                 <a:defRPr/>
               </a:pPr>
-              <a:t>02/05/2012</a:t>
+              <a:t>03/05/2012</a:t>
             </a:fld>
             <a:endParaRPr lang="pt-BR"/>
           </a:p>
@@ -730,7 +738,7 @@
       </p:grpSpPr>
       <p:sp>
         <p:nvSpPr>
-          <p:cNvPr id="28674" name="Espaço Reservado para Imagem de Slide 1"/>
+          <p:cNvPr id="23554" name="Espaço Reservado para Imagem de Slide 1"/>
           <p:cNvSpPr>
             <a:spLocks noGrp="1" noRot="1" noChangeAspect="1" noTextEdit="1"/>
           </p:cNvSpPr>
@@ -752,7 +760,7 @@
       </p:sp>
       <p:sp>
         <p:nvSpPr>
-          <p:cNvPr id="28675" name="Espaço Reservado para Anotações 2"/>
+          <p:cNvPr id="23555" name="Espaço Reservado para Anotações 2"/>
           <p:cNvSpPr>
             <a:spLocks noGrp="1"/>
           </p:cNvSpPr>
@@ -793,7 +801,7 @@
             <a:pPr>
               <a:defRPr/>
             </a:pPr>
-            <a:fld id="{CB3FF845-4009-4067-8E08-C6A18F56A150}" type="slidenum">
+            <a:fld id="{6B8F65D9-89BC-4556-92A1-CAFAFB5983F5}" type="slidenum">
               <a:rPr lang="pt-BR" smtClean="0"/>
               <a:pPr>
                 <a:defRPr/>
@@ -831,29 +839,19 @@
       </p:grpSpPr>
       <p:sp>
         <p:nvSpPr>
-          <p:cNvPr id="29698" name="Espaço Reservado para Imagem de Slide 1"/>
-          <p:cNvSpPr>
-            <a:spLocks noGrp="1" noRot="1" noChangeAspect="1" noTextEdit="1"/>
+          <p:cNvPr id="2" name="Espaço Reservado para Imagem de Slide 1"/>
+          <p:cNvSpPr>
+            <a:spLocks noGrp="1" noRot="1" noChangeAspect="1"/>
           </p:cNvSpPr>
           <p:nvPr>
             <p:ph type="sldImg"/>
           </p:nvPr>
         </p:nvSpPr>
-        <p:spPr bwMode="auto">
-          <a:noFill/>
-          <a:ln>
-            <a:solidFill>
-              <a:srgbClr val="000000"/>
-            </a:solidFill>
-            <a:miter lim="800000"/>
-            <a:headEnd/>
-            <a:tailEnd/>
-          </a:ln>
-        </p:spPr>
-      </p:sp>
-      <p:sp>
-        <p:nvSpPr>
-          <p:cNvPr id="29699" name="Espaço Reservado para Anotações 2"/>
+        <p:spPr/>
+      </p:sp>
+      <p:sp>
+        <p:nvSpPr>
+          <p:cNvPr id="3" name="Espaço Reservado para Anotações 2"/>
           <p:cNvSpPr>
             <a:spLocks noGrp="1"/>
           </p:cNvSpPr>
@@ -861,18 +859,14 @@
             <p:ph type="body" idx="1"/>
           </p:nvPr>
         </p:nvSpPr>
-        <p:spPr bwMode="auto">
-          <a:noFill/>
-        </p:spPr>
-        <p:txBody>
-          <a:bodyPr wrap="square" numCol="1" anchor="t" anchorCtr="0" compatLnSpc="1">
-            <a:prstTxWarp prst="textNoShape">
-              <a:avLst/>
-            </a:prstTxWarp>
+        <p:spPr/>
+        <p:txBody>
+          <a:bodyPr>
+            <a:normAutofit/>
           </a:bodyPr>
           <a:lstStyle/>
           <a:p>
-            <a:endParaRPr lang="pt-BR" smtClean="0"/>
+            <a:endParaRPr lang="pt-BR"/>
           </a:p>
         </p:txBody>
       </p:sp>
@@ -883,7 +877,7 @@
             <a:spLocks noGrp="1"/>
           </p:cNvSpPr>
           <p:nvPr>
-            <p:ph type="sldNum" sz="quarter" idx="5"/>
+            <p:ph type="sldNum" sz="quarter" idx="10"/>
           </p:nvPr>
         </p:nvSpPr>
         <p:spPr/>
@@ -894,7 +888,7 @@
             <a:pPr>
               <a:defRPr/>
             </a:pPr>
-            <a:fld id="{0F139F0C-3366-48F3-A388-8D5CB0E390FF}" type="slidenum">
+            <a:fld id="{373010A1-97EB-4147-B509-23B1A33D8481}" type="slidenum">
               <a:rPr lang="pt-BR" smtClean="0"/>
               <a:pPr>
                 <a:defRPr/>
@@ -932,29 +926,19 @@
       </p:grpSpPr>
       <p:sp>
         <p:nvSpPr>
-          <p:cNvPr id="30722" name="Espaço Reservado para Imagem de Slide 1"/>
-          <p:cNvSpPr>
-            <a:spLocks noGrp="1" noRot="1" noChangeAspect="1" noTextEdit="1"/>
+          <p:cNvPr id="2" name="Espaço Reservado para Imagem de Slide 1"/>
+          <p:cNvSpPr>
+            <a:spLocks noGrp="1" noRot="1" noChangeAspect="1"/>
           </p:cNvSpPr>
           <p:nvPr>
             <p:ph type="sldImg"/>
           </p:nvPr>
         </p:nvSpPr>
-        <p:spPr bwMode="auto">
-          <a:noFill/>
-          <a:ln>
-            <a:solidFill>
-              <a:srgbClr val="000000"/>
-            </a:solidFill>
-            <a:miter lim="800000"/>
-            <a:headEnd/>
-            <a:tailEnd/>
-          </a:ln>
-        </p:spPr>
-      </p:sp>
-      <p:sp>
-        <p:nvSpPr>
-          <p:cNvPr id="30723" name="Espaço Reservado para Anotações 2"/>
+        <p:spPr/>
+      </p:sp>
+      <p:sp>
+        <p:nvSpPr>
+          <p:cNvPr id="3" name="Espaço Reservado para Anotações 2"/>
           <p:cNvSpPr>
             <a:spLocks noGrp="1"/>
           </p:cNvSpPr>
@@ -962,18 +946,14 @@
             <p:ph type="body" idx="1"/>
           </p:nvPr>
         </p:nvSpPr>
-        <p:spPr bwMode="auto">
-          <a:noFill/>
-        </p:spPr>
-        <p:txBody>
-          <a:bodyPr wrap="square" numCol="1" anchor="t" anchorCtr="0" compatLnSpc="1">
-            <a:prstTxWarp prst="textNoShape">
-              <a:avLst/>
-            </a:prstTxWarp>
+        <p:spPr/>
+        <p:txBody>
+          <a:bodyPr>
+            <a:normAutofit/>
           </a:bodyPr>
           <a:lstStyle/>
           <a:p>
-            <a:endParaRPr lang="pt-BR" smtClean="0"/>
+            <a:endParaRPr lang="pt-BR"/>
           </a:p>
         </p:txBody>
       </p:sp>
@@ -984,7 +964,7 @@
             <a:spLocks noGrp="1"/>
           </p:cNvSpPr>
           <p:nvPr>
-            <p:ph type="sldNum" sz="quarter" idx="5"/>
+            <p:ph type="sldNum" sz="quarter" idx="10"/>
           </p:nvPr>
         </p:nvSpPr>
         <p:spPr/>
@@ -995,7 +975,7 @@
             <a:pPr>
               <a:defRPr/>
             </a:pPr>
-            <a:fld id="{2B496507-147A-4E90-8297-737FD993F4E5}" type="slidenum">
+            <a:fld id="{373010A1-97EB-4147-B509-23B1A33D8481}" type="slidenum">
               <a:rPr lang="pt-BR" smtClean="0"/>
               <a:pPr>
                 <a:defRPr/>
@@ -1033,7 +1013,7 @@
       </p:grpSpPr>
       <p:sp>
         <p:nvSpPr>
-          <p:cNvPr id="31746" name="Espaço Reservado para Imagem de Slide 1"/>
+          <p:cNvPr id="24578" name="Espaço Reservado para Imagem de Slide 1"/>
           <p:cNvSpPr>
             <a:spLocks noGrp="1" noRot="1" noChangeAspect="1" noTextEdit="1"/>
           </p:cNvSpPr>
@@ -1055,7 +1035,7 @@
       </p:sp>
       <p:sp>
         <p:nvSpPr>
-          <p:cNvPr id="31747" name="Espaço Reservado para Anotações 2"/>
+          <p:cNvPr id="24579" name="Espaço Reservado para Anotações 2"/>
           <p:cNvSpPr>
             <a:spLocks noGrp="1"/>
           </p:cNvSpPr>
@@ -1096,12 +1076,562 @@
             <a:pPr>
               <a:defRPr/>
             </a:pPr>
-            <a:fld id="{95153150-84FA-41F4-9BF1-3F7875CF2B31}" type="slidenum">
+            <a:fld id="{34175632-67D5-4670-88B2-2454E24DEDD1}" type="slidenum">
               <a:rPr lang="pt-BR" smtClean="0"/>
               <a:pPr>
                 <a:defRPr/>
               </a:pPr>
               <a:t>13</a:t>
+            </a:fld>
+            <a:endParaRPr lang="pt-BR"/>
+          </a:p>
+        </p:txBody>
+      </p:sp>
+    </p:spTree>
+  </p:cSld>
+  <p:clrMapOvr>
+    <a:masterClrMapping/>
+  </p:clrMapOvr>
+</p:notes>
+</file>
+
+<file path=ppt/notesSlides/notesSlide14.xml><?xml version="1.0" encoding="utf-8"?>
+<p:notes xmlns:a="http://schemas.openxmlformats.org/drawingml/2006/main" xmlns:r="http://schemas.openxmlformats.org/officeDocument/2006/relationships" xmlns:p="http://schemas.openxmlformats.org/presentationml/2006/main">
+  <p:cSld>
+    <p:spTree>
+      <p:nvGrpSpPr>
+        <p:cNvPr id="1" name=""/>
+        <p:cNvGrpSpPr/>
+        <p:nvPr/>
+      </p:nvGrpSpPr>
+      <p:grpSpPr>
+        <a:xfrm>
+          <a:off x="0" y="0"/>
+          <a:ext cx="0" cy="0"/>
+          <a:chOff x="0" y="0"/>
+          <a:chExt cx="0" cy="0"/>
+        </a:xfrm>
+      </p:grpSpPr>
+      <p:sp>
+        <p:nvSpPr>
+          <p:cNvPr id="2" name="Espaço Reservado para Imagem de Slide 1"/>
+          <p:cNvSpPr>
+            <a:spLocks noGrp="1" noRot="1" noChangeAspect="1"/>
+          </p:cNvSpPr>
+          <p:nvPr>
+            <p:ph type="sldImg"/>
+          </p:nvPr>
+        </p:nvSpPr>
+        <p:spPr/>
+      </p:sp>
+      <p:sp>
+        <p:nvSpPr>
+          <p:cNvPr id="3" name="Espaço Reservado para Anotações 2"/>
+          <p:cNvSpPr>
+            <a:spLocks noGrp="1"/>
+          </p:cNvSpPr>
+          <p:nvPr>
+            <p:ph type="body" idx="1"/>
+          </p:nvPr>
+        </p:nvSpPr>
+        <p:spPr/>
+        <p:txBody>
+          <a:bodyPr>
+            <a:normAutofit/>
+          </a:bodyPr>
+          <a:lstStyle/>
+          <a:p>
+            <a:endParaRPr lang="pt-BR"/>
+          </a:p>
+        </p:txBody>
+      </p:sp>
+      <p:sp>
+        <p:nvSpPr>
+          <p:cNvPr id="4" name="Espaço Reservado para Número de Slide 3"/>
+          <p:cNvSpPr>
+            <a:spLocks noGrp="1"/>
+          </p:cNvSpPr>
+          <p:nvPr>
+            <p:ph type="sldNum" sz="quarter" idx="10"/>
+          </p:nvPr>
+        </p:nvSpPr>
+        <p:spPr/>
+        <p:txBody>
+          <a:bodyPr/>
+          <a:lstStyle/>
+          <a:p>
+            <a:pPr>
+              <a:defRPr/>
+            </a:pPr>
+            <a:fld id="{373010A1-97EB-4147-B509-23B1A33D8481}" type="slidenum">
+              <a:rPr lang="pt-BR" smtClean="0"/>
+              <a:pPr>
+                <a:defRPr/>
+              </a:pPr>
+              <a:t>14</a:t>
+            </a:fld>
+            <a:endParaRPr lang="pt-BR"/>
+          </a:p>
+        </p:txBody>
+      </p:sp>
+    </p:spTree>
+  </p:cSld>
+  <p:clrMapOvr>
+    <a:masterClrMapping/>
+  </p:clrMapOvr>
+</p:notes>
+</file>
+
+<file path=ppt/notesSlides/notesSlide15.xml><?xml version="1.0" encoding="utf-8"?>
+<p:notes xmlns:a="http://schemas.openxmlformats.org/drawingml/2006/main" xmlns:r="http://schemas.openxmlformats.org/officeDocument/2006/relationships" xmlns:p="http://schemas.openxmlformats.org/presentationml/2006/main">
+  <p:cSld>
+    <p:spTree>
+      <p:nvGrpSpPr>
+        <p:cNvPr id="1" name=""/>
+        <p:cNvGrpSpPr/>
+        <p:nvPr/>
+      </p:nvGrpSpPr>
+      <p:grpSpPr>
+        <a:xfrm>
+          <a:off x="0" y="0"/>
+          <a:ext cx="0" cy="0"/>
+          <a:chOff x="0" y="0"/>
+          <a:chExt cx="0" cy="0"/>
+        </a:xfrm>
+      </p:grpSpPr>
+      <p:sp>
+        <p:nvSpPr>
+          <p:cNvPr id="2" name="Espaço Reservado para Imagem de Slide 1"/>
+          <p:cNvSpPr>
+            <a:spLocks noGrp="1" noRot="1" noChangeAspect="1"/>
+          </p:cNvSpPr>
+          <p:nvPr>
+            <p:ph type="sldImg"/>
+          </p:nvPr>
+        </p:nvSpPr>
+        <p:spPr/>
+      </p:sp>
+      <p:sp>
+        <p:nvSpPr>
+          <p:cNvPr id="3" name="Espaço Reservado para Anotações 2"/>
+          <p:cNvSpPr>
+            <a:spLocks noGrp="1"/>
+          </p:cNvSpPr>
+          <p:nvPr>
+            <p:ph type="body" idx="1"/>
+          </p:nvPr>
+        </p:nvSpPr>
+        <p:spPr/>
+        <p:txBody>
+          <a:bodyPr>
+            <a:normAutofit/>
+          </a:bodyPr>
+          <a:lstStyle/>
+          <a:p>
+            <a:endParaRPr lang="pt-BR"/>
+          </a:p>
+        </p:txBody>
+      </p:sp>
+      <p:sp>
+        <p:nvSpPr>
+          <p:cNvPr id="4" name="Espaço Reservado para Número de Slide 3"/>
+          <p:cNvSpPr>
+            <a:spLocks noGrp="1"/>
+          </p:cNvSpPr>
+          <p:nvPr>
+            <p:ph type="sldNum" sz="quarter" idx="10"/>
+          </p:nvPr>
+        </p:nvSpPr>
+        <p:spPr/>
+        <p:txBody>
+          <a:bodyPr/>
+          <a:lstStyle/>
+          <a:p>
+            <a:pPr>
+              <a:defRPr/>
+            </a:pPr>
+            <a:fld id="{373010A1-97EB-4147-B509-23B1A33D8481}" type="slidenum">
+              <a:rPr lang="pt-BR" smtClean="0"/>
+              <a:pPr>
+                <a:defRPr/>
+              </a:pPr>
+              <a:t>15</a:t>
+            </a:fld>
+            <a:endParaRPr lang="pt-BR"/>
+          </a:p>
+        </p:txBody>
+      </p:sp>
+    </p:spTree>
+  </p:cSld>
+  <p:clrMapOvr>
+    <a:masterClrMapping/>
+  </p:clrMapOvr>
+</p:notes>
+</file>
+
+<file path=ppt/notesSlides/notesSlide16.xml><?xml version="1.0" encoding="utf-8"?>
+<p:notes xmlns:a="http://schemas.openxmlformats.org/drawingml/2006/main" xmlns:r="http://schemas.openxmlformats.org/officeDocument/2006/relationships" xmlns:p="http://schemas.openxmlformats.org/presentationml/2006/main">
+  <p:cSld>
+    <p:spTree>
+      <p:nvGrpSpPr>
+        <p:cNvPr id="1" name=""/>
+        <p:cNvGrpSpPr/>
+        <p:nvPr/>
+      </p:nvGrpSpPr>
+      <p:grpSpPr>
+        <a:xfrm>
+          <a:off x="0" y="0"/>
+          <a:ext cx="0" cy="0"/>
+          <a:chOff x="0" y="0"/>
+          <a:chExt cx="0" cy="0"/>
+        </a:xfrm>
+      </p:grpSpPr>
+      <p:sp>
+        <p:nvSpPr>
+          <p:cNvPr id="25602" name="Espaço Reservado para Imagem de Slide 1"/>
+          <p:cNvSpPr>
+            <a:spLocks noGrp="1" noRot="1" noChangeAspect="1" noTextEdit="1"/>
+          </p:cNvSpPr>
+          <p:nvPr>
+            <p:ph type="sldImg"/>
+          </p:nvPr>
+        </p:nvSpPr>
+        <p:spPr bwMode="auto">
+          <a:noFill/>
+          <a:ln>
+            <a:solidFill>
+              <a:srgbClr val="000000"/>
+            </a:solidFill>
+            <a:miter lim="800000"/>
+            <a:headEnd/>
+            <a:tailEnd/>
+          </a:ln>
+        </p:spPr>
+      </p:sp>
+      <p:sp>
+        <p:nvSpPr>
+          <p:cNvPr id="25603" name="Espaço Reservado para Anotações 2"/>
+          <p:cNvSpPr>
+            <a:spLocks noGrp="1"/>
+          </p:cNvSpPr>
+          <p:nvPr>
+            <p:ph type="body" idx="1"/>
+          </p:nvPr>
+        </p:nvSpPr>
+        <p:spPr bwMode="auto">
+          <a:noFill/>
+        </p:spPr>
+        <p:txBody>
+          <a:bodyPr wrap="square" numCol="1" anchor="t" anchorCtr="0" compatLnSpc="1">
+            <a:prstTxWarp prst="textNoShape">
+              <a:avLst/>
+            </a:prstTxWarp>
+          </a:bodyPr>
+          <a:lstStyle/>
+          <a:p>
+            <a:endParaRPr lang="pt-BR" smtClean="0"/>
+          </a:p>
+        </p:txBody>
+      </p:sp>
+      <p:sp>
+        <p:nvSpPr>
+          <p:cNvPr id="4" name="Espaço Reservado para Número de Slide 3"/>
+          <p:cNvSpPr>
+            <a:spLocks noGrp="1"/>
+          </p:cNvSpPr>
+          <p:nvPr>
+            <p:ph type="sldNum" sz="quarter" idx="5"/>
+          </p:nvPr>
+        </p:nvSpPr>
+        <p:spPr/>
+        <p:txBody>
+          <a:bodyPr/>
+          <a:lstStyle/>
+          <a:p>
+            <a:pPr>
+              <a:defRPr/>
+            </a:pPr>
+            <a:fld id="{D8C329BD-2EA1-406B-9012-15A398588625}" type="slidenum">
+              <a:rPr lang="pt-BR" smtClean="0"/>
+              <a:pPr>
+                <a:defRPr/>
+              </a:pPr>
+              <a:t>16</a:t>
+            </a:fld>
+            <a:endParaRPr lang="pt-BR"/>
+          </a:p>
+        </p:txBody>
+      </p:sp>
+    </p:spTree>
+  </p:cSld>
+  <p:clrMapOvr>
+    <a:masterClrMapping/>
+  </p:clrMapOvr>
+</p:notes>
+</file>
+
+<file path=ppt/notesSlides/notesSlide17.xml><?xml version="1.0" encoding="utf-8"?>
+<p:notes xmlns:a="http://schemas.openxmlformats.org/drawingml/2006/main" xmlns:r="http://schemas.openxmlformats.org/officeDocument/2006/relationships" xmlns:p="http://schemas.openxmlformats.org/presentationml/2006/main">
+  <p:cSld>
+    <p:spTree>
+      <p:nvGrpSpPr>
+        <p:cNvPr id="1" name=""/>
+        <p:cNvGrpSpPr/>
+        <p:nvPr/>
+      </p:nvGrpSpPr>
+      <p:grpSpPr>
+        <a:xfrm>
+          <a:off x="0" y="0"/>
+          <a:ext cx="0" cy="0"/>
+          <a:chOff x="0" y="0"/>
+          <a:chExt cx="0" cy="0"/>
+        </a:xfrm>
+      </p:grpSpPr>
+      <p:sp>
+        <p:nvSpPr>
+          <p:cNvPr id="2" name="Espaço Reservado para Imagem de Slide 1"/>
+          <p:cNvSpPr>
+            <a:spLocks noGrp="1" noRot="1" noChangeAspect="1"/>
+          </p:cNvSpPr>
+          <p:nvPr>
+            <p:ph type="sldImg"/>
+          </p:nvPr>
+        </p:nvSpPr>
+        <p:spPr/>
+      </p:sp>
+      <p:sp>
+        <p:nvSpPr>
+          <p:cNvPr id="3" name="Espaço Reservado para Anotações 2"/>
+          <p:cNvSpPr>
+            <a:spLocks noGrp="1"/>
+          </p:cNvSpPr>
+          <p:nvPr>
+            <p:ph type="body" idx="1"/>
+          </p:nvPr>
+        </p:nvSpPr>
+        <p:spPr/>
+        <p:txBody>
+          <a:bodyPr>
+            <a:normAutofit/>
+          </a:bodyPr>
+          <a:lstStyle/>
+          <a:p>
+            <a:endParaRPr lang="pt-BR"/>
+          </a:p>
+        </p:txBody>
+      </p:sp>
+      <p:sp>
+        <p:nvSpPr>
+          <p:cNvPr id="4" name="Espaço Reservado para Número de Slide 3"/>
+          <p:cNvSpPr>
+            <a:spLocks noGrp="1"/>
+          </p:cNvSpPr>
+          <p:nvPr>
+            <p:ph type="sldNum" sz="quarter" idx="10"/>
+          </p:nvPr>
+        </p:nvSpPr>
+        <p:spPr/>
+        <p:txBody>
+          <a:bodyPr/>
+          <a:lstStyle/>
+          <a:p>
+            <a:pPr>
+              <a:defRPr/>
+            </a:pPr>
+            <a:fld id="{373010A1-97EB-4147-B509-23B1A33D8481}" type="slidenum">
+              <a:rPr lang="pt-BR" smtClean="0"/>
+              <a:pPr>
+                <a:defRPr/>
+              </a:pPr>
+              <a:t>17</a:t>
+            </a:fld>
+            <a:endParaRPr lang="pt-BR"/>
+          </a:p>
+        </p:txBody>
+      </p:sp>
+    </p:spTree>
+  </p:cSld>
+  <p:clrMapOvr>
+    <a:masterClrMapping/>
+  </p:clrMapOvr>
+</p:notes>
+</file>
+
+<file path=ppt/notesSlides/notesSlide18.xml><?xml version="1.0" encoding="utf-8"?>
+<p:notes xmlns:a="http://schemas.openxmlformats.org/drawingml/2006/main" xmlns:r="http://schemas.openxmlformats.org/officeDocument/2006/relationships" xmlns:p="http://schemas.openxmlformats.org/presentationml/2006/main">
+  <p:cSld>
+    <p:spTree>
+      <p:nvGrpSpPr>
+        <p:cNvPr id="1" name=""/>
+        <p:cNvGrpSpPr/>
+        <p:nvPr/>
+      </p:nvGrpSpPr>
+      <p:grpSpPr>
+        <a:xfrm>
+          <a:off x="0" y="0"/>
+          <a:ext cx="0" cy="0"/>
+          <a:chOff x="0" y="0"/>
+          <a:chExt cx="0" cy="0"/>
+        </a:xfrm>
+      </p:grpSpPr>
+      <p:sp>
+        <p:nvSpPr>
+          <p:cNvPr id="2" name="Espaço Reservado para Imagem de Slide 1"/>
+          <p:cNvSpPr>
+            <a:spLocks noGrp="1" noRot="1" noChangeAspect="1"/>
+          </p:cNvSpPr>
+          <p:nvPr>
+            <p:ph type="sldImg"/>
+          </p:nvPr>
+        </p:nvSpPr>
+        <p:spPr/>
+      </p:sp>
+      <p:sp>
+        <p:nvSpPr>
+          <p:cNvPr id="3" name="Espaço Reservado para Anotações 2"/>
+          <p:cNvSpPr>
+            <a:spLocks noGrp="1"/>
+          </p:cNvSpPr>
+          <p:nvPr>
+            <p:ph type="body" idx="1"/>
+          </p:nvPr>
+        </p:nvSpPr>
+        <p:spPr/>
+        <p:txBody>
+          <a:bodyPr>
+            <a:normAutofit/>
+          </a:bodyPr>
+          <a:lstStyle/>
+          <a:p>
+            <a:endParaRPr lang="pt-BR"/>
+          </a:p>
+        </p:txBody>
+      </p:sp>
+      <p:sp>
+        <p:nvSpPr>
+          <p:cNvPr id="4" name="Espaço Reservado para Número de Slide 3"/>
+          <p:cNvSpPr>
+            <a:spLocks noGrp="1"/>
+          </p:cNvSpPr>
+          <p:nvPr>
+            <p:ph type="sldNum" sz="quarter" idx="10"/>
+          </p:nvPr>
+        </p:nvSpPr>
+        <p:spPr/>
+        <p:txBody>
+          <a:bodyPr/>
+          <a:lstStyle/>
+          <a:p>
+            <a:pPr>
+              <a:defRPr/>
+            </a:pPr>
+            <a:fld id="{373010A1-97EB-4147-B509-23B1A33D8481}" type="slidenum">
+              <a:rPr lang="pt-BR" smtClean="0"/>
+              <a:pPr>
+                <a:defRPr/>
+              </a:pPr>
+              <a:t>18</a:t>
+            </a:fld>
+            <a:endParaRPr lang="pt-BR"/>
+          </a:p>
+        </p:txBody>
+      </p:sp>
+    </p:spTree>
+  </p:cSld>
+  <p:clrMapOvr>
+    <a:masterClrMapping/>
+  </p:clrMapOvr>
+</p:notes>
+</file>
+
+<file path=ppt/notesSlides/notesSlide19.xml><?xml version="1.0" encoding="utf-8"?>
+<p:notes xmlns:a="http://schemas.openxmlformats.org/drawingml/2006/main" xmlns:r="http://schemas.openxmlformats.org/officeDocument/2006/relationships" xmlns:p="http://schemas.openxmlformats.org/presentationml/2006/main">
+  <p:cSld>
+    <p:spTree>
+      <p:nvGrpSpPr>
+        <p:cNvPr id="1" name=""/>
+        <p:cNvGrpSpPr/>
+        <p:nvPr/>
+      </p:nvGrpSpPr>
+      <p:grpSpPr>
+        <a:xfrm>
+          <a:off x="0" y="0"/>
+          <a:ext cx="0" cy="0"/>
+          <a:chOff x="0" y="0"/>
+          <a:chExt cx="0" cy="0"/>
+        </a:xfrm>
+      </p:grpSpPr>
+      <p:sp>
+        <p:nvSpPr>
+          <p:cNvPr id="26626" name="Espaço Reservado para Imagem de Slide 1"/>
+          <p:cNvSpPr>
+            <a:spLocks noGrp="1" noRot="1" noChangeAspect="1" noTextEdit="1"/>
+          </p:cNvSpPr>
+          <p:nvPr>
+            <p:ph type="sldImg"/>
+          </p:nvPr>
+        </p:nvSpPr>
+        <p:spPr bwMode="auto">
+          <a:noFill/>
+          <a:ln>
+            <a:solidFill>
+              <a:srgbClr val="000000"/>
+            </a:solidFill>
+            <a:miter lim="800000"/>
+            <a:headEnd/>
+            <a:tailEnd/>
+          </a:ln>
+        </p:spPr>
+      </p:sp>
+      <p:sp>
+        <p:nvSpPr>
+          <p:cNvPr id="26627" name="Espaço Reservado para Anotações 2"/>
+          <p:cNvSpPr>
+            <a:spLocks noGrp="1"/>
+          </p:cNvSpPr>
+          <p:nvPr>
+            <p:ph type="body" idx="1"/>
+          </p:nvPr>
+        </p:nvSpPr>
+        <p:spPr bwMode="auto">
+          <a:noFill/>
+        </p:spPr>
+        <p:txBody>
+          <a:bodyPr wrap="square" numCol="1" anchor="t" anchorCtr="0" compatLnSpc="1">
+            <a:prstTxWarp prst="textNoShape">
+              <a:avLst/>
+            </a:prstTxWarp>
+          </a:bodyPr>
+          <a:lstStyle/>
+          <a:p>
+            <a:endParaRPr lang="pt-BR" smtClean="0"/>
+          </a:p>
+        </p:txBody>
+      </p:sp>
+      <p:sp>
+        <p:nvSpPr>
+          <p:cNvPr id="4" name="Espaço Reservado para Número de Slide 3"/>
+          <p:cNvSpPr>
+            <a:spLocks noGrp="1"/>
+          </p:cNvSpPr>
+          <p:nvPr>
+            <p:ph type="sldNum" sz="quarter" idx="5"/>
+          </p:nvPr>
+        </p:nvSpPr>
+        <p:spPr/>
+        <p:txBody>
+          <a:bodyPr/>
+          <a:lstStyle/>
+          <a:p>
+            <a:pPr>
+              <a:defRPr/>
+            </a:pPr>
+            <a:fld id="{06A37879-4216-4327-8CFB-D8AEF1EC61E8}" type="slidenum">
+              <a:rPr lang="pt-BR" smtClean="0"/>
+              <a:pPr>
+                <a:defRPr/>
+              </a:pPr>
+              <a:t>19</a:t>
             </a:fld>
             <a:endParaRPr lang="pt-BR"/>
           </a:p>
@@ -1202,6 +1732,180 @@
 </p:notes>
 </file>
 
+<file path=ppt/notesSlides/notesSlide20.xml><?xml version="1.0" encoding="utf-8"?>
+<p:notes xmlns:a="http://schemas.openxmlformats.org/drawingml/2006/main" xmlns:r="http://schemas.openxmlformats.org/officeDocument/2006/relationships" xmlns:p="http://schemas.openxmlformats.org/presentationml/2006/main">
+  <p:cSld>
+    <p:spTree>
+      <p:nvGrpSpPr>
+        <p:cNvPr id="1" name=""/>
+        <p:cNvGrpSpPr/>
+        <p:nvPr/>
+      </p:nvGrpSpPr>
+      <p:grpSpPr>
+        <a:xfrm>
+          <a:off x="0" y="0"/>
+          <a:ext cx="0" cy="0"/>
+          <a:chOff x="0" y="0"/>
+          <a:chExt cx="0" cy="0"/>
+        </a:xfrm>
+      </p:grpSpPr>
+      <p:sp>
+        <p:nvSpPr>
+          <p:cNvPr id="2" name="Espaço Reservado para Imagem de Slide 1"/>
+          <p:cNvSpPr>
+            <a:spLocks noGrp="1" noRot="1" noChangeAspect="1"/>
+          </p:cNvSpPr>
+          <p:nvPr>
+            <p:ph type="sldImg"/>
+          </p:nvPr>
+        </p:nvSpPr>
+        <p:spPr/>
+      </p:sp>
+      <p:sp>
+        <p:nvSpPr>
+          <p:cNvPr id="3" name="Espaço Reservado para Anotações 2"/>
+          <p:cNvSpPr>
+            <a:spLocks noGrp="1"/>
+          </p:cNvSpPr>
+          <p:nvPr>
+            <p:ph type="body" idx="1"/>
+          </p:nvPr>
+        </p:nvSpPr>
+        <p:spPr/>
+        <p:txBody>
+          <a:bodyPr>
+            <a:normAutofit/>
+          </a:bodyPr>
+          <a:lstStyle/>
+          <a:p>
+            <a:endParaRPr lang="pt-BR"/>
+          </a:p>
+        </p:txBody>
+      </p:sp>
+      <p:sp>
+        <p:nvSpPr>
+          <p:cNvPr id="4" name="Espaço Reservado para Número de Slide 3"/>
+          <p:cNvSpPr>
+            <a:spLocks noGrp="1"/>
+          </p:cNvSpPr>
+          <p:nvPr>
+            <p:ph type="sldNum" sz="quarter" idx="10"/>
+          </p:nvPr>
+        </p:nvSpPr>
+        <p:spPr/>
+        <p:txBody>
+          <a:bodyPr/>
+          <a:lstStyle/>
+          <a:p>
+            <a:pPr>
+              <a:defRPr/>
+            </a:pPr>
+            <a:fld id="{373010A1-97EB-4147-B509-23B1A33D8481}" type="slidenum">
+              <a:rPr lang="pt-BR" smtClean="0"/>
+              <a:pPr>
+                <a:defRPr/>
+              </a:pPr>
+              <a:t>20</a:t>
+            </a:fld>
+            <a:endParaRPr lang="pt-BR"/>
+          </a:p>
+        </p:txBody>
+      </p:sp>
+    </p:spTree>
+  </p:cSld>
+  <p:clrMapOvr>
+    <a:masterClrMapping/>
+  </p:clrMapOvr>
+</p:notes>
+</file>
+
+<file path=ppt/notesSlides/notesSlide21.xml><?xml version="1.0" encoding="utf-8"?>
+<p:notes xmlns:a="http://schemas.openxmlformats.org/drawingml/2006/main" xmlns:r="http://schemas.openxmlformats.org/officeDocument/2006/relationships" xmlns:p="http://schemas.openxmlformats.org/presentationml/2006/main">
+  <p:cSld>
+    <p:spTree>
+      <p:nvGrpSpPr>
+        <p:cNvPr id="1" name=""/>
+        <p:cNvGrpSpPr/>
+        <p:nvPr/>
+      </p:nvGrpSpPr>
+      <p:grpSpPr>
+        <a:xfrm>
+          <a:off x="0" y="0"/>
+          <a:ext cx="0" cy="0"/>
+          <a:chOff x="0" y="0"/>
+          <a:chExt cx="0" cy="0"/>
+        </a:xfrm>
+      </p:grpSpPr>
+      <p:sp>
+        <p:nvSpPr>
+          <p:cNvPr id="2" name="Espaço Reservado para Imagem de Slide 1"/>
+          <p:cNvSpPr>
+            <a:spLocks noGrp="1" noRot="1" noChangeAspect="1"/>
+          </p:cNvSpPr>
+          <p:nvPr>
+            <p:ph type="sldImg"/>
+          </p:nvPr>
+        </p:nvSpPr>
+        <p:spPr/>
+      </p:sp>
+      <p:sp>
+        <p:nvSpPr>
+          <p:cNvPr id="3" name="Espaço Reservado para Anotações 2"/>
+          <p:cNvSpPr>
+            <a:spLocks noGrp="1"/>
+          </p:cNvSpPr>
+          <p:nvPr>
+            <p:ph type="body" idx="1"/>
+          </p:nvPr>
+        </p:nvSpPr>
+        <p:spPr/>
+        <p:txBody>
+          <a:bodyPr>
+            <a:normAutofit/>
+          </a:bodyPr>
+          <a:lstStyle/>
+          <a:p>
+            <a:endParaRPr lang="pt-BR"/>
+          </a:p>
+        </p:txBody>
+      </p:sp>
+      <p:sp>
+        <p:nvSpPr>
+          <p:cNvPr id="4" name="Espaço Reservado para Número de Slide 3"/>
+          <p:cNvSpPr>
+            <a:spLocks noGrp="1"/>
+          </p:cNvSpPr>
+          <p:nvPr>
+            <p:ph type="sldNum" sz="quarter" idx="10"/>
+          </p:nvPr>
+        </p:nvSpPr>
+        <p:spPr/>
+        <p:txBody>
+          <a:bodyPr/>
+          <a:lstStyle/>
+          <a:p>
+            <a:pPr>
+              <a:defRPr/>
+            </a:pPr>
+            <a:fld id="{373010A1-97EB-4147-B509-23B1A33D8481}" type="slidenum">
+              <a:rPr lang="pt-BR" smtClean="0"/>
+              <a:pPr>
+                <a:defRPr/>
+              </a:pPr>
+              <a:t>21</a:t>
+            </a:fld>
+            <a:endParaRPr lang="pt-BR"/>
+          </a:p>
+        </p:txBody>
+      </p:sp>
+    </p:spTree>
+  </p:cSld>
+  <p:clrMapOvr>
+    <a:masterClrMapping/>
+  </p:clrMapOvr>
+</p:notes>
+</file>
+
 <file path=ppt/notesSlides/notesSlide3.xml><?xml version="1.0" encoding="utf-8"?>
 <p:notes xmlns:a="http://schemas.openxmlformats.org/drawingml/2006/main" xmlns:r="http://schemas.openxmlformats.org/officeDocument/2006/relationships" xmlns:p="http://schemas.openxmlformats.org/presentationml/2006/main">
   <p:cSld>
@@ -1221,29 +1925,19 @@
       </p:grpSpPr>
       <p:sp>
         <p:nvSpPr>
-          <p:cNvPr id="21506" name="Espaço Reservado para Imagem de Slide 1"/>
-          <p:cNvSpPr>
-            <a:spLocks noGrp="1" noRot="1" noChangeAspect="1" noTextEdit="1"/>
+          <p:cNvPr id="2" name="Espaço Reservado para Imagem de Slide 1"/>
+          <p:cNvSpPr>
+            <a:spLocks noGrp="1" noRot="1" noChangeAspect="1"/>
           </p:cNvSpPr>
           <p:nvPr>
             <p:ph type="sldImg"/>
           </p:nvPr>
         </p:nvSpPr>
-        <p:spPr bwMode="auto">
-          <a:noFill/>
-          <a:ln>
-            <a:solidFill>
-              <a:srgbClr val="000000"/>
-            </a:solidFill>
-            <a:miter lim="800000"/>
-            <a:headEnd/>
-            <a:tailEnd/>
-          </a:ln>
-        </p:spPr>
-      </p:sp>
-      <p:sp>
-        <p:nvSpPr>
-          <p:cNvPr id="21507" name="Espaço Reservado para Anotações 2"/>
+        <p:spPr/>
+      </p:sp>
+      <p:sp>
+        <p:nvSpPr>
+          <p:cNvPr id="3" name="Espaço Reservado para Anotações 2"/>
           <p:cNvSpPr>
             <a:spLocks noGrp="1"/>
           </p:cNvSpPr>
@@ -1251,18 +1945,14 @@
             <p:ph type="body" idx="1"/>
           </p:nvPr>
         </p:nvSpPr>
-        <p:spPr bwMode="auto">
-          <a:noFill/>
-        </p:spPr>
-        <p:txBody>
-          <a:bodyPr wrap="square" numCol="1" anchor="t" anchorCtr="0" compatLnSpc="1">
-            <a:prstTxWarp prst="textNoShape">
-              <a:avLst/>
-            </a:prstTxWarp>
+        <p:spPr/>
+        <p:txBody>
+          <a:bodyPr>
+            <a:normAutofit/>
           </a:bodyPr>
           <a:lstStyle/>
           <a:p>
-            <a:endParaRPr lang="pt-BR" smtClean="0"/>
+            <a:endParaRPr lang="pt-BR"/>
           </a:p>
         </p:txBody>
       </p:sp>
@@ -1273,7 +1963,7 @@
             <a:spLocks noGrp="1"/>
           </p:cNvSpPr>
           <p:nvPr>
-            <p:ph type="sldNum" sz="quarter" idx="5"/>
+            <p:ph type="sldNum" sz="quarter" idx="10"/>
           </p:nvPr>
         </p:nvSpPr>
         <p:spPr/>
@@ -1284,7 +1974,7 @@
             <a:pPr>
               <a:defRPr/>
             </a:pPr>
-            <a:fld id="{A2739769-D500-4250-868A-C2B8871F91CD}" type="slidenum">
+            <a:fld id="{373010A1-97EB-4147-B509-23B1A33D8481}" type="slidenum">
               <a:rPr lang="pt-BR" smtClean="0"/>
               <a:pPr>
                 <a:defRPr/>
@@ -1322,7 +2012,7 @@
       </p:grpSpPr>
       <p:sp>
         <p:nvSpPr>
-          <p:cNvPr id="22530" name="Espaço Reservado para Imagem de Slide 1"/>
+          <p:cNvPr id="21506" name="Espaço Reservado para Imagem de Slide 1"/>
           <p:cNvSpPr>
             <a:spLocks noGrp="1" noRot="1" noChangeAspect="1" noTextEdit="1"/>
           </p:cNvSpPr>
@@ -1344,7 +2034,7 @@
       </p:sp>
       <p:sp>
         <p:nvSpPr>
-          <p:cNvPr id="22531" name="Espaço Reservado para Anotações 2"/>
+          <p:cNvPr id="21507" name="Espaço Reservado para Anotações 2"/>
           <p:cNvSpPr>
             <a:spLocks noGrp="1"/>
           </p:cNvSpPr>
@@ -1385,7 +2075,7 @@
             <a:pPr>
               <a:defRPr/>
             </a:pPr>
-            <a:fld id="{64A97453-8B32-4B96-9F3E-71E78682158D}" type="slidenum">
+            <a:fld id="{A2739769-D500-4250-868A-C2B8871F91CD}" type="slidenum">
               <a:rPr lang="pt-BR" smtClean="0"/>
               <a:pPr>
                 <a:defRPr/>
@@ -1423,29 +2113,19 @@
       </p:grpSpPr>
       <p:sp>
         <p:nvSpPr>
-          <p:cNvPr id="23554" name="Espaço Reservado para Imagem de Slide 1"/>
-          <p:cNvSpPr>
-            <a:spLocks noGrp="1" noRot="1" noChangeAspect="1" noTextEdit="1"/>
+          <p:cNvPr id="2" name="Espaço Reservado para Imagem de Slide 1"/>
+          <p:cNvSpPr>
+            <a:spLocks noGrp="1" noRot="1" noChangeAspect="1"/>
           </p:cNvSpPr>
           <p:nvPr>
             <p:ph type="sldImg"/>
           </p:nvPr>
         </p:nvSpPr>
-        <p:spPr bwMode="auto">
-          <a:noFill/>
-          <a:ln>
-            <a:solidFill>
-              <a:srgbClr val="000000"/>
-            </a:solidFill>
-            <a:miter lim="800000"/>
-            <a:headEnd/>
-            <a:tailEnd/>
-          </a:ln>
-        </p:spPr>
-      </p:sp>
-      <p:sp>
-        <p:nvSpPr>
-          <p:cNvPr id="23555" name="Espaço Reservado para Anotações 2"/>
+        <p:spPr/>
+      </p:sp>
+      <p:sp>
+        <p:nvSpPr>
+          <p:cNvPr id="3" name="Espaço Reservado para Anotações 2"/>
           <p:cNvSpPr>
             <a:spLocks noGrp="1"/>
           </p:cNvSpPr>
@@ -1453,18 +2133,14 @@
             <p:ph type="body" idx="1"/>
           </p:nvPr>
         </p:nvSpPr>
-        <p:spPr bwMode="auto">
-          <a:noFill/>
-        </p:spPr>
-        <p:txBody>
-          <a:bodyPr wrap="square" numCol="1" anchor="t" anchorCtr="0" compatLnSpc="1">
-            <a:prstTxWarp prst="textNoShape">
-              <a:avLst/>
-            </a:prstTxWarp>
+        <p:spPr/>
+        <p:txBody>
+          <a:bodyPr>
+            <a:normAutofit/>
           </a:bodyPr>
           <a:lstStyle/>
           <a:p>
-            <a:endParaRPr lang="pt-BR" smtClean="0"/>
+            <a:endParaRPr lang="pt-BR"/>
           </a:p>
         </p:txBody>
       </p:sp>
@@ -1475,7 +2151,7 @@
             <a:spLocks noGrp="1"/>
           </p:cNvSpPr>
           <p:nvPr>
-            <p:ph type="sldNum" sz="quarter" idx="5"/>
+            <p:ph type="sldNum" sz="quarter" idx="10"/>
           </p:nvPr>
         </p:nvSpPr>
         <p:spPr/>
@@ -1486,7 +2162,7 @@
             <a:pPr>
               <a:defRPr/>
             </a:pPr>
-            <a:fld id="{6B8F65D9-89BC-4556-92A1-CAFAFB5983F5}" type="slidenum">
+            <a:fld id="{373010A1-97EB-4147-B509-23B1A33D8481}" type="slidenum">
               <a:rPr lang="pt-BR" smtClean="0"/>
               <a:pPr>
                 <a:defRPr/>
@@ -1524,29 +2200,19 @@
       </p:grpSpPr>
       <p:sp>
         <p:nvSpPr>
-          <p:cNvPr id="24578" name="Espaço Reservado para Imagem de Slide 1"/>
-          <p:cNvSpPr>
-            <a:spLocks noGrp="1" noRot="1" noChangeAspect="1" noTextEdit="1"/>
+          <p:cNvPr id="2" name="Espaço Reservado para Imagem de Slide 1"/>
+          <p:cNvSpPr>
+            <a:spLocks noGrp="1" noRot="1" noChangeAspect="1"/>
           </p:cNvSpPr>
           <p:nvPr>
             <p:ph type="sldImg"/>
           </p:nvPr>
         </p:nvSpPr>
-        <p:spPr bwMode="auto">
-          <a:noFill/>
-          <a:ln>
-            <a:solidFill>
-              <a:srgbClr val="000000"/>
-            </a:solidFill>
-            <a:miter lim="800000"/>
-            <a:headEnd/>
-            <a:tailEnd/>
-          </a:ln>
-        </p:spPr>
-      </p:sp>
-      <p:sp>
-        <p:nvSpPr>
-          <p:cNvPr id="24579" name="Espaço Reservado para Anotações 2"/>
+        <p:spPr/>
+      </p:sp>
+      <p:sp>
+        <p:nvSpPr>
+          <p:cNvPr id="3" name="Espaço Reservado para Anotações 2"/>
           <p:cNvSpPr>
             <a:spLocks noGrp="1"/>
           </p:cNvSpPr>
@@ -1554,18 +2220,14 @@
             <p:ph type="body" idx="1"/>
           </p:nvPr>
         </p:nvSpPr>
-        <p:spPr bwMode="auto">
-          <a:noFill/>
-        </p:spPr>
-        <p:txBody>
-          <a:bodyPr wrap="square" numCol="1" anchor="t" anchorCtr="0" compatLnSpc="1">
-            <a:prstTxWarp prst="textNoShape">
-              <a:avLst/>
-            </a:prstTxWarp>
+        <p:spPr/>
+        <p:txBody>
+          <a:bodyPr>
+            <a:normAutofit/>
           </a:bodyPr>
           <a:lstStyle/>
           <a:p>
-            <a:endParaRPr lang="pt-BR" smtClean="0"/>
+            <a:endParaRPr lang="pt-BR"/>
           </a:p>
         </p:txBody>
       </p:sp>
@@ -1576,7 +2238,7 @@
             <a:spLocks noGrp="1"/>
           </p:cNvSpPr>
           <p:nvPr>
-            <p:ph type="sldNum" sz="quarter" idx="5"/>
+            <p:ph type="sldNum" sz="quarter" idx="10"/>
           </p:nvPr>
         </p:nvSpPr>
         <p:spPr/>
@@ -1587,7 +2249,7 @@
             <a:pPr>
               <a:defRPr/>
             </a:pPr>
-            <a:fld id="{34175632-67D5-4670-88B2-2454E24DEDD1}" type="slidenum">
+            <a:fld id="{373010A1-97EB-4147-B509-23B1A33D8481}" type="slidenum">
               <a:rPr lang="pt-BR" smtClean="0"/>
               <a:pPr>
                 <a:defRPr/>
@@ -1625,29 +2287,19 @@
       </p:grpSpPr>
       <p:sp>
         <p:nvSpPr>
-          <p:cNvPr id="25602" name="Espaço Reservado para Imagem de Slide 1"/>
-          <p:cNvSpPr>
-            <a:spLocks noGrp="1" noRot="1" noChangeAspect="1" noTextEdit="1"/>
+          <p:cNvPr id="2" name="Espaço Reservado para Imagem de Slide 1"/>
+          <p:cNvSpPr>
+            <a:spLocks noGrp="1" noRot="1" noChangeAspect="1"/>
           </p:cNvSpPr>
           <p:nvPr>
             <p:ph type="sldImg"/>
           </p:nvPr>
         </p:nvSpPr>
-        <p:spPr bwMode="auto">
-          <a:noFill/>
-          <a:ln>
-            <a:solidFill>
-              <a:srgbClr val="000000"/>
-            </a:solidFill>
-            <a:miter lim="800000"/>
-            <a:headEnd/>
-            <a:tailEnd/>
-          </a:ln>
-        </p:spPr>
-      </p:sp>
-      <p:sp>
-        <p:nvSpPr>
-          <p:cNvPr id="25603" name="Espaço Reservado para Anotações 2"/>
+        <p:spPr/>
+      </p:sp>
+      <p:sp>
+        <p:nvSpPr>
+          <p:cNvPr id="3" name="Espaço Reservado para Anotações 2"/>
           <p:cNvSpPr>
             <a:spLocks noGrp="1"/>
           </p:cNvSpPr>
@@ -1655,18 +2307,14 @@
             <p:ph type="body" idx="1"/>
           </p:nvPr>
         </p:nvSpPr>
-        <p:spPr bwMode="auto">
-          <a:noFill/>
-        </p:spPr>
-        <p:txBody>
-          <a:bodyPr wrap="square" numCol="1" anchor="t" anchorCtr="0" compatLnSpc="1">
-            <a:prstTxWarp prst="textNoShape">
-              <a:avLst/>
-            </a:prstTxWarp>
+        <p:spPr/>
+        <p:txBody>
+          <a:bodyPr>
+            <a:normAutofit/>
           </a:bodyPr>
           <a:lstStyle/>
           <a:p>
-            <a:endParaRPr lang="pt-BR" smtClean="0"/>
+            <a:endParaRPr lang="pt-BR"/>
           </a:p>
         </p:txBody>
       </p:sp>
@@ -1677,7 +2325,7 @@
             <a:spLocks noGrp="1"/>
           </p:cNvSpPr>
           <p:nvPr>
-            <p:ph type="sldNum" sz="quarter" idx="5"/>
+            <p:ph type="sldNum" sz="quarter" idx="10"/>
           </p:nvPr>
         </p:nvSpPr>
         <p:spPr/>
@@ -1688,7 +2336,7 @@
             <a:pPr>
               <a:defRPr/>
             </a:pPr>
-            <a:fld id="{D8C329BD-2EA1-406B-9012-15A398588625}" type="slidenum">
+            <a:fld id="{373010A1-97EB-4147-B509-23B1A33D8481}" type="slidenum">
               <a:rPr lang="pt-BR" smtClean="0"/>
               <a:pPr>
                 <a:defRPr/>
@@ -1726,29 +2374,19 @@
       </p:grpSpPr>
       <p:sp>
         <p:nvSpPr>
-          <p:cNvPr id="26626" name="Espaço Reservado para Imagem de Slide 1"/>
-          <p:cNvSpPr>
-            <a:spLocks noGrp="1" noRot="1" noChangeAspect="1" noTextEdit="1"/>
+          <p:cNvPr id="2" name="Espaço Reservado para Imagem de Slide 1"/>
+          <p:cNvSpPr>
+            <a:spLocks noGrp="1" noRot="1" noChangeAspect="1"/>
           </p:cNvSpPr>
           <p:nvPr>
             <p:ph type="sldImg"/>
           </p:nvPr>
         </p:nvSpPr>
-        <p:spPr bwMode="auto">
-          <a:noFill/>
-          <a:ln>
-            <a:solidFill>
-              <a:srgbClr val="000000"/>
-            </a:solidFill>
-            <a:miter lim="800000"/>
-            <a:headEnd/>
-            <a:tailEnd/>
-          </a:ln>
-        </p:spPr>
-      </p:sp>
-      <p:sp>
-        <p:nvSpPr>
-          <p:cNvPr id="26627" name="Espaço Reservado para Anotações 2"/>
+        <p:spPr/>
+      </p:sp>
+      <p:sp>
+        <p:nvSpPr>
+          <p:cNvPr id="3" name="Espaço Reservado para Anotações 2"/>
           <p:cNvSpPr>
             <a:spLocks noGrp="1"/>
           </p:cNvSpPr>
@@ -1756,18 +2394,14 @@
             <p:ph type="body" idx="1"/>
           </p:nvPr>
         </p:nvSpPr>
-        <p:spPr bwMode="auto">
-          <a:noFill/>
-        </p:spPr>
-        <p:txBody>
-          <a:bodyPr wrap="square" numCol="1" anchor="t" anchorCtr="0" compatLnSpc="1">
-            <a:prstTxWarp prst="textNoShape">
-              <a:avLst/>
-            </a:prstTxWarp>
+        <p:spPr/>
+        <p:txBody>
+          <a:bodyPr>
+            <a:normAutofit/>
           </a:bodyPr>
           <a:lstStyle/>
           <a:p>
-            <a:endParaRPr lang="pt-BR" smtClean="0"/>
+            <a:endParaRPr lang="pt-BR"/>
           </a:p>
         </p:txBody>
       </p:sp>
@@ -1778,7 +2412,7 @@
             <a:spLocks noGrp="1"/>
           </p:cNvSpPr>
           <p:nvPr>
-            <p:ph type="sldNum" sz="quarter" idx="5"/>
+            <p:ph type="sldNum" sz="quarter" idx="10"/>
           </p:nvPr>
         </p:nvSpPr>
         <p:spPr/>
@@ -1789,7 +2423,7 @@
             <a:pPr>
               <a:defRPr/>
             </a:pPr>
-            <a:fld id="{06A37879-4216-4327-8CFB-D8AEF1EC61E8}" type="slidenum">
+            <a:fld id="{373010A1-97EB-4147-B509-23B1A33D8481}" type="slidenum">
               <a:rPr lang="pt-BR" smtClean="0"/>
               <a:pPr>
                 <a:defRPr/>
@@ -1827,29 +2461,19 @@
       </p:grpSpPr>
       <p:sp>
         <p:nvSpPr>
-          <p:cNvPr id="27650" name="Espaço Reservado para Imagem de Slide 1"/>
-          <p:cNvSpPr>
-            <a:spLocks noGrp="1" noRot="1" noChangeAspect="1" noTextEdit="1"/>
+          <p:cNvPr id="2" name="Espaço Reservado para Imagem de Slide 1"/>
+          <p:cNvSpPr>
+            <a:spLocks noGrp="1" noRot="1" noChangeAspect="1"/>
           </p:cNvSpPr>
           <p:nvPr>
             <p:ph type="sldImg"/>
           </p:nvPr>
         </p:nvSpPr>
-        <p:spPr bwMode="auto">
-          <a:noFill/>
-          <a:ln>
-            <a:solidFill>
-              <a:srgbClr val="000000"/>
-            </a:solidFill>
-            <a:miter lim="800000"/>
-            <a:headEnd/>
-            <a:tailEnd/>
-          </a:ln>
-        </p:spPr>
-      </p:sp>
-      <p:sp>
-        <p:nvSpPr>
-          <p:cNvPr id="27651" name="Espaço Reservado para Anotações 2"/>
+        <p:spPr/>
+      </p:sp>
+      <p:sp>
+        <p:nvSpPr>
+          <p:cNvPr id="3" name="Espaço Reservado para Anotações 2"/>
           <p:cNvSpPr>
             <a:spLocks noGrp="1"/>
           </p:cNvSpPr>
@@ -1857,18 +2481,14 @@
             <p:ph type="body" idx="1"/>
           </p:nvPr>
         </p:nvSpPr>
-        <p:spPr bwMode="auto">
-          <a:noFill/>
-        </p:spPr>
-        <p:txBody>
-          <a:bodyPr wrap="square" numCol="1" anchor="t" anchorCtr="0" compatLnSpc="1">
-            <a:prstTxWarp prst="textNoShape">
-              <a:avLst/>
-            </a:prstTxWarp>
+        <p:spPr/>
+        <p:txBody>
+          <a:bodyPr>
+            <a:normAutofit/>
           </a:bodyPr>
           <a:lstStyle/>
           <a:p>
-            <a:endParaRPr lang="pt-BR" smtClean="0"/>
+            <a:endParaRPr lang="pt-BR"/>
           </a:p>
         </p:txBody>
       </p:sp>
@@ -1879,7 +2499,7 @@
             <a:spLocks noGrp="1"/>
           </p:cNvSpPr>
           <p:nvPr>
-            <p:ph type="sldNum" sz="quarter" idx="5"/>
+            <p:ph type="sldNum" sz="quarter" idx="10"/>
           </p:nvPr>
         </p:nvSpPr>
         <p:spPr/>
@@ -1890,7 +2510,7 @@
             <a:pPr>
               <a:defRPr/>
             </a:pPr>
-            <a:fld id="{97D91471-377B-409D-85B3-CCD3C72F2590}" type="slidenum">
+            <a:fld id="{373010A1-97EB-4147-B509-23B1A33D8481}" type="slidenum">
               <a:rPr lang="pt-BR" smtClean="0"/>
               <a:pPr>
                 <a:defRPr/>
@@ -2327,7 +2947,7 @@
               <a:pPr>
                 <a:defRPr/>
               </a:pPr>
-              <a:t>02/05/2012</a:t>
+              <a:t>03/05/2012</a:t>
             </a:fld>
             <a:endParaRPr lang="pt-BR"/>
           </a:p>
@@ -2519,7 +3139,7 @@
               <a:pPr>
                 <a:defRPr/>
               </a:pPr>
-              <a:t>02/05/2012</a:t>
+              <a:t>03/05/2012</a:t>
             </a:fld>
             <a:endParaRPr lang="pt-BR"/>
           </a:p>
@@ -2721,7 +3341,7 @@
               <a:pPr>
                 <a:defRPr/>
               </a:pPr>
-              <a:t>02/05/2012</a:t>
+              <a:t>03/05/2012</a:t>
             </a:fld>
             <a:endParaRPr lang="pt-BR"/>
           </a:p>
@@ -2917,7 +3537,7 @@
               <a:pPr>
                 <a:defRPr/>
               </a:pPr>
-              <a:t>02/05/2012</a:t>
+              <a:t>03/05/2012</a:t>
             </a:fld>
             <a:endParaRPr lang="pt-BR"/>
           </a:p>
@@ -3423,7 +4043,7 @@
               <a:pPr>
                 <a:defRPr/>
               </a:pPr>
-              <a:t>02/05/2012</a:t>
+              <a:t>03/05/2012</a:t>
             </a:fld>
             <a:endParaRPr lang="pt-BR"/>
           </a:p>
@@ -3714,7 +4334,7 @@
               <a:pPr>
                 <a:defRPr/>
               </a:pPr>
-              <a:t>02/05/2012</a:t>
+              <a:t>03/05/2012</a:t>
             </a:fld>
             <a:endParaRPr lang="pt-BR"/>
           </a:p>
@@ -4115,7 +4735,7 @@
               <a:pPr>
                 <a:defRPr/>
               </a:pPr>
-              <a:t>02/05/2012</a:t>
+              <a:t>03/05/2012</a:t>
             </a:fld>
             <a:endParaRPr lang="pt-BR"/>
           </a:p>
@@ -4264,7 +4884,7 @@
               <a:pPr>
                 <a:defRPr/>
               </a:pPr>
-              <a:t>02/05/2012</a:t>
+              <a:t>03/05/2012</a:t>
             </a:fld>
             <a:endParaRPr lang="pt-BR"/>
           </a:p>
@@ -4381,7 +5001,7 @@
               <a:pPr>
                 <a:defRPr/>
               </a:pPr>
-              <a:t>02/05/2012</a:t>
+              <a:t>03/05/2012</a:t>
             </a:fld>
             <a:endParaRPr lang="pt-BR"/>
           </a:p>
@@ -4657,7 +5277,7 @@
               <a:pPr>
                 <a:defRPr/>
               </a:pPr>
-              <a:t>02/05/2012</a:t>
+              <a:t>03/05/2012</a:t>
             </a:fld>
             <a:endParaRPr lang="pt-BR"/>
           </a:p>
@@ -4941,7 +5561,7 @@
               <a:pPr>
                 <a:defRPr/>
               </a:pPr>
-              <a:t>02/05/2012</a:t>
+              <a:t>03/05/2012</a:t>
             </a:fld>
             <a:endParaRPr lang="pt-BR"/>
           </a:p>
@@ -5419,7 +6039,7 @@
               <a:pPr>
                 <a:defRPr/>
               </a:pPr>
-              <a:t>02/05/2012</a:t>
+              <a:t>03/05/2012</a:t>
             </a:fld>
             <a:endParaRPr lang="pt-BR"/>
           </a:p>
@@ -5998,14 +6618,14 @@
               <a:defRPr/>
             </a:pPr>
             <a:r>
-              <a:rPr lang="pt-BR" cap="none" err="1" smtClean="0"/>
+              <a:rPr lang="pt-BR" cap="none" dirty="0" err="1" smtClean="0"/>
               <a:t>Stream</a:t>
             </a:r>
             <a:r>
-              <a:rPr lang="pt-BR" cap="none" smtClean="0"/>
+              <a:rPr lang="pt-BR" cap="none" dirty="0" smtClean="0"/>
               <a:t> - Fluxo I/O</a:t>
             </a:r>
-            <a:endParaRPr lang="pt-BR" cap="none"/>
+            <a:endParaRPr lang="pt-BR" cap="none" dirty="0"/>
           </a:p>
         </p:txBody>
       </p:sp>
@@ -6071,7 +6691,7 @@
       </p:grpSpPr>
       <p:sp>
         <p:nvSpPr>
-          <p:cNvPr id="15362" name="Título 1"/>
+          <p:cNvPr id="10242" name="Título 1"/>
           <p:cNvSpPr>
             <a:spLocks noGrp="1"/>
           </p:cNvSpPr>
@@ -6086,15 +6706,23 @@
           <a:p>
             <a:pPr eaLnBrk="1" hangingPunct="1"/>
             <a:r>
-              <a:rPr lang="pt-BR" smtClean="0"/>
-              <a:t>Classe FileReader</a:t>
-            </a:r>
-          </a:p>
-        </p:txBody>
-      </p:sp>
-      <p:sp>
-        <p:nvSpPr>
-          <p:cNvPr id="15363" name="Espaço Reservado para Conteúdo 2"/>
+              <a:rPr lang="pt-BR" sz="4600" kern="1200" dirty="0" smtClean="0">
+                <a:solidFill>
+                  <a:schemeClr val="tx1"/>
+                </a:solidFill>
+                <a:latin typeface="+mj-lt"/>
+                <a:ea typeface="+mj-ea"/>
+                <a:cs typeface="+mj-cs"/>
+              </a:rPr>
+              <a:t>Leitura de arquivos texto</a:t>
+            </a:r>
+            <a:endParaRPr lang="pt-BR" dirty="0" smtClean="0"/>
+          </a:p>
+        </p:txBody>
+      </p:sp>
+      <p:sp>
+        <p:nvSpPr>
+          <p:cNvPr id="10243" name="Espaço Reservado para Conteúdo 2"/>
           <p:cNvSpPr>
             <a:spLocks noGrp="1"/>
           </p:cNvSpPr>
@@ -6107,7 +6735,31 @@
           <a:bodyPr/>
           <a:lstStyle/>
           <a:p>
-            <a:endParaRPr lang="pt-BR" smtClean="0"/>
+            <a:r>
+              <a:rPr lang="pt-BR" dirty="0" smtClean="0"/>
+              <a:t>A classe </a:t>
+            </a:r>
+            <a:r>
+              <a:rPr lang="pt-BR" dirty="0" err="1" smtClean="0"/>
+              <a:t>java</a:t>
+            </a:r>
+            <a:r>
+              <a:rPr lang="pt-BR" dirty="0" smtClean="0"/>
+              <a:t>.</a:t>
+            </a:r>
+            <a:r>
+              <a:rPr lang="pt-BR" dirty="0" err="1" smtClean="0"/>
+              <a:t>io</a:t>
+            </a:r>
+            <a:r>
+              <a:rPr lang="pt-BR" dirty="0" smtClean="0"/>
+              <a:t>.</a:t>
+            </a:r>
+            <a:r>
+              <a:rPr lang="pt-BR" dirty="0" err="1" smtClean="0"/>
+              <a:t>FileReader</a:t>
+            </a:r>
+            <a:endParaRPr lang="pt-BR" dirty="0" smtClean="0"/>
           </a:p>
         </p:txBody>
       </p:sp>
@@ -6167,7 +6819,7 @@
       </p:grpSpPr>
       <p:sp>
         <p:nvSpPr>
-          <p:cNvPr id="16386" name="Título 1"/>
+          <p:cNvPr id="2" name="Título 1"/>
           <p:cNvSpPr>
             <a:spLocks noGrp="1"/>
           </p:cNvSpPr>
@@ -6180,17 +6832,24 @@
           <a:bodyPr/>
           <a:lstStyle/>
           <a:p>
-            <a:pPr eaLnBrk="1" hangingPunct="1"/>
-            <a:r>
-              <a:rPr lang="pt-BR" smtClean="0"/>
-              <a:t>Classe BufferedReader</a:t>
-            </a:r>
-          </a:p>
-        </p:txBody>
-      </p:sp>
-      <p:sp>
-        <p:nvSpPr>
-          <p:cNvPr id="16387" name="Espaço Reservado para Conteúdo 2"/>
+            <a:r>
+              <a:rPr lang="pt-BR" sz="4600" kern="1200" dirty="0" smtClean="0">
+                <a:solidFill>
+                  <a:schemeClr val="tx1"/>
+                </a:solidFill>
+                <a:latin typeface="+mj-lt"/>
+                <a:ea typeface="+mj-ea"/>
+                <a:cs typeface="+mj-cs"/>
+              </a:rPr>
+              <a:t>Leitura de arquivos texto</a:t>
+            </a:r>
+            <a:endParaRPr lang="pt-BR" dirty="0"/>
+          </a:p>
+        </p:txBody>
+      </p:sp>
+      <p:sp>
+        <p:nvSpPr>
+          <p:cNvPr id="3" name="Espaço Reservado para Conteúdo 2"/>
           <p:cNvSpPr>
             <a:spLocks noGrp="1"/>
           </p:cNvSpPr>
@@ -6203,7 +6862,35 @@
           <a:bodyPr/>
           <a:lstStyle/>
           <a:p>
-            <a:endParaRPr lang="pt-BR" smtClean="0"/>
+            <a:r>
+              <a:rPr lang="pt-BR" dirty="0" smtClean="0"/>
+              <a:t>A classe</a:t>
+            </a:r>
+            <a:r>
+              <a:rPr lang="pt-BR" baseline="0" dirty="0" smtClean="0"/>
+              <a:t> </a:t>
+            </a:r>
+            <a:r>
+              <a:rPr lang="pt-BR" baseline="0" dirty="0" err="1" smtClean="0"/>
+              <a:t>java</a:t>
+            </a:r>
+            <a:r>
+              <a:rPr lang="pt-BR" baseline="0" dirty="0" smtClean="0"/>
+              <a:t>.</a:t>
+            </a:r>
+            <a:r>
+              <a:rPr lang="pt-BR" baseline="0" dirty="0" err="1" smtClean="0"/>
+              <a:t>io</a:t>
+            </a:r>
+            <a:r>
+              <a:rPr lang="pt-BR" baseline="0" dirty="0" smtClean="0"/>
+              <a:t>.</a:t>
+            </a:r>
+            <a:r>
+              <a:rPr lang="pt-BR" baseline="0" dirty="0" err="1" smtClean="0"/>
+              <a:t>BufferedReader</a:t>
+            </a:r>
+            <a:endParaRPr lang="pt-BR" dirty="0"/>
           </a:p>
         </p:txBody>
       </p:sp>
@@ -6263,7 +6950,7 @@
       </p:grpSpPr>
       <p:sp>
         <p:nvSpPr>
-          <p:cNvPr id="17410" name="Título 1"/>
+          <p:cNvPr id="2" name="Título 1"/>
           <p:cNvSpPr>
             <a:spLocks noGrp="1"/>
           </p:cNvSpPr>
@@ -6276,17 +6963,17 @@
           <a:bodyPr/>
           <a:lstStyle/>
           <a:p>
-            <a:pPr eaLnBrk="1" hangingPunct="1"/>
-            <a:r>
-              <a:rPr lang="pt-BR" smtClean="0"/>
-              <a:t>RandomAccessFile</a:t>
-            </a:r>
-          </a:p>
-        </p:txBody>
-      </p:sp>
-      <p:sp>
-        <p:nvSpPr>
-          <p:cNvPr id="17411" name="Espaço Reservado para Conteúdo 2"/>
+            <a:r>
+              <a:rPr lang="pt-BR" dirty="0" smtClean="0"/>
+              <a:t>Exercício</a:t>
+            </a:r>
+            <a:endParaRPr lang="pt-BR" dirty="0"/>
+          </a:p>
+        </p:txBody>
+      </p:sp>
+      <p:sp>
+        <p:nvSpPr>
+          <p:cNvPr id="3" name="Espaço Reservado para Conteúdo 2"/>
           <p:cNvSpPr>
             <a:spLocks noGrp="1"/>
           </p:cNvSpPr>
@@ -6299,7 +6986,7 @@
           <a:bodyPr/>
           <a:lstStyle/>
           <a:p>
-            <a:endParaRPr lang="pt-BR" smtClean="0"/>
+            <a:endParaRPr lang="pt-BR"/>
           </a:p>
         </p:txBody>
       </p:sp>
@@ -6359,7 +7046,7 @@
       </p:grpSpPr>
       <p:sp>
         <p:nvSpPr>
-          <p:cNvPr id="18434" name="Título 1"/>
+          <p:cNvPr id="11266" name="Título 1"/>
           <p:cNvSpPr>
             <a:spLocks noGrp="1"/>
           </p:cNvSpPr>
@@ -6367,22 +7054,35 @@
             <p:ph type="title"/>
           </p:nvPr>
         </p:nvSpPr>
-        <p:spPr/>
+        <p:spPr>
+          <a:xfrm>
+            <a:off x="457200" y="274638"/>
+            <a:ext cx="7787208" cy="1143000"/>
+          </a:xfrm>
+        </p:spPr>
         <p:txBody>
           <a:bodyPr/>
           <a:lstStyle/>
           <a:p>
             <a:pPr eaLnBrk="1" hangingPunct="1"/>
             <a:r>
-              <a:rPr lang="pt-BR" smtClean="0"/>
-              <a:t>Path</a:t>
-            </a:r>
-          </a:p>
-        </p:txBody>
-      </p:sp>
-      <p:sp>
-        <p:nvSpPr>
-          <p:cNvPr id="18435" name="Espaço Reservado para Conteúdo 2"/>
+              <a:rPr lang="pt-BR" sz="4600" kern="1200" dirty="0" smtClean="0">
+                <a:solidFill>
+                  <a:schemeClr val="tx1"/>
+                </a:solidFill>
+                <a:latin typeface="+mj-lt"/>
+                <a:ea typeface="+mj-ea"/>
+                <a:cs typeface="+mj-cs"/>
+              </a:rPr>
+              <a:t>Gravação em arquivos binários</a:t>
+            </a:r>
+            <a:endParaRPr lang="pt-BR" dirty="0" smtClean="0"/>
+          </a:p>
+        </p:txBody>
+      </p:sp>
+      <p:sp>
+        <p:nvSpPr>
+          <p:cNvPr id="11267" name="Espaço Reservado para Conteúdo 2"/>
           <p:cNvSpPr>
             <a:spLocks noGrp="1"/>
           </p:cNvSpPr>
@@ -6395,7 +7095,10 @@
           <a:bodyPr/>
           <a:lstStyle/>
           <a:p>
-            <a:endParaRPr lang="pt-BR" smtClean="0"/>
+            <a:pPr>
+              <a:buNone/>
+            </a:pPr>
+            <a:endParaRPr lang="pt-BR" dirty="0" smtClean="0"/>
           </a:p>
         </p:txBody>
       </p:sp>
@@ -6423,6 +7126,737 @@
                 <a:defRPr/>
               </a:pPr>
               <a:t>13</a:t>
+            </a:fld>
+            <a:endParaRPr lang="pt-BR"/>
+          </a:p>
+        </p:txBody>
+      </p:sp>
+    </p:spTree>
+  </p:cSld>
+  <p:clrMapOvr>
+    <a:masterClrMapping/>
+  </p:clrMapOvr>
+</p:sld>
+</file>
+
+<file path=ppt/slides/slide14.xml><?xml version="1.0" encoding="utf-8"?>
+<p:sld xmlns:a="http://schemas.openxmlformats.org/drawingml/2006/main" xmlns:r="http://schemas.openxmlformats.org/officeDocument/2006/relationships" xmlns:p="http://schemas.openxmlformats.org/presentationml/2006/main">
+  <p:cSld>
+    <p:spTree>
+      <p:nvGrpSpPr>
+        <p:cNvPr id="1" name=""/>
+        <p:cNvGrpSpPr/>
+        <p:nvPr/>
+      </p:nvGrpSpPr>
+      <p:grpSpPr>
+        <a:xfrm>
+          <a:off x="0" y="0"/>
+          <a:ext cx="0" cy="0"/>
+          <a:chOff x="0" y="0"/>
+          <a:chExt cx="0" cy="0"/>
+        </a:xfrm>
+      </p:grpSpPr>
+      <p:sp>
+        <p:nvSpPr>
+          <p:cNvPr id="2" name="Título 1"/>
+          <p:cNvSpPr>
+            <a:spLocks noGrp="1"/>
+          </p:cNvSpPr>
+          <p:nvPr>
+            <p:ph type="title"/>
+          </p:nvPr>
+        </p:nvSpPr>
+        <p:spPr>
+          <a:xfrm>
+            <a:off x="457200" y="274638"/>
+            <a:ext cx="7859216" cy="1143000"/>
+          </a:xfrm>
+        </p:spPr>
+        <p:txBody>
+          <a:bodyPr/>
+          <a:lstStyle/>
+          <a:p>
+            <a:r>
+              <a:rPr lang="pt-BR" sz="4600" kern="1200" dirty="0" smtClean="0">
+                <a:solidFill>
+                  <a:schemeClr val="tx1"/>
+                </a:solidFill>
+                <a:latin typeface="+mj-lt"/>
+                <a:ea typeface="+mj-ea"/>
+                <a:cs typeface="+mj-cs"/>
+              </a:rPr>
+              <a:t>Gravação em arquivos binários</a:t>
+            </a:r>
+            <a:endParaRPr lang="pt-BR" dirty="0"/>
+          </a:p>
+        </p:txBody>
+      </p:sp>
+      <p:sp>
+        <p:nvSpPr>
+          <p:cNvPr id="3" name="Espaço Reservado para Conteúdo 2"/>
+          <p:cNvSpPr>
+            <a:spLocks noGrp="1"/>
+          </p:cNvSpPr>
+          <p:nvPr>
+            <p:ph idx="1"/>
+          </p:nvPr>
+        </p:nvSpPr>
+        <p:spPr/>
+        <p:txBody>
+          <a:bodyPr/>
+          <a:lstStyle/>
+          <a:p>
+            <a:r>
+              <a:rPr lang="pt-BR" dirty="0" smtClean="0"/>
+              <a:t>A classe </a:t>
+            </a:r>
+            <a:r>
+              <a:rPr lang="pt-BR" dirty="0" err="1" smtClean="0"/>
+              <a:t>java</a:t>
+            </a:r>
+            <a:r>
+              <a:rPr lang="pt-BR" dirty="0" smtClean="0"/>
+              <a:t>.</a:t>
+            </a:r>
+            <a:r>
+              <a:rPr lang="pt-BR" dirty="0" err="1" smtClean="0"/>
+              <a:t>io</a:t>
+            </a:r>
+            <a:r>
+              <a:rPr lang="pt-BR" dirty="0" smtClean="0"/>
+              <a:t>.</a:t>
+            </a:r>
+            <a:r>
+              <a:rPr lang="pt-BR" dirty="0" err="1" smtClean="0"/>
+              <a:t>FileOutputStream</a:t>
+            </a:r>
+            <a:endParaRPr lang="pt-BR" dirty="0" smtClean="0"/>
+          </a:p>
+        </p:txBody>
+      </p:sp>
+      <p:sp>
+        <p:nvSpPr>
+          <p:cNvPr id="4" name="Espaço Reservado para Número de Slide 3"/>
+          <p:cNvSpPr>
+            <a:spLocks noGrp="1"/>
+          </p:cNvSpPr>
+          <p:nvPr>
+            <p:ph type="sldNum" sz="quarter" idx="12"/>
+          </p:nvPr>
+        </p:nvSpPr>
+        <p:spPr/>
+        <p:txBody>
+          <a:bodyPr/>
+          <a:lstStyle/>
+          <a:p>
+            <a:pPr>
+              <a:defRPr/>
+            </a:pPr>
+            <a:fld id="{676AE120-6210-44C4-9C14-8704E13AF0BD}" type="slidenum">
+              <a:rPr lang="pt-BR" smtClean="0"/>
+              <a:pPr>
+                <a:defRPr/>
+              </a:pPr>
+              <a:t>14</a:t>
+            </a:fld>
+            <a:endParaRPr lang="pt-BR"/>
+          </a:p>
+        </p:txBody>
+      </p:sp>
+    </p:spTree>
+  </p:cSld>
+  <p:clrMapOvr>
+    <a:masterClrMapping/>
+  </p:clrMapOvr>
+</p:sld>
+</file>
+
+<file path=ppt/slides/slide15.xml><?xml version="1.0" encoding="utf-8"?>
+<p:sld xmlns:a="http://schemas.openxmlformats.org/drawingml/2006/main" xmlns:r="http://schemas.openxmlformats.org/officeDocument/2006/relationships" xmlns:p="http://schemas.openxmlformats.org/presentationml/2006/main">
+  <p:cSld>
+    <p:spTree>
+      <p:nvGrpSpPr>
+        <p:cNvPr id="1" name=""/>
+        <p:cNvGrpSpPr/>
+        <p:nvPr/>
+      </p:nvGrpSpPr>
+      <p:grpSpPr>
+        <a:xfrm>
+          <a:off x="0" y="0"/>
+          <a:ext cx="0" cy="0"/>
+          <a:chOff x="0" y="0"/>
+          <a:chExt cx="0" cy="0"/>
+        </a:xfrm>
+      </p:grpSpPr>
+      <p:sp>
+        <p:nvSpPr>
+          <p:cNvPr id="2" name="Título 1"/>
+          <p:cNvSpPr>
+            <a:spLocks noGrp="1"/>
+          </p:cNvSpPr>
+          <p:nvPr>
+            <p:ph type="title"/>
+          </p:nvPr>
+        </p:nvSpPr>
+        <p:spPr>
+          <a:xfrm>
+            <a:off x="457200" y="274638"/>
+            <a:ext cx="7787208" cy="1143000"/>
+          </a:xfrm>
+        </p:spPr>
+        <p:txBody>
+          <a:bodyPr/>
+          <a:lstStyle/>
+          <a:p>
+            <a:r>
+              <a:rPr lang="pt-BR" sz="4600" kern="1200" dirty="0" smtClean="0">
+                <a:solidFill>
+                  <a:schemeClr val="tx1"/>
+                </a:solidFill>
+                <a:latin typeface="+mj-lt"/>
+                <a:ea typeface="+mj-ea"/>
+                <a:cs typeface="+mj-cs"/>
+              </a:rPr>
+              <a:t>Gravação em arquivos binários</a:t>
+            </a:r>
+            <a:endParaRPr lang="pt-BR" dirty="0"/>
+          </a:p>
+        </p:txBody>
+      </p:sp>
+      <p:sp>
+        <p:nvSpPr>
+          <p:cNvPr id="3" name="Espaço Reservado para Conteúdo 2"/>
+          <p:cNvSpPr>
+            <a:spLocks noGrp="1"/>
+          </p:cNvSpPr>
+          <p:nvPr>
+            <p:ph idx="1"/>
+          </p:nvPr>
+        </p:nvSpPr>
+        <p:spPr/>
+        <p:txBody>
+          <a:bodyPr/>
+          <a:lstStyle/>
+          <a:p>
+            <a:r>
+              <a:rPr lang="pt-BR" dirty="0" smtClean="0"/>
+              <a:t>A</a:t>
+            </a:r>
+            <a:r>
+              <a:rPr lang="pt-BR" baseline="0" dirty="0" smtClean="0"/>
+              <a:t> classe </a:t>
+            </a:r>
+            <a:r>
+              <a:rPr lang="pt-BR" u="none" baseline="0" dirty="0" err="1" smtClean="0"/>
+              <a:t>java</a:t>
+            </a:r>
+            <a:r>
+              <a:rPr lang="pt-BR" u="none" baseline="0" dirty="0" smtClean="0"/>
+              <a:t>.</a:t>
+            </a:r>
+            <a:r>
+              <a:rPr lang="pt-BR" u="none" baseline="0" dirty="0" err="1" smtClean="0"/>
+              <a:t>io</a:t>
+            </a:r>
+            <a:r>
+              <a:rPr lang="pt-BR" u="none" baseline="0" dirty="0" smtClean="0"/>
+              <a:t>.</a:t>
+            </a:r>
+            <a:r>
+              <a:rPr lang="pt-BR" u="none" baseline="0" dirty="0" err="1" smtClean="0"/>
+              <a:t>ByteArrayOutputStream</a:t>
+            </a:r>
+            <a:endParaRPr lang="pt-BR" u="none" dirty="0"/>
+          </a:p>
+        </p:txBody>
+      </p:sp>
+      <p:sp>
+        <p:nvSpPr>
+          <p:cNvPr id="4" name="Espaço Reservado para Número de Slide 3"/>
+          <p:cNvSpPr>
+            <a:spLocks noGrp="1"/>
+          </p:cNvSpPr>
+          <p:nvPr>
+            <p:ph type="sldNum" sz="quarter" idx="12"/>
+          </p:nvPr>
+        </p:nvSpPr>
+        <p:spPr/>
+        <p:txBody>
+          <a:bodyPr/>
+          <a:lstStyle/>
+          <a:p>
+            <a:pPr>
+              <a:defRPr/>
+            </a:pPr>
+            <a:fld id="{676AE120-6210-44C4-9C14-8704E13AF0BD}" type="slidenum">
+              <a:rPr lang="pt-BR" smtClean="0"/>
+              <a:pPr>
+                <a:defRPr/>
+              </a:pPr>
+              <a:t>15</a:t>
+            </a:fld>
+            <a:endParaRPr lang="pt-BR"/>
+          </a:p>
+        </p:txBody>
+      </p:sp>
+    </p:spTree>
+  </p:cSld>
+  <p:clrMapOvr>
+    <a:masterClrMapping/>
+  </p:clrMapOvr>
+</p:sld>
+</file>
+
+<file path=ppt/slides/slide16.xml><?xml version="1.0" encoding="utf-8"?>
+<p:sld xmlns:a="http://schemas.openxmlformats.org/drawingml/2006/main" xmlns:r="http://schemas.openxmlformats.org/officeDocument/2006/relationships" xmlns:p="http://schemas.openxmlformats.org/presentationml/2006/main">
+  <p:cSld>
+    <p:spTree>
+      <p:nvGrpSpPr>
+        <p:cNvPr id="1" name=""/>
+        <p:cNvGrpSpPr/>
+        <p:nvPr/>
+      </p:nvGrpSpPr>
+      <p:grpSpPr>
+        <a:xfrm>
+          <a:off x="0" y="0"/>
+          <a:ext cx="0" cy="0"/>
+          <a:chOff x="0" y="0"/>
+          <a:chExt cx="0" cy="0"/>
+        </a:xfrm>
+      </p:grpSpPr>
+      <p:sp>
+        <p:nvSpPr>
+          <p:cNvPr id="12290" name="Título 1"/>
+          <p:cNvSpPr>
+            <a:spLocks noGrp="1"/>
+          </p:cNvSpPr>
+          <p:nvPr>
+            <p:ph type="title"/>
+          </p:nvPr>
+        </p:nvSpPr>
+        <p:spPr/>
+        <p:txBody>
+          <a:bodyPr/>
+          <a:lstStyle/>
+          <a:p>
+            <a:pPr eaLnBrk="1" hangingPunct="1"/>
+            <a:r>
+              <a:rPr lang="pt-BR" dirty="0" smtClean="0"/>
+              <a:t>Leitura de arquivos binários</a:t>
+            </a:r>
+          </a:p>
+        </p:txBody>
+      </p:sp>
+      <p:sp>
+        <p:nvSpPr>
+          <p:cNvPr id="12291" name="Espaço Reservado para Conteúdo 2"/>
+          <p:cNvSpPr>
+            <a:spLocks noGrp="1"/>
+          </p:cNvSpPr>
+          <p:nvPr>
+            <p:ph idx="1"/>
+          </p:nvPr>
+        </p:nvSpPr>
+        <p:spPr/>
+        <p:txBody>
+          <a:bodyPr/>
+          <a:lstStyle/>
+          <a:p>
+            <a:endParaRPr lang="pt-BR" smtClean="0"/>
+          </a:p>
+        </p:txBody>
+      </p:sp>
+      <p:sp>
+        <p:nvSpPr>
+          <p:cNvPr id="4" name="Espaço Reservado para Número de Slide 3"/>
+          <p:cNvSpPr>
+            <a:spLocks noGrp="1"/>
+          </p:cNvSpPr>
+          <p:nvPr>
+            <p:ph type="sldNum" sz="quarter" idx="12"/>
+          </p:nvPr>
+        </p:nvSpPr>
+        <p:spPr/>
+        <p:txBody>
+          <a:bodyPr/>
+          <a:lstStyle/>
+          <a:p>
+            <a:pPr>
+              <a:defRPr/>
+            </a:pPr>
+            <a:fld id="{676AE120-6210-44C4-9C14-8704E13AF0BD}" type="slidenum">
+              <a:rPr lang="pt-BR" smtClean="0"/>
+              <a:pPr>
+                <a:defRPr/>
+              </a:pPr>
+              <a:t>16</a:t>
+            </a:fld>
+            <a:endParaRPr lang="pt-BR"/>
+          </a:p>
+        </p:txBody>
+      </p:sp>
+    </p:spTree>
+  </p:cSld>
+  <p:clrMapOvr>
+    <a:masterClrMapping/>
+  </p:clrMapOvr>
+</p:sld>
+</file>
+
+<file path=ppt/slides/slide17.xml><?xml version="1.0" encoding="utf-8"?>
+<p:sld xmlns:a="http://schemas.openxmlformats.org/drawingml/2006/main" xmlns:r="http://schemas.openxmlformats.org/officeDocument/2006/relationships" xmlns:p="http://schemas.openxmlformats.org/presentationml/2006/main">
+  <p:cSld>
+    <p:spTree>
+      <p:nvGrpSpPr>
+        <p:cNvPr id="1" name=""/>
+        <p:cNvGrpSpPr/>
+        <p:nvPr/>
+      </p:nvGrpSpPr>
+      <p:grpSpPr>
+        <a:xfrm>
+          <a:off x="0" y="0"/>
+          <a:ext cx="0" cy="0"/>
+          <a:chOff x="0" y="0"/>
+          <a:chExt cx="0" cy="0"/>
+        </a:xfrm>
+      </p:grpSpPr>
+      <p:sp>
+        <p:nvSpPr>
+          <p:cNvPr id="2" name="Título 1"/>
+          <p:cNvSpPr>
+            <a:spLocks noGrp="1"/>
+          </p:cNvSpPr>
+          <p:nvPr>
+            <p:ph type="title"/>
+          </p:nvPr>
+        </p:nvSpPr>
+        <p:spPr/>
+        <p:txBody>
+          <a:bodyPr/>
+          <a:lstStyle/>
+          <a:p>
+            <a:r>
+              <a:rPr lang="pt-BR" sz="4600" kern="1200" dirty="0" smtClean="0">
+                <a:solidFill>
+                  <a:schemeClr val="tx1"/>
+                </a:solidFill>
+                <a:latin typeface="+mj-lt"/>
+                <a:ea typeface="+mj-ea"/>
+                <a:cs typeface="+mj-cs"/>
+              </a:rPr>
+              <a:t>Leitura de arquivos binários</a:t>
+            </a:r>
+            <a:endParaRPr lang="pt-BR" dirty="0"/>
+          </a:p>
+        </p:txBody>
+      </p:sp>
+      <p:sp>
+        <p:nvSpPr>
+          <p:cNvPr id="3" name="Espaço Reservado para Conteúdo 2"/>
+          <p:cNvSpPr>
+            <a:spLocks noGrp="1"/>
+          </p:cNvSpPr>
+          <p:nvPr>
+            <p:ph idx="1"/>
+          </p:nvPr>
+        </p:nvSpPr>
+        <p:spPr/>
+        <p:txBody>
+          <a:bodyPr/>
+          <a:lstStyle/>
+          <a:p>
+            <a:r>
+              <a:rPr lang="pt-BR" dirty="0" smtClean="0"/>
+              <a:t>A classe </a:t>
+            </a:r>
+            <a:r>
+              <a:rPr lang="pt-BR" dirty="0" err="1" smtClean="0"/>
+              <a:t>java</a:t>
+            </a:r>
+            <a:r>
+              <a:rPr lang="pt-BR" dirty="0" smtClean="0"/>
+              <a:t>.</a:t>
+            </a:r>
+            <a:r>
+              <a:rPr lang="pt-BR" dirty="0" err="1" smtClean="0"/>
+              <a:t>io</a:t>
+            </a:r>
+            <a:r>
+              <a:rPr lang="pt-BR" dirty="0" smtClean="0"/>
+              <a:t>.</a:t>
+            </a:r>
+            <a:r>
+              <a:rPr lang="pt-BR" dirty="0" err="1" smtClean="0"/>
+              <a:t>FileInputStream</a:t>
+            </a:r>
+            <a:endParaRPr lang="pt-BR" dirty="0"/>
+          </a:p>
+        </p:txBody>
+      </p:sp>
+      <p:sp>
+        <p:nvSpPr>
+          <p:cNvPr id="4" name="Espaço Reservado para Número de Slide 3"/>
+          <p:cNvSpPr>
+            <a:spLocks noGrp="1"/>
+          </p:cNvSpPr>
+          <p:nvPr>
+            <p:ph type="sldNum" sz="quarter" idx="12"/>
+          </p:nvPr>
+        </p:nvSpPr>
+        <p:spPr/>
+        <p:txBody>
+          <a:bodyPr/>
+          <a:lstStyle/>
+          <a:p>
+            <a:pPr>
+              <a:defRPr/>
+            </a:pPr>
+            <a:fld id="{676AE120-6210-44C4-9C14-8704E13AF0BD}" type="slidenum">
+              <a:rPr lang="pt-BR" smtClean="0"/>
+              <a:pPr>
+                <a:defRPr/>
+              </a:pPr>
+              <a:t>17</a:t>
+            </a:fld>
+            <a:endParaRPr lang="pt-BR"/>
+          </a:p>
+        </p:txBody>
+      </p:sp>
+    </p:spTree>
+  </p:cSld>
+  <p:clrMapOvr>
+    <a:masterClrMapping/>
+  </p:clrMapOvr>
+</p:sld>
+</file>
+
+<file path=ppt/slides/slide18.xml><?xml version="1.0" encoding="utf-8"?>
+<p:sld xmlns:a="http://schemas.openxmlformats.org/drawingml/2006/main" xmlns:r="http://schemas.openxmlformats.org/officeDocument/2006/relationships" xmlns:p="http://schemas.openxmlformats.org/presentationml/2006/main">
+  <p:cSld>
+    <p:spTree>
+      <p:nvGrpSpPr>
+        <p:cNvPr id="1" name=""/>
+        <p:cNvGrpSpPr/>
+        <p:nvPr/>
+      </p:nvGrpSpPr>
+      <p:grpSpPr>
+        <a:xfrm>
+          <a:off x="0" y="0"/>
+          <a:ext cx="0" cy="0"/>
+          <a:chOff x="0" y="0"/>
+          <a:chExt cx="0" cy="0"/>
+        </a:xfrm>
+      </p:grpSpPr>
+      <p:sp>
+        <p:nvSpPr>
+          <p:cNvPr id="2" name="Título 1"/>
+          <p:cNvSpPr>
+            <a:spLocks noGrp="1"/>
+          </p:cNvSpPr>
+          <p:nvPr>
+            <p:ph type="title"/>
+          </p:nvPr>
+        </p:nvSpPr>
+        <p:spPr/>
+        <p:txBody>
+          <a:bodyPr/>
+          <a:lstStyle/>
+          <a:p>
+            <a:r>
+              <a:rPr lang="pt-BR" sz="4600" kern="1200" dirty="0" smtClean="0">
+                <a:solidFill>
+                  <a:schemeClr val="tx1"/>
+                </a:solidFill>
+                <a:latin typeface="+mj-lt"/>
+                <a:ea typeface="+mj-ea"/>
+                <a:cs typeface="+mj-cs"/>
+              </a:rPr>
+              <a:t>Leitura de arquivos binários</a:t>
+            </a:r>
+            <a:endParaRPr lang="pt-BR" dirty="0"/>
+          </a:p>
+        </p:txBody>
+      </p:sp>
+      <p:sp>
+        <p:nvSpPr>
+          <p:cNvPr id="3" name="Espaço Reservado para Conteúdo 2"/>
+          <p:cNvSpPr>
+            <a:spLocks noGrp="1"/>
+          </p:cNvSpPr>
+          <p:nvPr>
+            <p:ph idx="1"/>
+          </p:nvPr>
+        </p:nvSpPr>
+        <p:spPr/>
+        <p:txBody>
+          <a:bodyPr/>
+          <a:lstStyle/>
+          <a:p>
+            <a:r>
+              <a:rPr lang="pt-BR" dirty="0" smtClean="0"/>
+              <a:t>A classe </a:t>
+            </a:r>
+            <a:r>
+              <a:rPr lang="pt-BR" dirty="0" err="1" smtClean="0"/>
+              <a:t>java</a:t>
+            </a:r>
+            <a:r>
+              <a:rPr lang="pt-BR" dirty="0" smtClean="0"/>
+              <a:t>.</a:t>
+            </a:r>
+            <a:r>
+              <a:rPr lang="pt-BR" dirty="0" err="1" smtClean="0"/>
+              <a:t>io</a:t>
+            </a:r>
+            <a:r>
+              <a:rPr lang="pt-BR" dirty="0" smtClean="0"/>
+              <a:t>.</a:t>
+            </a:r>
+            <a:r>
+              <a:rPr lang="pt-BR" dirty="0" err="1" smtClean="0"/>
+              <a:t>Byte</a:t>
+            </a:r>
+            <a:r>
+              <a:rPr lang="pt-BR" baseline="0" dirty="0" err="1" smtClean="0"/>
+              <a:t>ArrayInputStream</a:t>
+            </a:r>
+            <a:endParaRPr lang="pt-BR" dirty="0"/>
+          </a:p>
+        </p:txBody>
+      </p:sp>
+      <p:sp>
+        <p:nvSpPr>
+          <p:cNvPr id="4" name="Espaço Reservado para Número de Slide 3"/>
+          <p:cNvSpPr>
+            <a:spLocks noGrp="1"/>
+          </p:cNvSpPr>
+          <p:nvPr>
+            <p:ph type="sldNum" sz="quarter" idx="12"/>
+          </p:nvPr>
+        </p:nvSpPr>
+        <p:spPr/>
+        <p:txBody>
+          <a:bodyPr/>
+          <a:lstStyle/>
+          <a:p>
+            <a:pPr>
+              <a:defRPr/>
+            </a:pPr>
+            <a:fld id="{676AE120-6210-44C4-9C14-8704E13AF0BD}" type="slidenum">
+              <a:rPr lang="pt-BR" smtClean="0"/>
+              <a:pPr>
+                <a:defRPr/>
+              </a:pPr>
+              <a:t>18</a:t>
+            </a:fld>
+            <a:endParaRPr lang="pt-BR"/>
+          </a:p>
+        </p:txBody>
+      </p:sp>
+    </p:spTree>
+  </p:cSld>
+  <p:clrMapOvr>
+    <a:masterClrMapping/>
+  </p:clrMapOvr>
+</p:sld>
+</file>
+
+<file path=ppt/slides/slide19.xml><?xml version="1.0" encoding="utf-8"?>
+<p:sld xmlns:a="http://schemas.openxmlformats.org/drawingml/2006/main" xmlns:r="http://schemas.openxmlformats.org/officeDocument/2006/relationships" xmlns:p="http://schemas.openxmlformats.org/presentationml/2006/main">
+  <p:cSld>
+    <p:spTree>
+      <p:nvGrpSpPr>
+        <p:cNvPr id="1" name=""/>
+        <p:cNvGrpSpPr/>
+        <p:nvPr/>
+      </p:nvGrpSpPr>
+      <p:grpSpPr>
+        <a:xfrm>
+          <a:off x="0" y="0"/>
+          <a:ext cx="0" cy="0"/>
+          <a:chOff x="0" y="0"/>
+          <a:chExt cx="0" cy="0"/>
+        </a:xfrm>
+      </p:grpSpPr>
+      <p:sp>
+        <p:nvSpPr>
+          <p:cNvPr id="13314" name="Título 1"/>
+          <p:cNvSpPr>
+            <a:spLocks noGrp="1"/>
+          </p:cNvSpPr>
+          <p:nvPr>
+            <p:ph type="title"/>
+          </p:nvPr>
+        </p:nvSpPr>
+        <p:spPr>
+          <a:xfrm>
+            <a:off x="457200" y="274638"/>
+            <a:ext cx="7787208" cy="1143000"/>
+          </a:xfrm>
+        </p:spPr>
+        <p:txBody>
+          <a:bodyPr/>
+          <a:lstStyle/>
+          <a:p>
+            <a:pPr eaLnBrk="1" hangingPunct="1"/>
+            <a:r>
+              <a:rPr lang="pt-BR" sz="4600" kern="1200" dirty="0" smtClean="0">
+                <a:solidFill>
+                  <a:schemeClr val="tx1"/>
+                </a:solidFill>
+                <a:latin typeface="+mj-lt"/>
+                <a:ea typeface="+mj-ea"/>
+                <a:cs typeface="+mj-cs"/>
+              </a:rPr>
+              <a:t>Arquivos de acesso randômico</a:t>
+            </a:r>
+            <a:endParaRPr lang="pt-BR" dirty="0" smtClean="0"/>
+          </a:p>
+        </p:txBody>
+      </p:sp>
+      <p:sp>
+        <p:nvSpPr>
+          <p:cNvPr id="13315" name="Espaço Reservado para Conteúdo 2"/>
+          <p:cNvSpPr>
+            <a:spLocks noGrp="1"/>
+          </p:cNvSpPr>
+          <p:nvPr>
+            <p:ph idx="1"/>
+          </p:nvPr>
+        </p:nvSpPr>
+        <p:spPr/>
+        <p:txBody>
+          <a:bodyPr/>
+          <a:lstStyle/>
+          <a:p>
+            <a:endParaRPr lang="pt-BR" smtClean="0"/>
+          </a:p>
+        </p:txBody>
+      </p:sp>
+      <p:sp>
+        <p:nvSpPr>
+          <p:cNvPr id="4" name="Espaço Reservado para Número de Slide 3"/>
+          <p:cNvSpPr>
+            <a:spLocks noGrp="1"/>
+          </p:cNvSpPr>
+          <p:nvPr>
+            <p:ph type="sldNum" sz="quarter" idx="12"/>
+          </p:nvPr>
+        </p:nvSpPr>
+        <p:spPr/>
+        <p:txBody>
+          <a:bodyPr/>
+          <a:lstStyle/>
+          <a:p>
+            <a:pPr>
+              <a:defRPr/>
+            </a:pPr>
+            <a:fld id="{676AE120-6210-44C4-9C14-8704E13AF0BD}" type="slidenum">
+              <a:rPr lang="pt-BR" smtClean="0"/>
+              <a:pPr>
+                <a:defRPr/>
+              </a:pPr>
+              <a:t>19</a:t>
             </a:fld>
             <a:endParaRPr lang="pt-BR"/>
           </a:p>
@@ -6518,7 +7952,6 @@
               <a:rPr lang="pt-BR" sz="2000" dirty="0" smtClean="0"/>
               <a:t>.File</a:t>
             </a:r>
-            <a:endParaRPr lang="pt-BR" sz="2000" dirty="0" smtClean="0"/>
           </a:p>
           <a:p>
             <a:r>
@@ -6601,7 +8034,15 @@
           <a:p>
             <a:r>
               <a:rPr lang="pt-BR" sz="2400" dirty="0" smtClean="0"/>
-              <a:t>Leitura em arquivos texto</a:t>
+              <a:t>Leitura </a:t>
+            </a:r>
+            <a:r>
+              <a:rPr lang="pt-BR" sz="2400" dirty="0" smtClean="0"/>
+              <a:t>de </a:t>
+            </a:r>
+            <a:r>
+              <a:rPr lang="pt-BR" sz="2400" dirty="0" smtClean="0"/>
+              <a:t>arquivos texto</a:t>
             </a:r>
           </a:p>
           <a:p>
@@ -6651,9 +8092,6 @@
               <a:t>BufferedReader</a:t>
             </a:r>
             <a:endParaRPr lang="pt-BR" sz="2000" dirty="0" smtClean="0"/>
-          </a:p>
-          <a:p>
-            <a:endParaRPr lang="pt-BR" sz="2400" dirty="0"/>
           </a:p>
         </p:txBody>
       </p:sp>
@@ -6814,9 +8252,6 @@
             </a:r>
             <a:endParaRPr lang="pt-BR" sz="2000" dirty="0" smtClean="0"/>
           </a:p>
-          <a:p>
-            <a:endParaRPr lang="pt-BR" sz="2400" dirty="0"/>
-          </a:p>
         </p:txBody>
       </p:sp>
       <p:sp>
@@ -6843,6 +8278,241 @@
                 <a:defRPr/>
               </a:pPr>
               <a:t>2</a:t>
+            </a:fld>
+            <a:endParaRPr lang="pt-BR"/>
+          </a:p>
+        </p:txBody>
+      </p:sp>
+    </p:spTree>
+  </p:cSld>
+  <p:clrMapOvr>
+    <a:masterClrMapping/>
+  </p:clrMapOvr>
+  <p:timing>
+    <p:tnLst>
+      <p:par>
+        <p:cTn id="1" dur="indefinite" restart="never" nodeType="tmRoot"/>
+      </p:par>
+    </p:tnLst>
+  </p:timing>
+</p:sld>
+</file>
+
+<file path=ppt/slides/slide20.xml><?xml version="1.0" encoding="utf-8"?>
+<p:sld xmlns:a="http://schemas.openxmlformats.org/drawingml/2006/main" xmlns:r="http://schemas.openxmlformats.org/officeDocument/2006/relationships" xmlns:p="http://schemas.openxmlformats.org/presentationml/2006/main">
+  <p:cSld>
+    <p:spTree>
+      <p:nvGrpSpPr>
+        <p:cNvPr id="1" name=""/>
+        <p:cNvGrpSpPr/>
+        <p:nvPr/>
+      </p:nvGrpSpPr>
+      <p:grpSpPr>
+        <a:xfrm>
+          <a:off x="0" y="0"/>
+          <a:ext cx="0" cy="0"/>
+          <a:chOff x="0" y="0"/>
+          <a:chExt cx="0" cy="0"/>
+        </a:xfrm>
+      </p:grpSpPr>
+      <p:sp>
+        <p:nvSpPr>
+          <p:cNvPr id="2" name="Título 1"/>
+          <p:cNvSpPr>
+            <a:spLocks noGrp="1"/>
+          </p:cNvSpPr>
+          <p:nvPr>
+            <p:ph type="title"/>
+          </p:nvPr>
+        </p:nvSpPr>
+        <p:spPr>
+          <a:xfrm>
+            <a:off x="457200" y="274638"/>
+            <a:ext cx="7787208" cy="1143000"/>
+          </a:xfrm>
+        </p:spPr>
+        <p:txBody>
+          <a:bodyPr/>
+          <a:lstStyle/>
+          <a:p>
+            <a:r>
+              <a:rPr lang="pt-BR" sz="4600" kern="1200" dirty="0" smtClean="0">
+                <a:solidFill>
+                  <a:schemeClr val="tx1"/>
+                </a:solidFill>
+                <a:latin typeface="+mj-lt"/>
+                <a:ea typeface="+mj-ea"/>
+                <a:cs typeface="+mj-cs"/>
+              </a:rPr>
+              <a:t>Arquivos de acesso randômico</a:t>
+            </a:r>
+            <a:endParaRPr lang="pt-BR" dirty="0"/>
+          </a:p>
+        </p:txBody>
+      </p:sp>
+      <p:sp>
+        <p:nvSpPr>
+          <p:cNvPr id="3" name="Espaço Reservado para Conteúdo 2"/>
+          <p:cNvSpPr>
+            <a:spLocks noGrp="1"/>
+          </p:cNvSpPr>
+          <p:nvPr>
+            <p:ph idx="1"/>
+          </p:nvPr>
+        </p:nvSpPr>
+        <p:spPr/>
+        <p:txBody>
+          <a:bodyPr/>
+          <a:lstStyle/>
+          <a:p>
+            <a:r>
+              <a:rPr lang="pt-BR" dirty="0" smtClean="0"/>
+              <a:t>A classe </a:t>
+            </a:r>
+            <a:r>
+              <a:rPr lang="pt-BR" dirty="0" err="1" smtClean="0"/>
+              <a:t>java</a:t>
+            </a:r>
+            <a:r>
+              <a:rPr lang="pt-BR" dirty="0" smtClean="0"/>
+              <a:t>.</a:t>
+            </a:r>
+            <a:r>
+              <a:rPr lang="pt-BR" dirty="0" err="1" smtClean="0"/>
+              <a:t>io</a:t>
+            </a:r>
+            <a:r>
+              <a:rPr lang="pt-BR" dirty="0" smtClean="0"/>
+              <a:t>.</a:t>
+            </a:r>
+            <a:r>
+              <a:rPr lang="pt-BR" dirty="0" err="1" smtClean="0"/>
+              <a:t>RandomAccessFile</a:t>
+            </a:r>
+            <a:endParaRPr lang="pt-BR" dirty="0"/>
+          </a:p>
+        </p:txBody>
+      </p:sp>
+      <p:sp>
+        <p:nvSpPr>
+          <p:cNvPr id="4" name="Espaço Reservado para Número de Slide 3"/>
+          <p:cNvSpPr>
+            <a:spLocks noGrp="1"/>
+          </p:cNvSpPr>
+          <p:nvPr>
+            <p:ph type="sldNum" sz="quarter" idx="12"/>
+          </p:nvPr>
+        </p:nvSpPr>
+        <p:spPr/>
+        <p:txBody>
+          <a:bodyPr/>
+          <a:lstStyle/>
+          <a:p>
+            <a:pPr>
+              <a:defRPr/>
+            </a:pPr>
+            <a:fld id="{676AE120-6210-44C4-9C14-8704E13AF0BD}" type="slidenum">
+              <a:rPr lang="pt-BR" smtClean="0"/>
+              <a:pPr>
+                <a:defRPr/>
+              </a:pPr>
+              <a:t>20</a:t>
+            </a:fld>
+            <a:endParaRPr lang="pt-BR"/>
+          </a:p>
+        </p:txBody>
+      </p:sp>
+    </p:spTree>
+  </p:cSld>
+  <p:clrMapOvr>
+    <a:masterClrMapping/>
+  </p:clrMapOvr>
+</p:sld>
+</file>
+
+<file path=ppt/slides/slide21.xml><?xml version="1.0" encoding="utf-8"?>
+<p:sld xmlns:a="http://schemas.openxmlformats.org/drawingml/2006/main" xmlns:r="http://schemas.openxmlformats.org/officeDocument/2006/relationships" xmlns:p="http://schemas.openxmlformats.org/presentationml/2006/main">
+  <p:cSld>
+    <p:spTree>
+      <p:nvGrpSpPr>
+        <p:cNvPr id="1" name=""/>
+        <p:cNvGrpSpPr/>
+        <p:nvPr/>
+      </p:nvGrpSpPr>
+      <p:grpSpPr>
+        <a:xfrm>
+          <a:off x="0" y="0"/>
+          <a:ext cx="0" cy="0"/>
+          <a:chOff x="0" y="0"/>
+          <a:chExt cx="0" cy="0"/>
+        </a:xfrm>
+      </p:grpSpPr>
+      <p:sp>
+        <p:nvSpPr>
+          <p:cNvPr id="2" name="Título 1"/>
+          <p:cNvSpPr>
+            <a:spLocks noGrp="1"/>
+          </p:cNvSpPr>
+          <p:nvPr>
+            <p:ph type="title"/>
+          </p:nvPr>
+        </p:nvSpPr>
+        <p:spPr/>
+        <p:txBody>
+          <a:bodyPr/>
+          <a:lstStyle/>
+          <a:p>
+            <a:r>
+              <a:rPr lang="pt-BR" dirty="0" smtClean="0"/>
+              <a:t>Exercício</a:t>
+            </a:r>
+            <a:endParaRPr lang="pt-BR" dirty="0"/>
+          </a:p>
+        </p:txBody>
+      </p:sp>
+      <p:sp>
+        <p:nvSpPr>
+          <p:cNvPr id="3" name="Espaço Reservado para Conteúdo 2"/>
+          <p:cNvSpPr>
+            <a:spLocks noGrp="1"/>
+          </p:cNvSpPr>
+          <p:nvPr>
+            <p:ph idx="1"/>
+          </p:nvPr>
+        </p:nvSpPr>
+        <p:spPr/>
+        <p:txBody>
+          <a:bodyPr/>
+          <a:lstStyle/>
+          <a:p>
+            <a:endParaRPr lang="pt-BR"/>
+          </a:p>
+        </p:txBody>
+      </p:sp>
+      <p:sp>
+        <p:nvSpPr>
+          <p:cNvPr id="4" name="Espaço Reservado para Número de Slide 3"/>
+          <p:cNvSpPr>
+            <a:spLocks noGrp="1"/>
+          </p:cNvSpPr>
+          <p:nvPr>
+            <p:ph type="sldNum" sz="quarter" idx="12"/>
+          </p:nvPr>
+        </p:nvSpPr>
+        <p:spPr/>
+        <p:txBody>
+          <a:bodyPr/>
+          <a:lstStyle/>
+          <a:p>
+            <a:pPr>
+              <a:defRPr/>
+            </a:pPr>
+            <a:fld id="{676AE120-6210-44C4-9C14-8704E13AF0BD}" type="slidenum">
+              <a:rPr lang="pt-BR" smtClean="0"/>
+              <a:pPr>
+                <a:defRPr/>
+              </a:pPr>
+              <a:t>21</a:t>
             </a:fld>
             <a:endParaRPr lang="pt-BR"/>
           </a:p>
@@ -6875,7 +8545,7 @@
       </p:grpSpPr>
       <p:sp>
         <p:nvSpPr>
-          <p:cNvPr id="8194" name="Título 1"/>
+          <p:cNvPr id="2" name="Título 1"/>
           <p:cNvSpPr>
             <a:spLocks noGrp="1"/>
           </p:cNvSpPr>
@@ -6888,17 +8558,17 @@
           <a:bodyPr/>
           <a:lstStyle/>
           <a:p>
-            <a:pPr eaLnBrk="1" hangingPunct="1"/>
-            <a:r>
-              <a:rPr lang="pt-BR" smtClean="0"/>
-              <a:t>Classe OutputStream</a:t>
-            </a:r>
-          </a:p>
-        </p:txBody>
-      </p:sp>
-      <p:sp>
-        <p:nvSpPr>
-          <p:cNvPr id="8195" name="Espaço Reservado para Conteúdo 2"/>
+            <a:r>
+              <a:rPr lang="pt-BR" dirty="0" smtClean="0"/>
+              <a:t>Introdução</a:t>
+            </a:r>
+            <a:endParaRPr lang="pt-BR" dirty="0"/>
+          </a:p>
+        </p:txBody>
+      </p:sp>
+      <p:sp>
+        <p:nvSpPr>
+          <p:cNvPr id="3" name="Espaço Reservado para Conteúdo 2"/>
           <p:cNvSpPr>
             <a:spLocks noGrp="1"/>
           </p:cNvSpPr>
@@ -6911,7 +8581,23 @@
           <a:bodyPr/>
           <a:lstStyle/>
           <a:p>
-            <a:endParaRPr lang="pt-BR" smtClean="0"/>
+            <a:r>
+              <a:rPr lang="pt-BR" dirty="0" smtClean="0"/>
+              <a:t>O pacote </a:t>
+            </a:r>
+            <a:r>
+              <a:rPr lang="pt-BR" dirty="0" err="1" smtClean="0"/>
+              <a:t>java</a:t>
+            </a:r>
+            <a:r>
+              <a:rPr lang="pt-BR" dirty="0" smtClean="0"/>
+              <a:t>.</a:t>
+            </a:r>
+            <a:r>
+              <a:rPr lang="pt-BR" dirty="0" err="1" smtClean="0"/>
+              <a:t>io</a:t>
+            </a:r>
+            <a:endParaRPr lang="pt-BR" dirty="0"/>
           </a:p>
         </p:txBody>
       </p:sp>
@@ -6971,7 +8657,7 @@
       </p:grpSpPr>
       <p:sp>
         <p:nvSpPr>
-          <p:cNvPr id="9218" name="Título 1"/>
+          <p:cNvPr id="8194" name="Título 1"/>
           <p:cNvSpPr>
             <a:spLocks noGrp="1"/>
           </p:cNvSpPr>
@@ -6979,22 +8665,28 @@
             <p:ph type="title"/>
           </p:nvPr>
         </p:nvSpPr>
-        <p:spPr/>
+        <p:spPr>
+          <a:xfrm>
+            <a:off x="457200" y="274638"/>
+            <a:ext cx="8363272" cy="1143000"/>
+          </a:xfrm>
+        </p:spPr>
         <p:txBody>
           <a:bodyPr/>
           <a:lstStyle/>
           <a:p>
             <a:pPr eaLnBrk="1" hangingPunct="1"/>
             <a:r>
-              <a:rPr lang="pt-BR" smtClean="0"/>
-              <a:t>Métodos</a:t>
-            </a:r>
-          </a:p>
-        </p:txBody>
-      </p:sp>
-      <p:sp>
-        <p:nvSpPr>
-          <p:cNvPr id="9219" name="Espaço Reservado para Conteúdo 2"/>
+              <a:rPr lang="pt-BR" dirty="0" smtClean="0"/>
+              <a:t>Acessando o Sistema de arquivos</a:t>
+            </a:r>
+            <a:endParaRPr lang="pt-BR" dirty="0" smtClean="0"/>
+          </a:p>
+        </p:txBody>
+      </p:sp>
+      <p:sp>
+        <p:nvSpPr>
+          <p:cNvPr id="8195" name="Espaço Reservado para Conteúdo 2"/>
           <p:cNvSpPr>
             <a:spLocks noGrp="1"/>
           </p:cNvSpPr>
@@ -7007,7 +8699,27 @@
           <a:bodyPr/>
           <a:lstStyle/>
           <a:p>
-            <a:endParaRPr lang="pt-BR" smtClean="0"/>
+            <a:r>
+              <a:rPr lang="pt-BR" dirty="0" smtClean="0"/>
+              <a:t>A classe </a:t>
+            </a:r>
+            <a:r>
+              <a:rPr lang="pt-BR" dirty="0" err="1" smtClean="0"/>
+              <a:t>java</a:t>
+            </a:r>
+            <a:r>
+              <a:rPr lang="pt-BR" dirty="0" smtClean="0"/>
+              <a:t>.</a:t>
+            </a:r>
+            <a:r>
+              <a:rPr lang="pt-BR" dirty="0" err="1" smtClean="0"/>
+              <a:t>io</a:t>
+            </a:r>
+            <a:r>
+              <a:rPr lang="pt-BR" dirty="0" smtClean="0"/>
+              <a:t>.File</a:t>
+            </a:r>
+            <a:endParaRPr lang="pt-BR" dirty="0" smtClean="0"/>
           </a:p>
         </p:txBody>
       </p:sp>
@@ -7045,6 +8757,13 @@
   <p:clrMapOvr>
     <a:masterClrMapping/>
   </p:clrMapOvr>
+  <p:timing>
+    <p:tnLst>
+      <p:par>
+        <p:cTn id="1" dur="indefinite" restart="never" nodeType="tmRoot"/>
+      </p:par>
+    </p:tnLst>
+  </p:timing>
 </p:sld>
 </file>
 
@@ -7067,7 +8786,7 @@
       </p:grpSpPr>
       <p:sp>
         <p:nvSpPr>
-          <p:cNvPr id="10242" name="Título 1"/>
+          <p:cNvPr id="2" name="Título 1"/>
           <p:cNvSpPr>
             <a:spLocks noGrp="1"/>
           </p:cNvSpPr>
@@ -7080,17 +8799,21 @@
           <a:bodyPr/>
           <a:lstStyle/>
           <a:p>
-            <a:pPr eaLnBrk="1" hangingPunct="1"/>
-            <a:r>
-              <a:rPr lang="pt-BR" smtClean="0"/>
-              <a:t>Classe InputStream</a:t>
-            </a:r>
-          </a:p>
-        </p:txBody>
-      </p:sp>
-      <p:sp>
-        <p:nvSpPr>
-          <p:cNvPr id="10243" name="Espaço Reservado para Conteúdo 2"/>
+            <a:r>
+              <a:rPr lang="pt-BR" dirty="0" smtClean="0"/>
+              <a:t>Gravação em arquivos</a:t>
+            </a:r>
+            <a:r>
+              <a:rPr lang="pt-BR" baseline="0" dirty="0" smtClean="0"/>
+              <a:t> texto</a:t>
+            </a:r>
+            <a:endParaRPr lang="pt-BR" dirty="0"/>
+          </a:p>
+        </p:txBody>
+      </p:sp>
+      <p:sp>
+        <p:nvSpPr>
+          <p:cNvPr id="3" name="Espaço Reservado para Conteúdo 2"/>
           <p:cNvSpPr>
             <a:spLocks noGrp="1"/>
           </p:cNvSpPr>
@@ -7103,7 +8826,10 @@
           <a:bodyPr/>
           <a:lstStyle/>
           <a:p>
-            <a:endParaRPr lang="pt-BR" smtClean="0"/>
+            <a:pPr>
+              <a:buNone/>
+            </a:pPr>
+            <a:endParaRPr lang="pt-BR" dirty="0"/>
           </a:p>
         </p:txBody>
       </p:sp>
@@ -7163,7 +8889,7 @@
       </p:grpSpPr>
       <p:sp>
         <p:nvSpPr>
-          <p:cNvPr id="11266" name="Título 1"/>
+          <p:cNvPr id="2" name="Título 1"/>
           <p:cNvSpPr>
             <a:spLocks noGrp="1"/>
           </p:cNvSpPr>
@@ -7176,17 +8902,35 @@
           <a:bodyPr/>
           <a:lstStyle/>
           <a:p>
-            <a:pPr eaLnBrk="1" hangingPunct="1"/>
-            <a:r>
-              <a:rPr lang="pt-BR" smtClean="0"/>
-              <a:t>Métodos</a:t>
-            </a:r>
-          </a:p>
-        </p:txBody>
-      </p:sp>
-      <p:sp>
-        <p:nvSpPr>
-          <p:cNvPr id="11267" name="Espaço Reservado para Conteúdo 2"/>
+            <a:r>
+              <a:rPr lang="pt-BR" sz="4600" kern="1200" dirty="0" smtClean="0">
+                <a:solidFill>
+                  <a:schemeClr val="tx1"/>
+                </a:solidFill>
+                <a:latin typeface="+mj-lt"/>
+                <a:ea typeface="+mj-ea"/>
+                <a:cs typeface="+mj-cs"/>
+              </a:rPr>
+              <a:t>Gravação em arquivos</a:t>
+            </a:r>
+            <a:r>
+              <a:rPr lang="pt-BR" sz="4600" kern="1200" baseline="0" dirty="0" smtClean="0">
+                <a:solidFill>
+                  <a:schemeClr val="tx1"/>
+                </a:solidFill>
+                <a:latin typeface="+mj-lt"/>
+                <a:ea typeface="+mj-ea"/>
+                <a:cs typeface="+mj-cs"/>
+              </a:rPr>
+              <a:t> texto</a:t>
+            </a:r>
+            <a:endParaRPr lang="pt-BR" dirty="0"/>
+          </a:p>
+        </p:txBody>
+      </p:sp>
+      <p:sp>
+        <p:nvSpPr>
+          <p:cNvPr id="3" name="Espaço Reservado para Conteúdo 2"/>
           <p:cNvSpPr>
             <a:spLocks noGrp="1"/>
           </p:cNvSpPr>
@@ -7199,7 +8943,31 @@
           <a:bodyPr/>
           <a:lstStyle/>
           <a:p>
-            <a:endParaRPr lang="pt-BR" smtClean="0"/>
+            <a:r>
+              <a:rPr lang="pt-BR" dirty="0" smtClean="0"/>
+              <a:t>A classe </a:t>
+            </a:r>
+            <a:r>
+              <a:rPr lang="pt-BR" dirty="0" err="1" smtClean="0"/>
+              <a:t>java</a:t>
+            </a:r>
+            <a:r>
+              <a:rPr lang="pt-BR" dirty="0" smtClean="0"/>
+              <a:t>.</a:t>
+            </a:r>
+            <a:r>
+              <a:rPr lang="pt-BR" dirty="0" err="1" smtClean="0"/>
+              <a:t>io</a:t>
+            </a:r>
+            <a:r>
+              <a:rPr lang="pt-BR" dirty="0" smtClean="0"/>
+              <a:t>.</a:t>
+            </a:r>
+            <a:r>
+              <a:rPr lang="pt-BR" dirty="0" err="1" smtClean="0"/>
+              <a:t>FileWriter</a:t>
+            </a:r>
+            <a:endParaRPr lang="pt-BR" dirty="0"/>
           </a:p>
         </p:txBody>
       </p:sp>
@@ -7259,7 +9027,7 @@
       </p:grpSpPr>
       <p:sp>
         <p:nvSpPr>
-          <p:cNvPr id="12290" name="Título 1"/>
+          <p:cNvPr id="2" name="Título 1"/>
           <p:cNvSpPr>
             <a:spLocks noGrp="1"/>
           </p:cNvSpPr>
@@ -7272,17 +9040,35 @@
           <a:bodyPr/>
           <a:lstStyle/>
           <a:p>
-            <a:pPr eaLnBrk="1" hangingPunct="1"/>
-            <a:r>
-              <a:rPr lang="pt-BR" smtClean="0"/>
-              <a:t>Leitura de arquivos binários</a:t>
-            </a:r>
-          </a:p>
-        </p:txBody>
-      </p:sp>
-      <p:sp>
-        <p:nvSpPr>
-          <p:cNvPr id="12291" name="Espaço Reservado para Conteúdo 2"/>
+            <a:r>
+              <a:rPr lang="pt-BR" sz="4600" kern="1200" dirty="0" smtClean="0">
+                <a:solidFill>
+                  <a:schemeClr val="tx1"/>
+                </a:solidFill>
+                <a:latin typeface="+mj-lt"/>
+                <a:ea typeface="+mj-ea"/>
+                <a:cs typeface="+mj-cs"/>
+              </a:rPr>
+              <a:t>Gravação em arquivos</a:t>
+            </a:r>
+            <a:r>
+              <a:rPr lang="pt-BR" sz="4600" kern="1200" baseline="0" dirty="0" smtClean="0">
+                <a:solidFill>
+                  <a:schemeClr val="tx1"/>
+                </a:solidFill>
+                <a:latin typeface="+mj-lt"/>
+                <a:ea typeface="+mj-ea"/>
+                <a:cs typeface="+mj-cs"/>
+              </a:rPr>
+              <a:t> texto</a:t>
+            </a:r>
+            <a:endParaRPr lang="pt-BR" dirty="0"/>
+          </a:p>
+        </p:txBody>
+      </p:sp>
+      <p:sp>
+        <p:nvSpPr>
+          <p:cNvPr id="3" name="Espaço Reservado para Conteúdo 2"/>
           <p:cNvSpPr>
             <a:spLocks noGrp="1"/>
           </p:cNvSpPr>
@@ -7295,7 +9081,31 @@
           <a:bodyPr/>
           <a:lstStyle/>
           <a:p>
-            <a:endParaRPr lang="pt-BR" smtClean="0"/>
+            <a:r>
+              <a:rPr lang="pt-BR" dirty="0" smtClean="0"/>
+              <a:t>A classe </a:t>
+            </a:r>
+            <a:r>
+              <a:rPr lang="pt-BR" dirty="0" err="1" smtClean="0"/>
+              <a:t>java</a:t>
+            </a:r>
+            <a:r>
+              <a:rPr lang="pt-BR" dirty="0" smtClean="0"/>
+              <a:t>.</a:t>
+            </a:r>
+            <a:r>
+              <a:rPr lang="pt-BR" dirty="0" err="1" smtClean="0"/>
+              <a:t>io</a:t>
+            </a:r>
+            <a:r>
+              <a:rPr lang="pt-BR" dirty="0" smtClean="0"/>
+              <a:t>.</a:t>
+            </a:r>
+            <a:r>
+              <a:rPr lang="pt-BR" dirty="0" err="1" smtClean="0"/>
+              <a:t>BufferedWriter</a:t>
+            </a:r>
+            <a:endParaRPr lang="pt-BR" dirty="0" smtClean="0"/>
           </a:p>
         </p:txBody>
       </p:sp>
@@ -7355,7 +9165,7 @@
       </p:grpSpPr>
       <p:sp>
         <p:nvSpPr>
-          <p:cNvPr id="13314" name="Título 1"/>
+          <p:cNvPr id="2" name="Título 1"/>
           <p:cNvSpPr>
             <a:spLocks noGrp="1"/>
           </p:cNvSpPr>
@@ -7368,17 +9178,35 @@
           <a:bodyPr/>
           <a:lstStyle/>
           <a:p>
-            <a:pPr eaLnBrk="1" hangingPunct="1"/>
-            <a:r>
-              <a:rPr lang="pt-BR" smtClean="0"/>
-              <a:t>Classe FileInputStream</a:t>
-            </a:r>
-          </a:p>
-        </p:txBody>
-      </p:sp>
-      <p:sp>
-        <p:nvSpPr>
-          <p:cNvPr id="13315" name="Espaço Reservado para Conteúdo 2"/>
+            <a:r>
+              <a:rPr lang="pt-BR" sz="4600" kern="1200" dirty="0" smtClean="0">
+                <a:solidFill>
+                  <a:schemeClr val="tx1"/>
+                </a:solidFill>
+                <a:latin typeface="+mj-lt"/>
+                <a:ea typeface="+mj-ea"/>
+                <a:cs typeface="+mj-cs"/>
+              </a:rPr>
+              <a:t>Gravação em arquivos</a:t>
+            </a:r>
+            <a:r>
+              <a:rPr lang="pt-BR" sz="4600" kern="1200" baseline="0" dirty="0" smtClean="0">
+                <a:solidFill>
+                  <a:schemeClr val="tx1"/>
+                </a:solidFill>
+                <a:latin typeface="+mj-lt"/>
+                <a:ea typeface="+mj-ea"/>
+                <a:cs typeface="+mj-cs"/>
+              </a:rPr>
+              <a:t> texto</a:t>
+            </a:r>
+            <a:endParaRPr lang="pt-BR" dirty="0"/>
+          </a:p>
+        </p:txBody>
+      </p:sp>
+      <p:sp>
+        <p:nvSpPr>
+          <p:cNvPr id="3" name="Espaço Reservado para Conteúdo 2"/>
           <p:cNvSpPr>
             <a:spLocks noGrp="1"/>
           </p:cNvSpPr>
@@ -7391,7 +9219,35 @@
           <a:bodyPr/>
           <a:lstStyle/>
           <a:p>
-            <a:endParaRPr lang="pt-BR" smtClean="0"/>
+            <a:r>
+              <a:rPr lang="pt-BR" dirty="0" smtClean="0"/>
+              <a:t>A classe</a:t>
+            </a:r>
+            <a:r>
+              <a:rPr lang="pt-BR" baseline="0" dirty="0" smtClean="0"/>
+              <a:t> </a:t>
+            </a:r>
+            <a:r>
+              <a:rPr lang="pt-BR" baseline="0" dirty="0" err="1" smtClean="0"/>
+              <a:t>java</a:t>
+            </a:r>
+            <a:r>
+              <a:rPr lang="pt-BR" baseline="0" dirty="0" smtClean="0"/>
+              <a:t>.</a:t>
+            </a:r>
+            <a:r>
+              <a:rPr lang="pt-BR" baseline="0" dirty="0" err="1" smtClean="0"/>
+              <a:t>io</a:t>
+            </a:r>
+            <a:r>
+              <a:rPr lang="pt-BR" baseline="0" dirty="0" smtClean="0"/>
+              <a:t>.</a:t>
+            </a:r>
+            <a:r>
+              <a:rPr lang="pt-BR" baseline="0" dirty="0" err="1" smtClean="0"/>
+              <a:t>PrintWriter</a:t>
+            </a:r>
+            <a:endParaRPr lang="pt-BR" dirty="0"/>
           </a:p>
         </p:txBody>
       </p:sp>
@@ -7451,7 +9307,7 @@
       </p:grpSpPr>
       <p:sp>
         <p:nvSpPr>
-          <p:cNvPr id="14338" name="Título 1"/>
+          <p:cNvPr id="2" name="Título 1"/>
           <p:cNvSpPr>
             <a:spLocks noGrp="1"/>
           </p:cNvSpPr>
@@ -7464,17 +9320,24 @@
           <a:bodyPr/>
           <a:lstStyle/>
           <a:p>
-            <a:pPr eaLnBrk="1" hangingPunct="1"/>
-            <a:r>
-              <a:rPr lang="pt-BR" smtClean="0"/>
+            <a:r>
+              <a:rPr lang="pt-BR" sz="4600" kern="1200" dirty="0" smtClean="0">
+                <a:solidFill>
+                  <a:schemeClr val="tx1"/>
+                </a:solidFill>
+                <a:latin typeface="+mj-lt"/>
+                <a:ea typeface="+mj-ea"/>
+                <a:cs typeface="+mj-cs"/>
+              </a:rPr>
               <a:t>Leitura de arquivos texto</a:t>
             </a:r>
-          </a:p>
-        </p:txBody>
-      </p:sp>
-      <p:sp>
-        <p:nvSpPr>
-          <p:cNvPr id="14339" name="Espaço Reservado para Conteúdo 2"/>
+            <a:endParaRPr lang="pt-BR" dirty="0"/>
+          </a:p>
+        </p:txBody>
+      </p:sp>
+      <p:sp>
+        <p:nvSpPr>
+          <p:cNvPr id="3" name="Espaço Reservado para Conteúdo 2"/>
           <p:cNvSpPr>
             <a:spLocks noGrp="1"/>
           </p:cNvSpPr>
@@ -7487,7 +9350,7 @@
           <a:bodyPr/>
           <a:lstStyle/>
           <a:p>
-            <a:endParaRPr lang="pt-BR" smtClean="0"/>
+            <a:endParaRPr lang="pt-BR"/>
           </a:p>
         </p:txBody>
       </p:sp>

--- a/trunk/2-Java-Programmer-Modulo-II/16.Capitulo10.pptx
+++ b/trunk/2-Java-Programmer-Modulo-II/16.Capitulo10.pptx
@@ -317,7 +317,7 @@
               <a:pPr>
                 <a:defRPr/>
               </a:pPr>
-              <a:t>14/05/2012</a:t>
+              <a:t>19/05/2012</a:t>
             </a:fld>
             <a:endParaRPr lang="pt-BR"/>
           </a:p>
@@ -7255,7 +7255,7 @@
               <a:pPr>
                 <a:defRPr/>
               </a:pPr>
-              <a:t>14/05/2012</a:t>
+              <a:t>19/05/2012</a:t>
             </a:fld>
             <a:endParaRPr lang="pt-BR"/>
           </a:p>
@@ -7447,7 +7447,7 @@
               <a:pPr>
                 <a:defRPr/>
               </a:pPr>
-              <a:t>14/05/2012</a:t>
+              <a:t>19/05/2012</a:t>
             </a:fld>
             <a:endParaRPr lang="pt-BR"/>
           </a:p>
@@ -7649,7 +7649,7 @@
               <a:pPr>
                 <a:defRPr/>
               </a:pPr>
-              <a:t>14/05/2012</a:t>
+              <a:t>19/05/2012</a:t>
             </a:fld>
             <a:endParaRPr lang="pt-BR"/>
           </a:p>
@@ -7845,7 +7845,7 @@
               <a:pPr>
                 <a:defRPr/>
               </a:pPr>
-              <a:t>14/05/2012</a:t>
+              <a:t>19/05/2012</a:t>
             </a:fld>
             <a:endParaRPr lang="pt-BR"/>
           </a:p>
@@ -8351,7 +8351,7 @@
               <a:pPr>
                 <a:defRPr/>
               </a:pPr>
-              <a:t>14/05/2012</a:t>
+              <a:t>19/05/2012</a:t>
             </a:fld>
             <a:endParaRPr lang="pt-BR"/>
           </a:p>
@@ -8642,7 +8642,7 @@
               <a:pPr>
                 <a:defRPr/>
               </a:pPr>
-              <a:t>14/05/2012</a:t>
+              <a:t>19/05/2012</a:t>
             </a:fld>
             <a:endParaRPr lang="pt-BR"/>
           </a:p>
@@ -9043,7 +9043,7 @@
               <a:pPr>
                 <a:defRPr/>
               </a:pPr>
-              <a:t>14/05/2012</a:t>
+              <a:t>19/05/2012</a:t>
             </a:fld>
             <a:endParaRPr lang="pt-BR"/>
           </a:p>
@@ -9192,7 +9192,7 @@
               <a:pPr>
                 <a:defRPr/>
               </a:pPr>
-              <a:t>14/05/2012</a:t>
+              <a:t>19/05/2012</a:t>
             </a:fld>
             <a:endParaRPr lang="pt-BR"/>
           </a:p>
@@ -9309,7 +9309,7 @@
               <a:pPr>
                 <a:defRPr/>
               </a:pPr>
-              <a:t>14/05/2012</a:t>
+              <a:t>19/05/2012</a:t>
             </a:fld>
             <a:endParaRPr lang="pt-BR"/>
           </a:p>
@@ -9585,7 +9585,7 @@
               <a:pPr>
                 <a:defRPr/>
               </a:pPr>
-              <a:t>14/05/2012</a:t>
+              <a:t>19/05/2012</a:t>
             </a:fld>
             <a:endParaRPr lang="pt-BR"/>
           </a:p>
@@ -9869,7 +9869,7 @@
               <a:pPr>
                 <a:defRPr/>
               </a:pPr>
-              <a:t>14/05/2012</a:t>
+              <a:t>19/05/2012</a:t>
             </a:fld>
             <a:endParaRPr lang="pt-BR"/>
           </a:p>
@@ -10347,7 +10347,7 @@
               <a:pPr>
                 <a:defRPr/>
               </a:pPr>
-              <a:t>14/05/2012</a:t>
+              <a:t>19/05/2012</a:t>
             </a:fld>
             <a:endParaRPr lang="pt-BR"/>
           </a:p>
@@ -41293,11 +41293,7 @@
             </a:pPr>
             <a:r>
               <a:rPr lang="pt-BR" sz="2200" dirty="0" smtClean="0"/>
-              <a:t>Útil </a:t>
-            </a:r>
-            <a:r>
-              <a:rPr lang="pt-BR" sz="2200" dirty="0" smtClean="0"/>
-              <a:t>como argumento de passagem de parâmetros do tipo imagem, som ou outros dados binários para bibliotecas diversas, como:</a:t>
+              <a:t>Útil como argumento de passagem de parâmetros do tipo imagem, som ou outros dados binários para bibliotecas diversas, como:</a:t>
             </a:r>
           </a:p>
           <a:p>
@@ -42176,21 +42172,8 @@
             </a:r>
             <a:r>
               <a:rPr lang="pt-BR" sz="2800" dirty="0" smtClean="0"/>
-              <a:t> de </a:t>
-            </a:r>
-            <a:r>
-              <a:rPr lang="pt-BR" sz="2800" dirty="0" smtClean="0"/>
-              <a:t>saída) </a:t>
-            </a:r>
-            <a:r>
-              <a:rPr lang="pt-BR" sz="2800" dirty="0" smtClean="0"/>
-              <a:t>representa </a:t>
-            </a:r>
-            <a:r>
-              <a:rPr lang="pt-BR" sz="2800" dirty="0" smtClean="0"/>
-              <a:t>uma entidade ou dispositivo para onde podemos empurrar informações byte a byte.</a:t>
-            </a:r>
-            <a:endParaRPr lang="pt-BR" sz="2800" dirty="0" smtClean="0"/>
+              <a:t> de saída) representa uma entidade ou dispositivo para onde podemos empurrar informações byte a byte.</a:t>
+            </a:r>
           </a:p>
         </p:txBody>
       </p:sp>
@@ -43065,7 +43048,6 @@
               <a:rPr lang="pt-BR" sz="2400" dirty="0" smtClean="0"/>
               <a:t>.</a:t>
             </a:r>
-            <a:endParaRPr lang="pt-BR" sz="2400" dirty="0" smtClean="0"/>
           </a:p>
           <a:p>
             <a:pPr lvl="1"/>
@@ -43199,7 +43181,6 @@
               <a:rPr lang="pt-BR" sz="2000" dirty="0" smtClean="0"/>
               <a:t>;</a:t>
             </a:r>
-            <a:endParaRPr lang="pt-BR" sz="2000" dirty="0" smtClean="0"/>
           </a:p>
           <a:p>
             <a:pPr marL="442913" lvl="1" indent="6350">
@@ -43248,7 +43229,6 @@
               <a:rPr lang="pt-BR" sz="2000" dirty="0" smtClean="0"/>
               <a:t>;</a:t>
             </a:r>
-            <a:endParaRPr lang="pt-BR" sz="2000" dirty="0" smtClean="0"/>
           </a:p>
           <a:p>
             <a:pPr marL="442913" lvl="1" indent="6350">
@@ -43297,7 +43277,6 @@
               <a:rPr lang="pt-BR" sz="2000" dirty="0" smtClean="0"/>
               <a:t>;</a:t>
             </a:r>
-            <a:endParaRPr lang="pt-BR" sz="2000" dirty="0" smtClean="0"/>
           </a:p>
           <a:p>
             <a:pPr marL="442913" lvl="1" indent="6350">
@@ -43358,7 +43337,6 @@
               <a:rPr lang="pt-BR" sz="2000" dirty="0" smtClean="0"/>
               <a:t>. . .</a:t>
             </a:r>
-            <a:endParaRPr lang="pt-BR" sz="2000" dirty="0" smtClean="0"/>
           </a:p>
         </p:txBody>
       </p:sp>
@@ -43766,11 +43744,7 @@
             </a:r>
             <a:r>
               <a:rPr lang="pt-BR" dirty="0" smtClean="0"/>
-              <a:t>(byte</a:t>
-            </a:r>
-            <a:r>
-              <a:rPr lang="pt-BR" dirty="0" smtClean="0"/>
-              <a:t>[])</a:t>
+              <a:t>(byte[])</a:t>
             </a:r>
           </a:p>
           <a:p>
@@ -43831,11 +43805,7 @@
             </a:r>
             <a:r>
               <a:rPr lang="pt-BR" sz="2000" dirty="0" smtClean="0"/>
-              <a:t> = </a:t>
-            </a:r>
-            <a:r>
-              <a:rPr lang="pt-BR" sz="2000" dirty="0" smtClean="0"/>
-              <a:t>{ 74, 97, 118, 97, 32, 101, 104, 32, 108, 101, 103, 97, 108, 33 };</a:t>
+              <a:t> = { 74, 97, 118, 97, 32, 101, 104, 32, 108, 101, 103, 97, 108, 33 };</a:t>
             </a:r>
           </a:p>
           <a:p>
@@ -43937,7 +43907,6 @@
               <a:rPr lang="pt-BR" sz="2000" dirty="0" smtClean="0"/>
               <a:t>;</a:t>
             </a:r>
-            <a:endParaRPr lang="pt-BR" sz="2000" dirty="0" smtClean="0"/>
           </a:p>
         </p:txBody>
       </p:sp>
@@ -44363,7 +44332,6 @@
               <a:rPr lang="pt-BR" dirty="0" smtClean="0"/>
               <a:t>)</a:t>
             </a:r>
-            <a:endParaRPr lang="pt-BR" dirty="0" smtClean="0"/>
           </a:p>
           <a:p>
             <a:pPr lvl="1"/>
@@ -44529,7 +44497,6 @@
               <a:rPr lang="pt-BR" sz="2000" dirty="0" smtClean="0"/>
               <a:t>;</a:t>
             </a:r>
-            <a:endParaRPr lang="pt-BR" sz="2000" dirty="0" smtClean="0"/>
           </a:p>
         </p:txBody>
       </p:sp>
@@ -45062,11 +45029,7 @@
             </a:r>
             <a:r>
               <a:rPr lang="pt-BR" dirty="0" smtClean="0"/>
-              <a:t> flush</a:t>
-            </a:r>
-            <a:r>
-              <a:rPr lang="pt-BR" dirty="0" smtClean="0"/>
-              <a:t>()</a:t>
+              <a:t> flush()</a:t>
             </a:r>
           </a:p>
           <a:p>
@@ -45328,11 +45291,7 @@
             </a:r>
             <a:r>
               <a:rPr lang="pt-BR" dirty="0" smtClean="0"/>
-              <a:t> close</a:t>
-            </a:r>
-            <a:r>
-              <a:rPr lang="pt-BR" dirty="0" smtClean="0"/>
-              <a:t>()</a:t>
+              <a:t> close()</a:t>
             </a:r>
           </a:p>
           <a:p>
@@ -45351,19 +45310,7 @@
             </a:r>
             <a:r>
               <a:rPr lang="pt-BR" sz="2000" dirty="0" smtClean="0"/>
-              <a:t> de </a:t>
-            </a:r>
-            <a:r>
-              <a:rPr lang="pt-BR" sz="2000" dirty="0" smtClean="0"/>
-              <a:t>saída </a:t>
-            </a:r>
-            <a:r>
-              <a:rPr lang="pt-BR" sz="2000" dirty="0" smtClean="0"/>
-              <a:t>liberando o recurso (arquivo ou outra origem de dados) tornando-o disponível para utilização por outros programas do sistema operacional</a:t>
-            </a:r>
-            <a:r>
-              <a:rPr lang="pt-BR" sz="2000" dirty="0" smtClean="0"/>
-              <a:t>.</a:t>
+              <a:t> de saída liberando o recurso (arquivo ou outra origem de dados) tornando-o disponível para utilização por outros programas do sistema operacional.</a:t>
             </a:r>
           </a:p>
           <a:p>
@@ -45565,7 +45512,6 @@
               <a:rPr lang="pt-BR" sz="2000" dirty="0" smtClean="0"/>
               <a:t>;</a:t>
             </a:r>
-            <a:endParaRPr lang="pt-BR" sz="2000" dirty="0" smtClean="0"/>
           </a:p>
         </p:txBody>
       </p:sp>
@@ -45733,31 +45679,7 @@
             </a:r>
             <a:r>
               <a:rPr lang="pt-BR" sz="2200" dirty="0" smtClean="0"/>
-              <a:t> </a:t>
-            </a:r>
-            <a:r>
-              <a:rPr lang="pt-BR" sz="2200" dirty="0" smtClean="0"/>
-              <a:t>que </a:t>
-            </a:r>
-            <a:r>
-              <a:rPr lang="pt-BR" sz="2200" dirty="0" smtClean="0"/>
-              <a:t>escreve </a:t>
-            </a:r>
-            <a:r>
-              <a:rPr lang="pt-BR" sz="2200" dirty="0" smtClean="0"/>
-              <a:t>dados binários </a:t>
-            </a:r>
-            <a:r>
-              <a:rPr lang="pt-BR" sz="2200" dirty="0" smtClean="0"/>
-              <a:t>em </a:t>
-            </a:r>
-            <a:r>
-              <a:rPr lang="pt-BR" sz="2200" dirty="0" smtClean="0"/>
-              <a:t>um </a:t>
-            </a:r>
-            <a:r>
-              <a:rPr lang="pt-BR" sz="2200" dirty="0" smtClean="0"/>
-              <a:t>arquivo sem utilização de </a:t>
+              <a:t> que escreve dados binários em um arquivo sem utilização de </a:t>
             </a:r>
             <a:r>
               <a:rPr lang="pt-BR" sz="2200" dirty="0" err="1" smtClean="0"/>
@@ -45767,7 +45689,6 @@
               <a:rPr lang="pt-BR" sz="2200" dirty="0" smtClean="0"/>
               <a:t>.</a:t>
             </a:r>
-            <a:endParaRPr lang="pt-BR" sz="2200" dirty="0" smtClean="0"/>
           </a:p>
           <a:p>
             <a:pPr>
@@ -45785,15 +45706,7 @@
             </a:r>
             <a:r>
               <a:rPr lang="pt-BR" sz="2200" dirty="0" smtClean="0"/>
-              <a:t> </a:t>
-            </a:r>
-            <a:r>
-              <a:rPr lang="pt-BR" sz="2200" dirty="0" smtClean="0"/>
-              <a:t>devemos especificar o caminho absoluto ou relativo do arquivo desejado</a:t>
-            </a:r>
-            <a:r>
-              <a:rPr lang="pt-BR" sz="2200" dirty="0" smtClean="0"/>
-              <a:t>.</a:t>
+              <a:t> devemos especificar o caminho absoluto ou relativo do arquivo desejado.</a:t>
             </a:r>
           </a:p>
           <a:p>
@@ -45806,7 +45719,6 @@
               <a:rPr lang="pt-BR" sz="2200" dirty="0" smtClean="0"/>
               <a:t>Se o arquivo informado já existir, todo o seu conteúdo será sobreposto pelo que está sendo gravado. Se o arquivo ainda não existir, ele tentará ser criado.</a:t>
             </a:r>
-            <a:endParaRPr lang="pt-BR" sz="2200" dirty="0" smtClean="0"/>
           </a:p>
           <a:p>
             <a:pPr marL="0" indent="0">
@@ -45842,11 +45754,7 @@
             </a:r>
             <a:r>
               <a:rPr lang="pt-BR" sz="2200" dirty="0" smtClean="0"/>
-              <a:t> </a:t>
-            </a:r>
-            <a:r>
-              <a:rPr lang="pt-BR" sz="2200" dirty="0" smtClean="0"/>
-              <a:t>= </a:t>
+              <a:t> = </a:t>
             </a:r>
             <a:r>
               <a:rPr lang="pt-BR" sz="2200" dirty="0" err="1" smtClean="0"/>
@@ -45896,7 +45804,6 @@
               <a:rPr lang="pt-BR" sz="2200" dirty="0" smtClean="0"/>
               <a:t>;</a:t>
             </a:r>
-            <a:endParaRPr lang="pt-BR" sz="2200" dirty="0" smtClean="0"/>
           </a:p>
           <a:p>
             <a:pPr marL="0" indent="0">
@@ -45907,11 +45814,7 @@
             </a:pPr>
             <a:r>
               <a:rPr lang="pt-BR" sz="2200" dirty="0" smtClean="0"/>
-              <a:t>. </a:t>
-            </a:r>
-            <a:r>
-              <a:rPr lang="pt-BR" sz="2200" dirty="0" smtClean="0"/>
-              <a:t>. .</a:t>
+              <a:t>. . .</a:t>
             </a:r>
           </a:p>
           <a:p>
@@ -45933,7 +45836,6 @@
               <a:rPr lang="pt-BR" sz="2200" dirty="0" smtClean="0"/>
               <a:t>;</a:t>
             </a:r>
-            <a:endParaRPr lang="pt-BR" sz="2200" dirty="0" smtClean="0"/>
           </a:p>
         </p:txBody>
       </p:sp>
@@ -46078,11 +45980,7 @@
             </a:r>
             <a:r>
               <a:rPr lang="pt-BR" sz="2200" dirty="0" smtClean="0"/>
-              <a:t> </a:t>
-            </a:r>
-            <a:r>
-              <a:rPr lang="pt-BR" sz="2200" dirty="0" smtClean="0"/>
-              <a:t>e conversão para </a:t>
+              <a:t> e conversão para </a:t>
             </a:r>
             <a:r>
               <a:rPr lang="pt-BR" sz="2200" dirty="0" err="1" smtClean="0"/>
@@ -46211,7 +46109,6 @@
               <a:rPr lang="pt-BR" sz="2200" dirty="0" smtClean="0"/>
               <a:t>;</a:t>
             </a:r>
-            <a:endParaRPr lang="pt-BR" sz="2200" dirty="0" smtClean="0"/>
           </a:p>
           <a:p>
             <a:pPr marL="0" indent="0">
@@ -46232,7 +46129,6 @@
               <a:rPr lang="pt-BR" sz="2200" dirty="0" smtClean="0"/>
               <a:t>(...);</a:t>
             </a:r>
-            <a:endParaRPr lang="pt-BR" sz="2200" dirty="0" smtClean="0"/>
           </a:p>
           <a:p>
             <a:pPr marL="0" indent="0">
@@ -46314,7 +46210,6 @@
               <a:rPr lang="pt-BR" sz="2200" dirty="0" smtClean="0"/>
               <a:t>;</a:t>
             </a:r>
-            <a:endParaRPr lang="pt-BR" sz="2200" dirty="0" smtClean="0"/>
           </a:p>
         </p:txBody>
       </p:sp>
@@ -46410,6 +46305,26 @@
           <a:bodyPr/>
           <a:lstStyle/>
           <a:p>
+            <a:r>
+              <a:rPr lang="pt-BR" dirty="0" smtClean="0"/>
+              <a:t>Utilizando as classes </a:t>
+            </a:r>
+            <a:r>
+              <a:rPr lang="pt-BR" dirty="0" err="1" smtClean="0"/>
+              <a:t>FileInputStream</a:t>
+            </a:r>
+            <a:r>
+              <a:rPr lang="pt-BR" dirty="0" smtClean="0"/>
+              <a:t> e </a:t>
+            </a:r>
+            <a:r>
+              <a:rPr lang="pt-BR" dirty="0" err="1" smtClean="0"/>
+              <a:t>FileOutputStream</a:t>
+            </a:r>
+            <a:r>
+              <a:rPr lang="pt-BR" dirty="0" smtClean="0"/>
+              <a:t>, copie o arquivo</a:t>
+            </a:r>
             <a:endParaRPr lang="pt-BR" dirty="0"/>
           </a:p>
         </p:txBody>

--- a/trunk/2-Java-Programmer-Modulo-II/16.Capitulo10.pptx
+++ b/trunk/2-Java-Programmer-Modulo-II/16.Capitulo10.pptx
@@ -5,7 +5,7 @@
     <p:sldMasterId id="2147483660" r:id="rId1"/>
   </p:sldMasterIdLst>
   <p:notesMasterIdLst>
-    <p:notesMasterId r:id="rId71"/>
+    <p:notesMasterId r:id="rId72"/>
   </p:notesMasterIdLst>
   <p:sldIdLst>
     <p:sldId id="256" r:id="rId2"/>
@@ -66,17 +66,18 @@
     <p:sldId id="395" r:id="rId57"/>
     <p:sldId id="392" r:id="rId58"/>
     <p:sldId id="396" r:id="rId59"/>
-    <p:sldId id="303" r:id="rId60"/>
-    <p:sldId id="321" r:id="rId61"/>
-    <p:sldId id="322" r:id="rId62"/>
-    <p:sldId id="310" r:id="rId63"/>
-    <p:sldId id="311" r:id="rId64"/>
-    <p:sldId id="312" r:id="rId65"/>
-    <p:sldId id="313" r:id="rId66"/>
-    <p:sldId id="314" r:id="rId67"/>
-    <p:sldId id="300" r:id="rId68"/>
-    <p:sldId id="315" r:id="rId69"/>
-    <p:sldId id="316" r:id="rId70"/>
+    <p:sldId id="397" r:id="rId60"/>
+    <p:sldId id="303" r:id="rId61"/>
+    <p:sldId id="321" r:id="rId62"/>
+    <p:sldId id="322" r:id="rId63"/>
+    <p:sldId id="310" r:id="rId64"/>
+    <p:sldId id="311" r:id="rId65"/>
+    <p:sldId id="312" r:id="rId66"/>
+    <p:sldId id="313" r:id="rId67"/>
+    <p:sldId id="314" r:id="rId68"/>
+    <p:sldId id="300" r:id="rId69"/>
+    <p:sldId id="315" r:id="rId70"/>
+    <p:sldId id="316" r:id="rId71"/>
   </p:sldIdLst>
   <p:sldSz cx="9144000" cy="6858000" type="screen4x3"/>
   <p:notesSz cx="6858000" cy="9144000"/>
@@ -317,7 +318,7 @@
               <a:pPr>
                 <a:defRPr/>
               </a:pPr>
-              <a:t>19/05/2012</a:t>
+              <a:t>21/05/2012</a:t>
             </a:fld>
             <a:endParaRPr lang="pt-BR"/>
           </a:p>
@@ -5523,29 +5524,19 @@
       </p:grpSpPr>
       <p:sp>
         <p:nvSpPr>
-          <p:cNvPr id="26626" name="Espaço Reservado para Imagem de Slide 1"/>
-          <p:cNvSpPr>
-            <a:spLocks noGrp="1" noRot="1" noChangeAspect="1" noTextEdit="1"/>
+          <p:cNvPr id="2" name="Espaço Reservado para Imagem de Slide 1"/>
+          <p:cNvSpPr>
+            <a:spLocks noGrp="1" noRot="1" noChangeAspect="1"/>
           </p:cNvSpPr>
           <p:nvPr>
             <p:ph type="sldImg"/>
           </p:nvPr>
         </p:nvSpPr>
-        <p:spPr bwMode="auto">
-          <a:noFill/>
-          <a:ln>
-            <a:solidFill>
-              <a:srgbClr val="000000"/>
-            </a:solidFill>
-            <a:miter lim="800000"/>
-            <a:headEnd/>
-            <a:tailEnd/>
-          </a:ln>
-        </p:spPr>
-      </p:sp>
-      <p:sp>
-        <p:nvSpPr>
-          <p:cNvPr id="26627" name="Espaço Reservado para Anotações 2"/>
+        <p:spPr/>
+      </p:sp>
+      <p:sp>
+        <p:nvSpPr>
+          <p:cNvPr id="3" name="Espaço Reservado para Anotações 2"/>
           <p:cNvSpPr>
             <a:spLocks noGrp="1"/>
           </p:cNvSpPr>
@@ -5553,18 +5544,14 @@
             <p:ph type="body" idx="1"/>
           </p:nvPr>
         </p:nvSpPr>
-        <p:spPr bwMode="auto">
-          <a:noFill/>
-        </p:spPr>
+        <p:spPr/>
         <p:txBody>
-          <a:bodyPr wrap="square" numCol="1" anchor="t" anchorCtr="0" compatLnSpc="1">
-            <a:prstTxWarp prst="textNoShape">
-              <a:avLst/>
-            </a:prstTxWarp>
+          <a:bodyPr>
+            <a:normAutofit/>
           </a:bodyPr>
           <a:lstStyle/>
           <a:p>
-            <a:endParaRPr lang="pt-BR" smtClean="0"/>
+            <a:endParaRPr lang="pt-BR"/>
           </a:p>
         </p:txBody>
       </p:sp>
@@ -5575,7 +5562,7 @@
             <a:spLocks noGrp="1"/>
           </p:cNvSpPr>
           <p:nvPr>
-            <p:ph type="sldNum" sz="quarter" idx="5"/>
+            <p:ph type="sldNum" sz="quarter" idx="10"/>
           </p:nvPr>
         </p:nvSpPr>
         <p:spPr/>
@@ -5586,7 +5573,7 @@
             <a:pPr>
               <a:defRPr/>
             </a:pPr>
-            <a:fld id="{06A37879-4216-4327-8CFB-D8AEF1EC61E8}" type="slidenum">
+            <a:fld id="{373010A1-97EB-4147-B509-23B1A33D8481}" type="slidenum">
               <a:rPr lang="pt-BR" smtClean="0"/>
               <a:pPr>
                 <a:defRPr/>
@@ -5711,19 +5698,29 @@
       </p:grpSpPr>
       <p:sp>
         <p:nvSpPr>
-          <p:cNvPr id="2" name="Espaço Reservado para Imagem de Slide 1"/>
-          <p:cNvSpPr>
-            <a:spLocks noGrp="1" noRot="1" noChangeAspect="1"/>
+          <p:cNvPr id="26626" name="Espaço Reservado para Imagem de Slide 1"/>
+          <p:cNvSpPr>
+            <a:spLocks noGrp="1" noRot="1" noChangeAspect="1" noTextEdit="1"/>
           </p:cNvSpPr>
           <p:nvPr>
             <p:ph type="sldImg"/>
           </p:nvPr>
         </p:nvSpPr>
-        <p:spPr/>
-      </p:sp>
-      <p:sp>
-        <p:nvSpPr>
-          <p:cNvPr id="3" name="Espaço Reservado para Anotações 2"/>
+        <p:spPr bwMode="auto">
+          <a:noFill/>
+          <a:ln>
+            <a:solidFill>
+              <a:srgbClr val="000000"/>
+            </a:solidFill>
+            <a:miter lim="800000"/>
+            <a:headEnd/>
+            <a:tailEnd/>
+          </a:ln>
+        </p:spPr>
+      </p:sp>
+      <p:sp>
+        <p:nvSpPr>
+          <p:cNvPr id="26627" name="Espaço Reservado para Anotações 2"/>
           <p:cNvSpPr>
             <a:spLocks noGrp="1"/>
           </p:cNvSpPr>
@@ -5731,14 +5728,18 @@
             <p:ph type="body" idx="1"/>
           </p:nvPr>
         </p:nvSpPr>
-        <p:spPr/>
+        <p:spPr bwMode="auto">
+          <a:noFill/>
+        </p:spPr>
         <p:txBody>
-          <a:bodyPr>
-            <a:normAutofit/>
+          <a:bodyPr wrap="square" numCol="1" anchor="t" anchorCtr="0" compatLnSpc="1">
+            <a:prstTxWarp prst="textNoShape">
+              <a:avLst/>
+            </a:prstTxWarp>
           </a:bodyPr>
           <a:lstStyle/>
           <a:p>
-            <a:endParaRPr lang="pt-BR"/>
+            <a:endParaRPr lang="pt-BR" smtClean="0"/>
           </a:p>
         </p:txBody>
       </p:sp>
@@ -5749,7 +5750,7 @@
             <a:spLocks noGrp="1"/>
           </p:cNvSpPr>
           <p:nvPr>
-            <p:ph type="sldNum" sz="quarter" idx="10"/>
+            <p:ph type="sldNum" sz="quarter" idx="5"/>
           </p:nvPr>
         </p:nvSpPr>
         <p:spPr/>
@@ -5760,7 +5761,7 @@
             <a:pPr>
               <a:defRPr/>
             </a:pPr>
-            <a:fld id="{373010A1-97EB-4147-B509-23B1A33D8481}" type="slidenum">
+            <a:fld id="{06A37879-4216-4327-8CFB-D8AEF1EC61E8}" type="slidenum">
               <a:rPr lang="pt-BR" smtClean="0"/>
               <a:pPr>
                 <a:defRPr/>
@@ -6320,29 +6321,19 @@
       </p:grpSpPr>
       <p:sp>
         <p:nvSpPr>
-          <p:cNvPr id="23554" name="Espaço Reservado para Imagem de Slide 1"/>
-          <p:cNvSpPr>
-            <a:spLocks noGrp="1" noRot="1" noChangeAspect="1" noTextEdit="1"/>
+          <p:cNvPr id="2" name="Espaço Reservado para Imagem de Slide 1"/>
+          <p:cNvSpPr>
+            <a:spLocks noGrp="1" noRot="1" noChangeAspect="1"/>
           </p:cNvSpPr>
           <p:nvPr>
             <p:ph type="sldImg"/>
           </p:nvPr>
         </p:nvSpPr>
-        <p:spPr bwMode="auto">
-          <a:noFill/>
-          <a:ln>
-            <a:solidFill>
-              <a:srgbClr val="000000"/>
-            </a:solidFill>
-            <a:miter lim="800000"/>
-            <a:headEnd/>
-            <a:tailEnd/>
-          </a:ln>
-        </p:spPr>
-      </p:sp>
-      <p:sp>
-        <p:nvSpPr>
-          <p:cNvPr id="23555" name="Espaço Reservado para Anotações 2"/>
+        <p:spPr/>
+      </p:sp>
+      <p:sp>
+        <p:nvSpPr>
+          <p:cNvPr id="3" name="Espaço Reservado para Anotações 2"/>
           <p:cNvSpPr>
             <a:spLocks noGrp="1"/>
           </p:cNvSpPr>
@@ -6350,18 +6341,14 @@
             <p:ph type="body" idx="1"/>
           </p:nvPr>
         </p:nvSpPr>
-        <p:spPr bwMode="auto">
-          <a:noFill/>
-        </p:spPr>
+        <p:spPr/>
         <p:txBody>
-          <a:bodyPr wrap="square" numCol="1" anchor="t" anchorCtr="0" compatLnSpc="1">
-            <a:prstTxWarp prst="textNoShape">
-              <a:avLst/>
-            </a:prstTxWarp>
+          <a:bodyPr>
+            <a:normAutofit/>
           </a:bodyPr>
           <a:lstStyle/>
           <a:p>
-            <a:endParaRPr lang="pt-BR" smtClean="0"/>
+            <a:endParaRPr lang="pt-BR"/>
           </a:p>
         </p:txBody>
       </p:sp>
@@ -6372,7 +6359,7 @@
             <a:spLocks noGrp="1"/>
           </p:cNvSpPr>
           <p:nvPr>
-            <p:ph type="sldNum" sz="quarter" idx="5"/>
+            <p:ph type="sldNum" sz="quarter" idx="10"/>
           </p:nvPr>
         </p:nvSpPr>
         <p:spPr/>
@@ -6383,7 +6370,7 @@
             <a:pPr>
               <a:defRPr/>
             </a:pPr>
-            <a:fld id="{6B8F65D9-89BC-4556-92A1-CAFAFB5983F5}" type="slidenum">
+            <a:fld id="{373010A1-97EB-4147-B509-23B1A33D8481}" type="slidenum">
               <a:rPr lang="pt-BR" smtClean="0"/>
               <a:pPr>
                 <a:defRPr/>
@@ -6421,19 +6408,29 @@
       </p:grpSpPr>
       <p:sp>
         <p:nvSpPr>
-          <p:cNvPr id="2" name="Espaço Reservado para Imagem de Slide 1"/>
-          <p:cNvSpPr>
-            <a:spLocks noGrp="1" noRot="1" noChangeAspect="1"/>
+          <p:cNvPr id="23554" name="Espaço Reservado para Imagem de Slide 1"/>
+          <p:cNvSpPr>
+            <a:spLocks noGrp="1" noRot="1" noChangeAspect="1" noTextEdit="1"/>
           </p:cNvSpPr>
           <p:nvPr>
             <p:ph type="sldImg"/>
           </p:nvPr>
         </p:nvSpPr>
-        <p:spPr/>
-      </p:sp>
-      <p:sp>
-        <p:nvSpPr>
-          <p:cNvPr id="3" name="Espaço Reservado para Anotações 2"/>
+        <p:spPr bwMode="auto">
+          <a:noFill/>
+          <a:ln>
+            <a:solidFill>
+              <a:srgbClr val="000000"/>
+            </a:solidFill>
+            <a:miter lim="800000"/>
+            <a:headEnd/>
+            <a:tailEnd/>
+          </a:ln>
+        </p:spPr>
+      </p:sp>
+      <p:sp>
+        <p:nvSpPr>
+          <p:cNvPr id="23555" name="Espaço Reservado para Anotações 2"/>
           <p:cNvSpPr>
             <a:spLocks noGrp="1"/>
           </p:cNvSpPr>
@@ -6441,14 +6438,18 @@
             <p:ph type="body" idx="1"/>
           </p:nvPr>
         </p:nvSpPr>
-        <p:spPr/>
+        <p:spPr bwMode="auto">
+          <a:noFill/>
+        </p:spPr>
         <p:txBody>
-          <a:bodyPr>
-            <a:normAutofit/>
+          <a:bodyPr wrap="square" numCol="1" anchor="t" anchorCtr="0" compatLnSpc="1">
+            <a:prstTxWarp prst="textNoShape">
+              <a:avLst/>
+            </a:prstTxWarp>
           </a:bodyPr>
           <a:lstStyle/>
           <a:p>
-            <a:endParaRPr lang="pt-BR"/>
+            <a:endParaRPr lang="pt-BR" smtClean="0"/>
           </a:p>
         </p:txBody>
       </p:sp>
@@ -6459,7 +6460,7 @@
             <a:spLocks noGrp="1"/>
           </p:cNvSpPr>
           <p:nvPr>
-            <p:ph type="sldNum" sz="quarter" idx="10"/>
+            <p:ph type="sldNum" sz="quarter" idx="5"/>
           </p:nvPr>
         </p:nvSpPr>
         <p:spPr/>
@@ -6470,7 +6471,7 @@
             <a:pPr>
               <a:defRPr/>
             </a:pPr>
-            <a:fld id="{373010A1-97EB-4147-B509-23B1A33D8481}" type="slidenum">
+            <a:fld id="{6B8F65D9-89BC-4556-92A1-CAFAFB5983F5}" type="slidenum">
               <a:rPr lang="pt-BR" smtClean="0"/>
               <a:pPr>
                 <a:defRPr/>
@@ -6650,6 +6651,93 @@
                 <a:defRPr/>
               </a:pPr>
               <a:t>7</a:t>
+            </a:fld>
+            <a:endParaRPr lang="pt-BR"/>
+          </a:p>
+        </p:txBody>
+      </p:sp>
+    </p:spTree>
+  </p:cSld>
+  <p:clrMapOvr>
+    <a:masterClrMapping/>
+  </p:clrMapOvr>
+</p:notes>
+</file>
+
+<file path=ppt/notesSlides/notesSlide70.xml><?xml version="1.0" encoding="utf-8"?>
+<p:notes xmlns:a="http://schemas.openxmlformats.org/drawingml/2006/main" xmlns:r="http://schemas.openxmlformats.org/officeDocument/2006/relationships" xmlns:p="http://schemas.openxmlformats.org/presentationml/2006/main">
+  <p:cSld>
+    <p:spTree>
+      <p:nvGrpSpPr>
+        <p:cNvPr id="1" name=""/>
+        <p:cNvGrpSpPr/>
+        <p:nvPr/>
+      </p:nvGrpSpPr>
+      <p:grpSpPr>
+        <a:xfrm>
+          <a:off x="0" y="0"/>
+          <a:ext cx="0" cy="0"/>
+          <a:chOff x="0" y="0"/>
+          <a:chExt cx="0" cy="0"/>
+        </a:xfrm>
+      </p:grpSpPr>
+      <p:sp>
+        <p:nvSpPr>
+          <p:cNvPr id="2" name="Espaço Reservado para Imagem de Slide 1"/>
+          <p:cNvSpPr>
+            <a:spLocks noGrp="1" noRot="1" noChangeAspect="1"/>
+          </p:cNvSpPr>
+          <p:nvPr>
+            <p:ph type="sldImg"/>
+          </p:nvPr>
+        </p:nvSpPr>
+        <p:spPr/>
+      </p:sp>
+      <p:sp>
+        <p:nvSpPr>
+          <p:cNvPr id="3" name="Espaço Reservado para Anotações 2"/>
+          <p:cNvSpPr>
+            <a:spLocks noGrp="1"/>
+          </p:cNvSpPr>
+          <p:nvPr>
+            <p:ph type="body" idx="1"/>
+          </p:nvPr>
+        </p:nvSpPr>
+        <p:spPr/>
+        <p:txBody>
+          <a:bodyPr>
+            <a:normAutofit/>
+          </a:bodyPr>
+          <a:lstStyle/>
+          <a:p>
+            <a:endParaRPr lang="pt-BR"/>
+          </a:p>
+        </p:txBody>
+      </p:sp>
+      <p:sp>
+        <p:nvSpPr>
+          <p:cNvPr id="4" name="Espaço Reservado para Número de Slide 3"/>
+          <p:cNvSpPr>
+            <a:spLocks noGrp="1"/>
+          </p:cNvSpPr>
+          <p:nvPr>
+            <p:ph type="sldNum" sz="quarter" idx="10"/>
+          </p:nvPr>
+        </p:nvSpPr>
+        <p:spPr/>
+        <p:txBody>
+          <a:bodyPr/>
+          <a:lstStyle/>
+          <a:p>
+            <a:pPr>
+              <a:defRPr/>
+            </a:pPr>
+            <a:fld id="{373010A1-97EB-4147-B509-23B1A33D8481}" type="slidenum">
+              <a:rPr lang="pt-BR" smtClean="0"/>
+              <a:pPr>
+                <a:defRPr/>
+              </a:pPr>
+              <a:t>70</a:t>
             </a:fld>
             <a:endParaRPr lang="pt-BR"/>
           </a:p>
@@ -7255,7 +7343,7 @@
               <a:pPr>
                 <a:defRPr/>
               </a:pPr>
-              <a:t>19/05/2012</a:t>
+              <a:t>21/05/2012</a:t>
             </a:fld>
             <a:endParaRPr lang="pt-BR"/>
           </a:p>
@@ -7447,7 +7535,7 @@
               <a:pPr>
                 <a:defRPr/>
               </a:pPr>
-              <a:t>19/05/2012</a:t>
+              <a:t>21/05/2012</a:t>
             </a:fld>
             <a:endParaRPr lang="pt-BR"/>
           </a:p>
@@ -7649,7 +7737,7 @@
               <a:pPr>
                 <a:defRPr/>
               </a:pPr>
-              <a:t>19/05/2012</a:t>
+              <a:t>21/05/2012</a:t>
             </a:fld>
             <a:endParaRPr lang="pt-BR"/>
           </a:p>
@@ -7845,7 +7933,7 @@
               <a:pPr>
                 <a:defRPr/>
               </a:pPr>
-              <a:t>19/05/2012</a:t>
+              <a:t>21/05/2012</a:t>
             </a:fld>
             <a:endParaRPr lang="pt-BR"/>
           </a:p>
@@ -8351,7 +8439,7 @@
               <a:pPr>
                 <a:defRPr/>
               </a:pPr>
-              <a:t>19/05/2012</a:t>
+              <a:t>21/05/2012</a:t>
             </a:fld>
             <a:endParaRPr lang="pt-BR"/>
           </a:p>
@@ -8642,7 +8730,7 @@
               <a:pPr>
                 <a:defRPr/>
               </a:pPr>
-              <a:t>19/05/2012</a:t>
+              <a:t>21/05/2012</a:t>
             </a:fld>
             <a:endParaRPr lang="pt-BR"/>
           </a:p>
@@ -9043,7 +9131,7 @@
               <a:pPr>
                 <a:defRPr/>
               </a:pPr>
-              <a:t>19/05/2012</a:t>
+              <a:t>21/05/2012</a:t>
             </a:fld>
             <a:endParaRPr lang="pt-BR"/>
           </a:p>
@@ -9192,7 +9280,7 @@
               <a:pPr>
                 <a:defRPr/>
               </a:pPr>
-              <a:t>19/05/2012</a:t>
+              <a:t>21/05/2012</a:t>
             </a:fld>
             <a:endParaRPr lang="pt-BR"/>
           </a:p>
@@ -9309,7 +9397,7 @@
               <a:pPr>
                 <a:defRPr/>
               </a:pPr>
-              <a:t>19/05/2012</a:t>
+              <a:t>21/05/2012</a:t>
             </a:fld>
             <a:endParaRPr lang="pt-BR"/>
           </a:p>
@@ -9585,7 +9673,7 @@
               <a:pPr>
                 <a:defRPr/>
               </a:pPr>
-              <a:t>19/05/2012</a:t>
+              <a:t>21/05/2012</a:t>
             </a:fld>
             <a:endParaRPr lang="pt-BR"/>
           </a:p>
@@ -9869,7 +9957,7 @@
               <a:pPr>
                 <a:defRPr/>
               </a:pPr>
-              <a:t>19/05/2012</a:t>
+              <a:t>21/05/2012</a:t>
             </a:fld>
             <a:endParaRPr lang="pt-BR"/>
           </a:p>
@@ -10347,7 +10435,7 @@
               <a:pPr>
                 <a:defRPr/>
               </a:pPr>
-              <a:t>19/05/2012</a:t>
+              <a:t>21/05/2012</a:t>
             </a:fld>
             <a:endParaRPr lang="pt-BR"/>
           </a:p>
@@ -17692,7 +17780,7 @@
         <p:spPr>
           <a:xfrm>
             <a:off x="457200" y="1600200"/>
-            <a:ext cx="7787208" cy="4525963"/>
+            <a:ext cx="8147248" cy="4525963"/>
           </a:xfrm>
         </p:spPr>
         <p:txBody>
@@ -17720,10 +17808,18 @@
             </a:r>
             <a:r>
               <a:rPr lang="pt-BR" sz="2400" dirty="0" smtClean="0"/>
-              <a:t>” fornecido pelo instrutor. Isto deverá gerar um diretório chamado “</a:t>
-            </a:r>
-            <a:r>
-              <a:rPr lang="pt-BR" sz="2400" dirty="0" smtClean="0">
+              <a:t>” fornecido pelo </a:t>
+            </a:r>
+            <a:r>
+              <a:rPr lang="pt-BR" sz="2400" dirty="0" smtClean="0"/>
+              <a:t>instrutor para algum diretório de seu HD. </a:t>
+            </a:r>
+            <a:r>
+              <a:rPr lang="pt-BR" sz="2400" dirty="0" smtClean="0"/>
+              <a:t>Isto deverá gerar um diretório chamado “</a:t>
+            </a:r>
+            <a:r>
+              <a:rPr lang="pt-BR" sz="2400" i="1" dirty="0" smtClean="0">
                 <a:solidFill>
                   <a:srgbClr val="FFC000"/>
                 </a:solidFill>
@@ -17745,7 +17841,11 @@
             </a:pPr>
             <a:r>
               <a:rPr lang="pt-BR" sz="2400" dirty="0" smtClean="0"/>
-              <a:t>Crie uma aplicação </a:t>
+              <a:t>Crie uma </a:t>
+            </a:r>
+            <a:r>
+              <a:rPr lang="pt-BR" sz="2400" dirty="0" smtClean="0"/>
+              <a:t>nova aplicação </a:t>
             </a:r>
             <a:r>
               <a:rPr lang="pt-BR" sz="2400" dirty="0" err="1" smtClean="0"/>
@@ -17753,7 +17853,7 @@
             </a:r>
             <a:r>
               <a:rPr lang="pt-BR" sz="2400" dirty="0" smtClean="0"/>
-              <a:t> que deverá criar 3 subdiretórios em “</a:t>
+              <a:t>, um package </a:t>
             </a:r>
             <a:r>
               <a:rPr lang="pt-BR" sz="2400" dirty="0" smtClean="0">
@@ -17761,6 +17861,30 @@
                   <a:srgbClr val="FFC000"/>
                 </a:solidFill>
               </a:rPr>
+              <a:t>br.com.impacta.file</a:t>
+            </a:r>
+            <a:r>
+              <a:rPr lang="pt-BR" sz="2400" dirty="0" smtClean="0"/>
+              <a:t> e neste, uma classe </a:t>
+            </a:r>
+            <a:r>
+              <a:rPr lang="pt-BR" sz="2400" dirty="0" err="1" smtClean="0">
+                <a:solidFill>
+                  <a:srgbClr val="FFC000"/>
+                </a:solidFill>
+              </a:rPr>
+              <a:t>ExercicioFile</a:t>
+            </a:r>
+            <a:r>
+              <a:rPr lang="pt-BR" sz="2400" dirty="0" smtClean="0"/>
+              <a:t> que </a:t>
+            </a:r>
+            <a:r>
+              <a:rPr lang="pt-BR" sz="2400" dirty="0" smtClean="0"/>
+              <a:t>deverá criar 3 subdiretórios em “</a:t>
+            </a:r>
+            <a:r>
+              <a:rPr lang="pt-BR" sz="2400" i="1" dirty="0" smtClean="0"/>
               <a:t>documentos</a:t>
             </a:r>
             <a:r>
@@ -17812,7 +17936,23 @@
             </a:pPr>
             <a:r>
               <a:rPr lang="pt-BR" sz="2400" dirty="0" smtClean="0"/>
-              <a:t>... e em seguida deverá varrer o diretório “documentos” movendo cada um deles para um dos diretórios acima conforme sua extensão.</a:t>
+              <a:t>... e em seguida deverá varrer o diretório “</a:t>
+            </a:r>
+            <a:r>
+              <a:rPr lang="pt-BR" sz="2400" i="1" dirty="0" smtClean="0"/>
+              <a:t>documentos</a:t>
+            </a:r>
+            <a:r>
+              <a:rPr lang="pt-BR" sz="2400" dirty="0" smtClean="0"/>
+              <a:t>” movendo cada </a:t>
+            </a:r>
+            <a:r>
+              <a:rPr lang="pt-BR" sz="2400" dirty="0" smtClean="0"/>
+              <a:t>arquivo </a:t>
+            </a:r>
+            <a:r>
+              <a:rPr lang="pt-BR" sz="2400" dirty="0" smtClean="0"/>
+              <a:t>para um dos diretórios acima conforme sua extensão.</a:t>
             </a:r>
             <a:endParaRPr lang="pt-BR" sz="2400" dirty="0"/>
           </a:p>
@@ -18051,7 +18191,11 @@
           <a:p>
             <a:r>
               <a:rPr lang="pt-BR" dirty="0" smtClean="0"/>
-              <a:t>Exercício (Continuação)</a:t>
+              <a:t>Exercício </a:t>
+            </a:r>
+            <a:r>
+              <a:rPr lang="pt-BR" dirty="0" smtClean="0"/>
+              <a:t>(Fim)</a:t>
             </a:r>
             <a:endParaRPr lang="pt-BR" dirty="0"/>
           </a:p>
@@ -46297,38 +46441,114 @@
             <a:spLocks noGrp="1"/>
           </p:cNvSpPr>
           <p:nvPr>
-            <p:ph idx="1"/>
+            <p:ph sz="half" idx="1"/>
           </p:nvPr>
         </p:nvSpPr>
-        <p:spPr/>
+        <p:spPr>
+          <a:xfrm>
+            <a:off x="457200" y="1600201"/>
+            <a:ext cx="8003232" cy="2764903"/>
+          </a:xfrm>
+        </p:spPr>
         <p:txBody>
           <a:bodyPr/>
           <a:lstStyle/>
           <a:p>
-            <a:r>
-              <a:rPr lang="pt-BR" dirty="0" smtClean="0"/>
-              <a:t>Utilizando as classes </a:t>
-            </a:r>
-            <a:r>
-              <a:rPr lang="pt-BR" dirty="0" err="1" smtClean="0"/>
-              <a:t>FileInputStream</a:t>
-            </a:r>
-            <a:r>
-              <a:rPr lang="pt-BR" dirty="0" smtClean="0"/>
-              <a:t> e </a:t>
-            </a:r>
-            <a:r>
-              <a:rPr lang="pt-BR" dirty="0" err="1" smtClean="0"/>
-              <a:t>FileOutputStream</a:t>
-            </a:r>
-            <a:r>
-              <a:rPr lang="pt-BR" dirty="0" smtClean="0"/>
-              <a:t>, copie o arquivo</a:t>
-            </a:r>
-            <a:endParaRPr lang="pt-BR" dirty="0"/>
+            <a:pPr>
+              <a:spcBef>
+                <a:spcPts val="3000"/>
+              </a:spcBef>
+            </a:pPr>
+            <a:r>
+              <a:rPr lang="pt-BR" sz="2200" dirty="0" smtClean="0"/>
+              <a:t>Crie o pacote </a:t>
+            </a:r>
+            <a:r>
+              <a:rPr lang="pt-BR" sz="2200" dirty="0" smtClean="0">
+                <a:solidFill>
+                  <a:srgbClr val="FFC000"/>
+                </a:solidFill>
+              </a:rPr>
+              <a:t>br.com.impacta.</a:t>
+            </a:r>
+            <a:r>
+              <a:rPr lang="pt-BR" sz="2200" dirty="0" err="1" smtClean="0">
+                <a:solidFill>
+                  <a:srgbClr val="FFC000"/>
+                </a:solidFill>
+              </a:rPr>
+              <a:t>copy</a:t>
+            </a:r>
+            <a:r>
+              <a:rPr lang="pt-BR" sz="2200" dirty="0" smtClean="0"/>
+              <a:t> no mesmo projeto do exercício anterior e c</a:t>
+            </a:r>
+            <a:r>
+              <a:rPr lang="pt-BR" sz="2200" dirty="0" smtClean="0"/>
+              <a:t>opie para este pacote a classe </a:t>
+            </a:r>
+            <a:r>
+              <a:rPr lang="pt-BR" sz="2200" dirty="0" err="1" smtClean="0">
+                <a:solidFill>
+                  <a:srgbClr val="FFC000"/>
+                </a:solidFill>
+              </a:rPr>
+              <a:t>FileCopyFrame</a:t>
+            </a:r>
+            <a:r>
+              <a:rPr lang="pt-BR" sz="2200" dirty="0" smtClean="0"/>
+              <a:t> fornecida pelo instrutor.</a:t>
+            </a:r>
+          </a:p>
+          <a:p>
+            <a:pPr>
+              <a:spcBef>
+                <a:spcPts val="3000"/>
+              </a:spcBef>
+            </a:pPr>
+            <a:r>
+              <a:rPr lang="pt-BR" sz="2200" dirty="0" smtClean="0"/>
+              <a:t>A classe </a:t>
+            </a:r>
+            <a:r>
+              <a:rPr lang="pt-BR" sz="2200" dirty="0" err="1" smtClean="0"/>
+              <a:t>FileCopy</a:t>
+            </a:r>
+            <a:r>
+              <a:rPr lang="pt-BR" sz="2200" dirty="0" err="1" smtClean="0"/>
+              <a:t>Frame</a:t>
+            </a:r>
+            <a:r>
+              <a:rPr lang="pt-BR" sz="2200" dirty="0" smtClean="0"/>
+              <a:t> é uma classe executável que exibe uma janela permitindo ao usuário digitar o nome de dois arquivos.</a:t>
+            </a:r>
+            <a:endParaRPr lang="pt-BR" sz="2200" dirty="0" smtClean="0"/>
           </a:p>
         </p:txBody>
       </p:sp>
+      <p:pic>
+        <p:nvPicPr>
+          <p:cNvPr id="6" name="Espaço Reservado para Conteúdo 5" descr="CopyFrame.png"/>
+          <p:cNvPicPr>
+            <a:picLocks noGrp="1" noChangeAspect="1"/>
+          </p:cNvPicPr>
+          <p:nvPr>
+            <p:ph sz="half" idx="2"/>
+          </p:nvPr>
+        </p:nvPicPr>
+        <p:blipFill>
+          <a:blip r:embed="rId3" cstate="print"/>
+          <a:stretch>
+            <a:fillRect/>
+          </a:stretch>
+        </p:blipFill>
+        <p:spPr>
+          <a:xfrm>
+            <a:off x="1907704" y="4308791"/>
+            <a:ext cx="5525272" cy="2000529"/>
+          </a:xfrm>
+        </p:spPr>
+      </p:pic>
       <p:sp>
         <p:nvSpPr>
           <p:cNvPr id="4" name="Espaço Reservado para Número de Slide 3"/>
@@ -46363,6 +46583,13 @@
   <p:clrMapOvr>
     <a:masterClrMapping/>
   </p:clrMapOvr>
+  <p:timing>
+    <p:tnLst>
+      <p:par>
+        <p:cTn id="1" dur="indefinite" restart="never" nodeType="tmRoot"/>
+      </p:par>
+    </p:tnLst>
+  </p:timing>
 </p:sld>
 </file>
 
@@ -46385,7 +46612,7 @@
       </p:grpSpPr>
       <p:sp>
         <p:nvSpPr>
-          <p:cNvPr id="13314" name="Título 1"/>
+          <p:cNvPr id="2" name="Título 1"/>
           <p:cNvSpPr>
             <a:spLocks noGrp="1"/>
           </p:cNvSpPr>
@@ -46393,48 +46620,131 @@
             <p:ph type="title"/>
           </p:nvPr>
         </p:nvSpPr>
+        <p:spPr/>
+        <p:txBody>
+          <a:bodyPr/>
+          <a:lstStyle/>
+          <a:p>
+            <a:r>
+              <a:rPr lang="pt-BR" dirty="0" smtClean="0"/>
+              <a:t>Exercício (Fim)</a:t>
+            </a:r>
+            <a:endParaRPr lang="pt-BR" dirty="0"/>
+          </a:p>
+        </p:txBody>
+      </p:sp>
+      <p:sp>
+        <p:nvSpPr>
+          <p:cNvPr id="3" name="Espaço Reservado para Conteúdo 2"/>
+          <p:cNvSpPr>
+            <a:spLocks noGrp="1"/>
+          </p:cNvSpPr>
+          <p:nvPr>
+            <p:ph idx="1"/>
+          </p:nvPr>
+        </p:nvSpPr>
         <p:spPr>
           <a:xfrm>
-            <a:off x="457200" y="274638"/>
-            <a:ext cx="7787208" cy="1143000"/>
+            <a:off x="457200" y="1600200"/>
+            <a:ext cx="8147248" cy="4525963"/>
           </a:xfrm>
         </p:spPr>
         <p:txBody>
           <a:bodyPr/>
           <a:lstStyle/>
           <a:p>
-            <a:pPr eaLnBrk="1" hangingPunct="1"/>
-            <a:r>
-              <a:rPr lang="pt-BR" sz="4600" kern="1200" dirty="0" smtClean="0">
+            <a:pPr>
+              <a:spcBef>
+                <a:spcPts val="3000"/>
+              </a:spcBef>
+            </a:pPr>
+            <a:r>
+              <a:rPr lang="pt-BR" sz="2400" dirty="0" smtClean="0"/>
+              <a:t>Implemente a funcionalidade do botão Ok da janela </a:t>
+            </a:r>
+            <a:r>
+              <a:rPr lang="pt-BR" sz="2400" dirty="0" err="1" smtClean="0"/>
+              <a:t>FileCopyFrame</a:t>
+            </a:r>
+            <a:r>
+              <a:rPr lang="pt-BR" sz="2400" dirty="0" smtClean="0"/>
+              <a:t> (método </a:t>
+            </a:r>
+            <a:r>
+              <a:rPr lang="pt-BR" sz="2400" dirty="0" err="1" smtClean="0">
                 <a:solidFill>
-                  <a:schemeClr val="tx1"/>
+                  <a:srgbClr val="FFC000"/>
                 </a:solidFill>
-                <a:latin typeface="+mj-lt"/>
-                <a:ea typeface="+mj-ea"/>
-                <a:cs typeface="+mj-cs"/>
               </a:rPr>
-              <a:t>Arquivos de acesso randômico</a:t>
-            </a:r>
-            <a:endParaRPr lang="pt-BR" dirty="0" smtClean="0"/>
-          </a:p>
-        </p:txBody>
-      </p:sp>
-      <p:sp>
-        <p:nvSpPr>
-          <p:cNvPr id="13315" name="Espaço Reservado para Conteúdo 2"/>
-          <p:cNvSpPr>
-            <a:spLocks noGrp="1"/>
-          </p:cNvSpPr>
-          <p:nvPr>
-            <p:ph idx="1"/>
-          </p:nvPr>
-        </p:nvSpPr>
-        <p:spPr/>
-        <p:txBody>
-          <a:bodyPr/>
-          <a:lstStyle/>
-          <a:p>
-            <a:endParaRPr lang="pt-BR" smtClean="0"/>
+              <a:t>btnOkActionPerformed</a:t>
+            </a:r>
+            <a:r>
+              <a:rPr lang="pt-BR" sz="2400" dirty="0" smtClean="0">
+                <a:solidFill>
+                  <a:srgbClr val="FFC000"/>
+                </a:solidFill>
+              </a:rPr>
+              <a:t>()</a:t>
+            </a:r>
+            <a:r>
+              <a:rPr lang="pt-BR" sz="2400" dirty="0" smtClean="0"/>
+              <a:t>, linha 170).</a:t>
+            </a:r>
+          </a:p>
+          <a:p>
+            <a:pPr>
+              <a:spcBef>
+                <a:spcPts val="3000"/>
+              </a:spcBef>
+            </a:pPr>
+            <a:r>
+              <a:rPr lang="pt-BR" sz="2400" dirty="0" smtClean="0"/>
+              <a:t>Ao clicar no botão Ok, a aplicação deverá copiar o arquivo especificado na primeira caixa de texto (</a:t>
+            </a:r>
+            <a:r>
+              <a:rPr lang="pt-BR" sz="2400" dirty="0" err="1" smtClean="0"/>
+              <a:t>txtOrigem</a:t>
+            </a:r>
+            <a:r>
+              <a:rPr lang="pt-BR" sz="2400" dirty="0" smtClean="0"/>
+              <a:t>) gerando uma cópia com o nome especificado na segunda caixa de texto (</a:t>
+            </a:r>
+            <a:r>
+              <a:rPr lang="pt-BR" sz="2400" dirty="0" err="1" smtClean="0"/>
+              <a:t>txtDestino</a:t>
+            </a:r>
+            <a:r>
+              <a:rPr lang="pt-BR" sz="2400" dirty="0" smtClean="0"/>
+              <a:t>).</a:t>
+            </a:r>
+          </a:p>
+          <a:p>
+            <a:pPr>
+              <a:spcBef>
+                <a:spcPts val="3000"/>
+              </a:spcBef>
+            </a:pPr>
+            <a:r>
+              <a:rPr lang="pt-BR" sz="2400" dirty="0" smtClean="0"/>
+              <a:t>Caso ocorra algum problema durante a cópia, uma mensagem de erro deverá ser exibida ao usuário com o comando </a:t>
+            </a:r>
+            <a:r>
+              <a:rPr lang="pt-BR" sz="2400" dirty="0" err="1" smtClean="0"/>
+              <a:t>JOptionPane</a:t>
+            </a:r>
+            <a:r>
+              <a:rPr lang="pt-BR" sz="2400" dirty="0" smtClean="0"/>
+              <a:t>.</a:t>
+            </a:r>
+            <a:r>
+              <a:rPr lang="pt-BR" sz="2400" dirty="0" err="1" smtClean="0"/>
+              <a:t>showMessageDialog</a:t>
+            </a:r>
+            <a:r>
+              <a:rPr lang="pt-BR" sz="2400" dirty="0" smtClean="0"/>
+              <a:t>().</a:t>
+            </a:r>
+            <a:endParaRPr lang="pt-BR" sz="2400" dirty="0" smtClean="0"/>
           </a:p>
         </p:txBody>
       </p:sp>
@@ -46472,6 +46782,13 @@
   <p:clrMapOvr>
     <a:masterClrMapping/>
   </p:clrMapOvr>
+  <p:timing>
+    <p:tnLst>
+      <p:par>
+        <p:cTn id="1" dur="indefinite" restart="never" nodeType="tmRoot"/>
+      </p:par>
+    </p:tnLst>
+  </p:timing>
 </p:sld>
 </file>
 
@@ -46748,7 +47065,7 @@
       </p:grpSpPr>
       <p:sp>
         <p:nvSpPr>
-          <p:cNvPr id="2" name="Título 1"/>
+          <p:cNvPr id="13314" name="Título 1"/>
           <p:cNvSpPr>
             <a:spLocks noGrp="1"/>
           </p:cNvSpPr>
@@ -46766,6 +47083,7 @@
           <a:bodyPr/>
           <a:lstStyle/>
           <a:p>
+            <a:pPr eaLnBrk="1" hangingPunct="1"/>
             <a:r>
               <a:rPr lang="pt-BR" sz="4600" kern="1200" dirty="0" smtClean="0">
                 <a:solidFill>
@@ -46777,13 +47095,13 @@
               </a:rPr>
               <a:t>Arquivos de acesso randômico</a:t>
             </a:r>
-            <a:endParaRPr lang="pt-BR" dirty="0"/>
+            <a:endParaRPr lang="pt-BR" dirty="0" smtClean="0"/>
           </a:p>
         </p:txBody>
       </p:sp>
       <p:sp>
         <p:nvSpPr>
-          <p:cNvPr id="3" name="Espaço Reservado para Conteúdo 2"/>
+          <p:cNvPr id="13315" name="Espaço Reservado para Conteúdo 2"/>
           <p:cNvSpPr>
             <a:spLocks noGrp="1"/>
           </p:cNvSpPr>
@@ -46796,31 +47114,7 @@
           <a:bodyPr/>
           <a:lstStyle/>
           <a:p>
-            <a:r>
-              <a:rPr lang="pt-BR" dirty="0" smtClean="0"/>
-              <a:t>A classe </a:t>
-            </a:r>
-            <a:r>
-              <a:rPr lang="pt-BR" dirty="0" err="1" smtClean="0"/>
-              <a:t>java</a:t>
-            </a:r>
-            <a:r>
-              <a:rPr lang="pt-BR" dirty="0" smtClean="0"/>
-              <a:t>.</a:t>
-            </a:r>
-            <a:r>
-              <a:rPr lang="pt-BR" dirty="0" err="1" smtClean="0"/>
-              <a:t>io</a:t>
-            </a:r>
-            <a:r>
-              <a:rPr lang="pt-BR" dirty="0" smtClean="0"/>
-              <a:t>.</a:t>
-            </a:r>
-            <a:r>
-              <a:rPr lang="pt-BR" dirty="0" err="1" smtClean="0"/>
-              <a:t>RandomAccessFile</a:t>
-            </a:r>
-            <a:endParaRPr lang="pt-BR" dirty="0"/>
+            <a:endParaRPr lang="pt-BR" smtClean="0"/>
           </a:p>
         </p:txBody>
       </p:sp>
@@ -46888,6 +47182,41 @@
             <p:ph type="title"/>
           </p:nvPr>
         </p:nvSpPr>
+        <p:spPr>
+          <a:xfrm>
+            <a:off x="457200" y="274638"/>
+            <a:ext cx="7787208" cy="1143000"/>
+          </a:xfrm>
+        </p:spPr>
+        <p:txBody>
+          <a:bodyPr/>
+          <a:lstStyle/>
+          <a:p>
+            <a:r>
+              <a:rPr lang="pt-BR" sz="4600" kern="1200" dirty="0" smtClean="0">
+                <a:solidFill>
+                  <a:schemeClr val="tx1"/>
+                </a:solidFill>
+                <a:latin typeface="+mj-lt"/>
+                <a:ea typeface="+mj-ea"/>
+                <a:cs typeface="+mj-cs"/>
+              </a:rPr>
+              <a:t>Arquivos de acesso randômico</a:t>
+            </a:r>
+            <a:endParaRPr lang="pt-BR" dirty="0"/>
+          </a:p>
+        </p:txBody>
+      </p:sp>
+      <p:sp>
+        <p:nvSpPr>
+          <p:cNvPr id="3" name="Espaço Reservado para Conteúdo 2"/>
+          <p:cNvSpPr>
+            <a:spLocks noGrp="1"/>
+          </p:cNvSpPr>
+          <p:nvPr>
+            <p:ph idx="1"/>
+          </p:nvPr>
+        </p:nvSpPr>
         <p:spPr/>
         <p:txBody>
           <a:bodyPr/>
@@ -46895,28 +47224,29 @@
           <a:p>
             <a:r>
               <a:rPr lang="pt-BR" dirty="0" smtClean="0"/>
-              <a:t>Exercício</a:t>
+              <a:t>A classe </a:t>
+            </a:r>
+            <a:r>
+              <a:rPr lang="pt-BR" dirty="0" err="1" smtClean="0"/>
+              <a:t>java</a:t>
+            </a:r>
+            <a:r>
+              <a:rPr lang="pt-BR" dirty="0" smtClean="0"/>
+              <a:t>.</a:t>
+            </a:r>
+            <a:r>
+              <a:rPr lang="pt-BR" dirty="0" err="1" smtClean="0"/>
+              <a:t>io</a:t>
+            </a:r>
+            <a:r>
+              <a:rPr lang="pt-BR" dirty="0" smtClean="0"/>
+              <a:t>.</a:t>
+            </a:r>
+            <a:r>
+              <a:rPr lang="pt-BR" dirty="0" err="1" smtClean="0"/>
+              <a:t>RandomAccessFile</a:t>
             </a:r>
             <a:endParaRPr lang="pt-BR" dirty="0"/>
-          </a:p>
-        </p:txBody>
-      </p:sp>
-      <p:sp>
-        <p:nvSpPr>
-          <p:cNvPr id="3" name="Espaço Reservado para Conteúdo 2"/>
-          <p:cNvSpPr>
-            <a:spLocks noGrp="1"/>
-          </p:cNvSpPr>
-          <p:nvPr>
-            <p:ph idx="1"/>
-          </p:nvPr>
-        </p:nvSpPr>
-        <p:spPr/>
-        <p:txBody>
-          <a:bodyPr/>
-          <a:lstStyle/>
-          <a:p>
-            <a:endParaRPr lang="pt-BR"/>
           </a:p>
         </p:txBody>
       </p:sp>
@@ -46991,11 +47321,7 @@
           <a:p>
             <a:r>
               <a:rPr lang="pt-BR" dirty="0" smtClean="0"/>
-              <a:t>Gravação em arquivos</a:t>
-            </a:r>
-            <a:r>
-              <a:rPr lang="pt-BR" baseline="0" dirty="0" smtClean="0"/>
-              <a:t> texto</a:t>
+              <a:t>Exercício</a:t>
             </a:r>
             <a:endParaRPr lang="pt-BR" dirty="0"/>
           </a:p>
@@ -47016,10 +47342,7 @@
           <a:bodyPr/>
           <a:lstStyle/>
           <a:p>
-            <a:pPr>
-              <a:buNone/>
-            </a:pPr>
-            <a:endParaRPr lang="pt-BR" dirty="0"/>
+            <a:endParaRPr lang="pt-BR"/>
           </a:p>
         </p:txBody>
       </p:sp>
@@ -47057,13 +47380,6 @@
   <p:clrMapOvr>
     <a:masterClrMapping/>
   </p:clrMapOvr>
-  <p:timing>
-    <p:tnLst>
-      <p:par>
-        <p:cTn id="1" dur="indefinite" restart="never" nodeType="tmRoot"/>
-      </p:par>
-    </p:tnLst>
-  </p:timing>
 </p:sld>
 </file>
 
@@ -47100,25 +47416,11 @@
           <a:lstStyle/>
           <a:p>
             <a:r>
-              <a:rPr lang="pt-BR" sz="4600" kern="1200" dirty="0" smtClean="0">
-                <a:solidFill>
-                  <a:schemeClr val="tx1"/>
-                </a:solidFill>
-                <a:latin typeface="+mj-lt"/>
-                <a:ea typeface="+mj-ea"/>
-                <a:cs typeface="+mj-cs"/>
-              </a:rPr>
+              <a:rPr lang="pt-BR" dirty="0" smtClean="0"/>
               <a:t>Gravação em arquivos</a:t>
             </a:r>
             <a:r>
-              <a:rPr lang="pt-BR" sz="4600" kern="1200" baseline="0" dirty="0" smtClean="0">
-                <a:solidFill>
-                  <a:schemeClr val="tx1"/>
-                </a:solidFill>
-                <a:latin typeface="+mj-lt"/>
-                <a:ea typeface="+mj-ea"/>
-                <a:cs typeface="+mj-cs"/>
-              </a:rPr>
+              <a:rPr lang="pt-BR" baseline="0" dirty="0" smtClean="0"/>
               <a:t> texto</a:t>
             </a:r>
             <a:endParaRPr lang="pt-BR" dirty="0"/>
@@ -47140,30 +47442,9 @@
           <a:bodyPr/>
           <a:lstStyle/>
           <a:p>
-            <a:r>
-              <a:rPr lang="pt-BR" dirty="0" smtClean="0"/>
-              <a:t>A classe </a:t>
-            </a:r>
-            <a:r>
-              <a:rPr lang="pt-BR" dirty="0" err="1" smtClean="0"/>
-              <a:t>java</a:t>
-            </a:r>
-            <a:r>
-              <a:rPr lang="pt-BR" dirty="0" smtClean="0"/>
-              <a:t>.</a:t>
-            </a:r>
-            <a:r>
-              <a:rPr lang="pt-BR" dirty="0" err="1" smtClean="0"/>
-              <a:t>io</a:t>
-            </a:r>
-            <a:r>
-              <a:rPr lang="pt-BR" dirty="0" smtClean="0"/>
-              <a:t>.</a:t>
-            </a:r>
-            <a:r>
-              <a:rPr lang="pt-BR" dirty="0" err="1" smtClean="0"/>
-              <a:t>FileWriter</a:t>
-            </a:r>
+            <a:pPr>
+              <a:buNone/>
+            </a:pPr>
             <a:endParaRPr lang="pt-BR" dirty="0"/>
           </a:p>
         </p:txBody>
@@ -47202,6 +47483,13 @@
   <p:clrMapOvr>
     <a:masterClrMapping/>
   </p:clrMapOvr>
+  <p:timing>
+    <p:tnLst>
+      <p:par>
+        <p:cTn id="1" dur="indefinite" restart="never" nodeType="tmRoot"/>
+      </p:par>
+    </p:tnLst>
+  </p:timing>
 </p:sld>
 </file>
 
@@ -47300,9 +47588,9 @@
             </a:r>
             <a:r>
               <a:rPr lang="pt-BR" dirty="0" err="1" smtClean="0"/>
-              <a:t>BufferedWriter</a:t>
-            </a:r>
-            <a:endParaRPr lang="pt-BR" dirty="0" smtClean="0"/>
+              <a:t>FileWriter</a:t>
+            </a:r>
+            <a:endParaRPr lang="pt-BR" dirty="0"/>
           </a:p>
         </p:txBody>
       </p:sp>
@@ -47418,33 +47706,29 @@
           <a:p>
             <a:r>
               <a:rPr lang="pt-BR" dirty="0" smtClean="0"/>
-              <a:t>A classe</a:t>
-            </a:r>
-            <a:r>
-              <a:rPr lang="pt-BR" baseline="0" dirty="0" smtClean="0"/>
-              <a:t> </a:t>
-            </a:r>
-            <a:r>
-              <a:rPr lang="pt-BR" baseline="0" dirty="0" err="1" smtClean="0"/>
+              <a:t>A classe </a:t>
+            </a:r>
+            <a:r>
+              <a:rPr lang="pt-BR" dirty="0" err="1" smtClean="0"/>
               <a:t>java</a:t>
             </a:r>
             <a:r>
-              <a:rPr lang="pt-BR" baseline="0" dirty="0" smtClean="0"/>
+              <a:rPr lang="pt-BR" dirty="0" smtClean="0"/>
               <a:t>.</a:t>
             </a:r>
             <a:r>
-              <a:rPr lang="pt-BR" baseline="0" dirty="0" err="1" smtClean="0"/>
+              <a:rPr lang="pt-BR" dirty="0" err="1" smtClean="0"/>
               <a:t>io</a:t>
             </a:r>
             <a:r>
-              <a:rPr lang="pt-BR" baseline="0" dirty="0" smtClean="0"/>
+              <a:rPr lang="pt-BR" dirty="0" smtClean="0"/>
               <a:t>.</a:t>
             </a:r>
             <a:r>
-              <a:rPr lang="pt-BR" baseline="0" dirty="0" err="1" smtClean="0"/>
-              <a:t>PrintWriter</a:t>
-            </a:r>
-            <a:endParaRPr lang="pt-BR" dirty="0"/>
+              <a:rPr lang="pt-BR" dirty="0" err="1" smtClean="0"/>
+              <a:t>BufferedWriter</a:t>
+            </a:r>
+            <a:endParaRPr lang="pt-BR" dirty="0" smtClean="0"/>
           </a:p>
         </p:txBody>
       </p:sp>
@@ -47526,7 +47810,18 @@
                 <a:ea typeface="+mj-ea"/>
                 <a:cs typeface="+mj-cs"/>
               </a:rPr>
-              <a:t>Leitura de arquivos texto</a:t>
+              <a:t>Gravação em arquivos</a:t>
+            </a:r>
+            <a:r>
+              <a:rPr lang="pt-BR" sz="4600" kern="1200" baseline="0" dirty="0" smtClean="0">
+                <a:solidFill>
+                  <a:schemeClr val="tx1"/>
+                </a:solidFill>
+                <a:latin typeface="+mj-lt"/>
+                <a:ea typeface="+mj-ea"/>
+                <a:cs typeface="+mj-cs"/>
+              </a:rPr>
+              <a:t> texto</a:t>
             </a:r>
             <a:endParaRPr lang="pt-BR" dirty="0"/>
           </a:p>
@@ -47547,7 +47842,35 @@
           <a:bodyPr/>
           <a:lstStyle/>
           <a:p>
-            <a:endParaRPr lang="pt-BR"/>
+            <a:r>
+              <a:rPr lang="pt-BR" dirty="0" smtClean="0"/>
+              <a:t>A classe</a:t>
+            </a:r>
+            <a:r>
+              <a:rPr lang="pt-BR" baseline="0" dirty="0" smtClean="0"/>
+              <a:t> </a:t>
+            </a:r>
+            <a:r>
+              <a:rPr lang="pt-BR" baseline="0" dirty="0" err="1" smtClean="0"/>
+              <a:t>java</a:t>
+            </a:r>
+            <a:r>
+              <a:rPr lang="pt-BR" baseline="0" dirty="0" smtClean="0"/>
+              <a:t>.</a:t>
+            </a:r>
+            <a:r>
+              <a:rPr lang="pt-BR" baseline="0" dirty="0" err="1" smtClean="0"/>
+              <a:t>io</a:t>
+            </a:r>
+            <a:r>
+              <a:rPr lang="pt-BR" baseline="0" dirty="0" smtClean="0"/>
+              <a:t>.</a:t>
+            </a:r>
+            <a:r>
+              <a:rPr lang="pt-BR" baseline="0" dirty="0" err="1" smtClean="0"/>
+              <a:t>PrintWriter</a:t>
+            </a:r>
+            <a:endParaRPr lang="pt-BR" dirty="0"/>
           </a:p>
         </p:txBody>
       </p:sp>
@@ -47607,7 +47930,7 @@
       </p:grpSpPr>
       <p:sp>
         <p:nvSpPr>
-          <p:cNvPr id="10242" name="Título 1"/>
+          <p:cNvPr id="2" name="Título 1"/>
           <p:cNvSpPr>
             <a:spLocks noGrp="1"/>
           </p:cNvSpPr>
@@ -47620,7 +47943,6 @@
           <a:bodyPr/>
           <a:lstStyle/>
           <a:p>
-            <a:pPr eaLnBrk="1" hangingPunct="1"/>
             <a:r>
               <a:rPr lang="pt-BR" sz="4600" kern="1200" dirty="0" smtClean="0">
                 <a:solidFill>
@@ -47632,13 +47954,13 @@
               </a:rPr>
               <a:t>Leitura de arquivos texto</a:t>
             </a:r>
-            <a:endParaRPr lang="pt-BR" dirty="0" smtClean="0"/>
+            <a:endParaRPr lang="pt-BR" dirty="0"/>
           </a:p>
         </p:txBody>
       </p:sp>
       <p:sp>
         <p:nvSpPr>
-          <p:cNvPr id="10243" name="Espaço Reservado para Conteúdo 2"/>
+          <p:cNvPr id="3" name="Espaço Reservado para Conteúdo 2"/>
           <p:cNvSpPr>
             <a:spLocks noGrp="1"/>
           </p:cNvSpPr>
@@ -47651,31 +47973,7 @@
           <a:bodyPr/>
           <a:lstStyle/>
           <a:p>
-            <a:r>
-              <a:rPr lang="pt-BR" dirty="0" smtClean="0"/>
-              <a:t>A classe </a:t>
-            </a:r>
-            <a:r>
-              <a:rPr lang="pt-BR" dirty="0" err="1" smtClean="0"/>
-              <a:t>java</a:t>
-            </a:r>
-            <a:r>
-              <a:rPr lang="pt-BR" dirty="0" smtClean="0"/>
-              <a:t>.</a:t>
-            </a:r>
-            <a:r>
-              <a:rPr lang="pt-BR" dirty="0" err="1" smtClean="0"/>
-              <a:t>io</a:t>
-            </a:r>
-            <a:r>
-              <a:rPr lang="pt-BR" dirty="0" smtClean="0"/>
-              <a:t>.</a:t>
-            </a:r>
-            <a:r>
-              <a:rPr lang="pt-BR" dirty="0" err="1" smtClean="0"/>
-              <a:t>FileReader</a:t>
-            </a:r>
-            <a:endParaRPr lang="pt-BR" dirty="0" smtClean="0"/>
+            <a:endParaRPr lang="pt-BR"/>
           </a:p>
         </p:txBody>
       </p:sp>
@@ -47735,7 +48033,7 @@
       </p:grpSpPr>
       <p:sp>
         <p:nvSpPr>
-          <p:cNvPr id="2" name="Título 1"/>
+          <p:cNvPr id="10242" name="Título 1"/>
           <p:cNvSpPr>
             <a:spLocks noGrp="1"/>
           </p:cNvSpPr>
@@ -47748,6 +48046,7 @@
           <a:bodyPr/>
           <a:lstStyle/>
           <a:p>
+            <a:pPr eaLnBrk="1" hangingPunct="1"/>
             <a:r>
               <a:rPr lang="pt-BR" sz="4600" kern="1200" dirty="0" smtClean="0">
                 <a:solidFill>
@@ -47759,13 +48058,13 @@
               </a:rPr>
               <a:t>Leitura de arquivos texto</a:t>
             </a:r>
-            <a:endParaRPr lang="pt-BR" dirty="0"/>
+            <a:endParaRPr lang="pt-BR" dirty="0" smtClean="0"/>
           </a:p>
         </p:txBody>
       </p:sp>
       <p:sp>
         <p:nvSpPr>
-          <p:cNvPr id="3" name="Espaço Reservado para Conteúdo 2"/>
+          <p:cNvPr id="10243" name="Espaço Reservado para Conteúdo 2"/>
           <p:cNvSpPr>
             <a:spLocks noGrp="1"/>
           </p:cNvSpPr>
@@ -47780,33 +48079,29 @@
           <a:p>
             <a:r>
               <a:rPr lang="pt-BR" dirty="0" smtClean="0"/>
-              <a:t>A classe</a:t>
-            </a:r>
-            <a:r>
-              <a:rPr lang="pt-BR" baseline="0" dirty="0" smtClean="0"/>
-              <a:t> </a:t>
-            </a:r>
-            <a:r>
-              <a:rPr lang="pt-BR" baseline="0" dirty="0" err="1" smtClean="0"/>
+              <a:t>A classe </a:t>
+            </a:r>
+            <a:r>
+              <a:rPr lang="pt-BR" dirty="0" err="1" smtClean="0"/>
               <a:t>java</a:t>
             </a:r>
             <a:r>
-              <a:rPr lang="pt-BR" baseline="0" dirty="0" smtClean="0"/>
+              <a:rPr lang="pt-BR" dirty="0" smtClean="0"/>
               <a:t>.</a:t>
             </a:r>
             <a:r>
-              <a:rPr lang="pt-BR" baseline="0" dirty="0" err="1" smtClean="0"/>
+              <a:rPr lang="pt-BR" dirty="0" err="1" smtClean="0"/>
               <a:t>io</a:t>
             </a:r>
             <a:r>
-              <a:rPr lang="pt-BR" baseline="0" dirty="0" smtClean="0"/>
+              <a:rPr lang="pt-BR" dirty="0" smtClean="0"/>
               <a:t>.</a:t>
             </a:r>
             <a:r>
-              <a:rPr lang="pt-BR" baseline="0" dirty="0" err="1" smtClean="0"/>
-              <a:t>BufferedReader</a:t>
-            </a:r>
-            <a:endParaRPr lang="pt-BR" dirty="0"/>
+              <a:rPr lang="pt-BR" dirty="0" err="1" smtClean="0"/>
+              <a:t>FileReader</a:t>
+            </a:r>
+            <a:endParaRPr lang="pt-BR" dirty="0" smtClean="0"/>
           </a:p>
         </p:txBody>
       </p:sp>
@@ -47880,8 +48175,15 @@
           <a:lstStyle/>
           <a:p>
             <a:r>
-              <a:rPr lang="pt-BR" dirty="0" smtClean="0"/>
-              <a:t>Exercício</a:t>
+              <a:rPr lang="pt-BR" sz="4600" kern="1200" dirty="0" smtClean="0">
+                <a:solidFill>
+                  <a:schemeClr val="tx1"/>
+                </a:solidFill>
+                <a:latin typeface="+mj-lt"/>
+                <a:ea typeface="+mj-ea"/>
+                <a:cs typeface="+mj-cs"/>
+              </a:rPr>
+              <a:t>Leitura de arquivos texto</a:t>
             </a:r>
             <a:endParaRPr lang="pt-BR" dirty="0"/>
           </a:p>
@@ -47902,7 +48204,35 @@
           <a:bodyPr/>
           <a:lstStyle/>
           <a:p>
-            <a:endParaRPr lang="pt-BR"/>
+            <a:r>
+              <a:rPr lang="pt-BR" dirty="0" smtClean="0"/>
+              <a:t>A classe</a:t>
+            </a:r>
+            <a:r>
+              <a:rPr lang="pt-BR" baseline="0" dirty="0" smtClean="0"/>
+              <a:t> </a:t>
+            </a:r>
+            <a:r>
+              <a:rPr lang="pt-BR" baseline="0" dirty="0" err="1" smtClean="0"/>
+              <a:t>java</a:t>
+            </a:r>
+            <a:r>
+              <a:rPr lang="pt-BR" baseline="0" dirty="0" smtClean="0"/>
+              <a:t>.</a:t>
+            </a:r>
+            <a:r>
+              <a:rPr lang="pt-BR" baseline="0" dirty="0" err="1" smtClean="0"/>
+              <a:t>io</a:t>
+            </a:r>
+            <a:r>
+              <a:rPr lang="pt-BR" baseline="0" dirty="0" smtClean="0"/>
+              <a:t>.</a:t>
+            </a:r>
+            <a:r>
+              <a:rPr lang="pt-BR" baseline="0" dirty="0" err="1" smtClean="0"/>
+              <a:t>BufferedReader</a:t>
+            </a:r>
+            <a:endParaRPr lang="pt-BR" dirty="0"/>
           </a:p>
         </p:txBody>
       </p:sp>
@@ -48192,6 +48522,102 @@
       </p:par>
     </p:tnLst>
   </p:timing>
+</p:sld>
+</file>
+
+<file path=ppt/slides/slide70.xml><?xml version="1.0" encoding="utf-8"?>
+<p:sld xmlns:a="http://schemas.openxmlformats.org/drawingml/2006/main" xmlns:r="http://schemas.openxmlformats.org/officeDocument/2006/relationships" xmlns:p="http://schemas.openxmlformats.org/presentationml/2006/main">
+  <p:cSld>
+    <p:spTree>
+      <p:nvGrpSpPr>
+        <p:cNvPr id="1" name=""/>
+        <p:cNvGrpSpPr/>
+        <p:nvPr/>
+      </p:nvGrpSpPr>
+      <p:grpSpPr>
+        <a:xfrm>
+          <a:off x="0" y="0"/>
+          <a:ext cx="0" cy="0"/>
+          <a:chOff x="0" y="0"/>
+          <a:chExt cx="0" cy="0"/>
+        </a:xfrm>
+      </p:grpSpPr>
+      <p:sp>
+        <p:nvSpPr>
+          <p:cNvPr id="2" name="Título 1"/>
+          <p:cNvSpPr>
+            <a:spLocks noGrp="1"/>
+          </p:cNvSpPr>
+          <p:nvPr>
+            <p:ph type="title"/>
+          </p:nvPr>
+        </p:nvSpPr>
+        <p:spPr/>
+        <p:txBody>
+          <a:bodyPr/>
+          <a:lstStyle/>
+          <a:p>
+            <a:r>
+              <a:rPr lang="pt-BR" dirty="0" smtClean="0"/>
+              <a:t>Exercício</a:t>
+            </a:r>
+            <a:endParaRPr lang="pt-BR" dirty="0"/>
+          </a:p>
+        </p:txBody>
+      </p:sp>
+      <p:sp>
+        <p:nvSpPr>
+          <p:cNvPr id="3" name="Espaço Reservado para Conteúdo 2"/>
+          <p:cNvSpPr>
+            <a:spLocks noGrp="1"/>
+          </p:cNvSpPr>
+          <p:nvPr>
+            <p:ph idx="1"/>
+          </p:nvPr>
+        </p:nvSpPr>
+        <p:spPr/>
+        <p:txBody>
+          <a:bodyPr/>
+          <a:lstStyle/>
+          <a:p>
+            <a:endParaRPr lang="pt-BR"/>
+          </a:p>
+        </p:txBody>
+      </p:sp>
+      <p:sp>
+        <p:nvSpPr>
+          <p:cNvPr id="4" name="Espaço Reservado para Número de Slide 3"/>
+          <p:cNvSpPr>
+            <a:spLocks noGrp="1"/>
+          </p:cNvSpPr>
+          <p:nvPr>
+            <p:ph type="sldNum" sz="quarter" idx="12"/>
+          </p:nvPr>
+        </p:nvSpPr>
+        <p:spPr/>
+        <p:txBody>
+          <a:bodyPr/>
+          <a:lstStyle/>
+          <a:p>
+            <a:pPr>
+              <a:defRPr/>
+            </a:pPr>
+            <a:fld id="{676AE120-6210-44C4-9C14-8704E13AF0BD}" type="slidenum">
+              <a:rPr lang="pt-BR" smtClean="0"/>
+              <a:pPr>
+                <a:defRPr/>
+              </a:pPr>
+              <a:t>70</a:t>
+            </a:fld>
+            <a:endParaRPr lang="pt-BR"/>
+          </a:p>
+        </p:txBody>
+      </p:sp>
+    </p:spTree>
+  </p:cSld>
+  <p:clrMapOvr>
+    <a:masterClrMapping/>
+  </p:clrMapOvr>
 </p:sld>
 </file>
 

--- a/trunk/2-Java-Programmer-Modulo-II/16.Capitulo10.pptx
+++ b/trunk/2-Java-Programmer-Modulo-II/16.Capitulo10.pptx
@@ -318,7 +318,7 @@
               <a:pPr>
                 <a:defRPr/>
               </a:pPr>
-              <a:t>21/05/2012</a:t>
+              <a:t>27/05/2012</a:t>
             </a:fld>
             <a:endParaRPr lang="pt-BR"/>
           </a:p>
@@ -7343,7 +7343,7 @@
               <a:pPr>
                 <a:defRPr/>
               </a:pPr>
-              <a:t>21/05/2012</a:t>
+              <a:t>27/05/2012</a:t>
             </a:fld>
             <a:endParaRPr lang="pt-BR"/>
           </a:p>
@@ -7535,7 +7535,7 @@
               <a:pPr>
                 <a:defRPr/>
               </a:pPr>
-              <a:t>21/05/2012</a:t>
+              <a:t>27/05/2012</a:t>
             </a:fld>
             <a:endParaRPr lang="pt-BR"/>
           </a:p>
@@ -7737,7 +7737,7 @@
               <a:pPr>
                 <a:defRPr/>
               </a:pPr>
-              <a:t>21/05/2012</a:t>
+              <a:t>27/05/2012</a:t>
             </a:fld>
             <a:endParaRPr lang="pt-BR"/>
           </a:p>
@@ -7933,7 +7933,7 @@
               <a:pPr>
                 <a:defRPr/>
               </a:pPr>
-              <a:t>21/05/2012</a:t>
+              <a:t>27/05/2012</a:t>
             </a:fld>
             <a:endParaRPr lang="pt-BR"/>
           </a:p>
@@ -8439,7 +8439,7 @@
               <a:pPr>
                 <a:defRPr/>
               </a:pPr>
-              <a:t>21/05/2012</a:t>
+              <a:t>27/05/2012</a:t>
             </a:fld>
             <a:endParaRPr lang="pt-BR"/>
           </a:p>
@@ -8730,7 +8730,7 @@
               <a:pPr>
                 <a:defRPr/>
               </a:pPr>
-              <a:t>21/05/2012</a:t>
+              <a:t>27/05/2012</a:t>
             </a:fld>
             <a:endParaRPr lang="pt-BR"/>
           </a:p>
@@ -9131,7 +9131,7 @@
               <a:pPr>
                 <a:defRPr/>
               </a:pPr>
-              <a:t>21/05/2012</a:t>
+              <a:t>27/05/2012</a:t>
             </a:fld>
             <a:endParaRPr lang="pt-BR"/>
           </a:p>
@@ -9280,7 +9280,7 @@
               <a:pPr>
                 <a:defRPr/>
               </a:pPr>
-              <a:t>21/05/2012</a:t>
+              <a:t>27/05/2012</a:t>
             </a:fld>
             <a:endParaRPr lang="pt-BR"/>
           </a:p>
@@ -9397,7 +9397,7 @@
               <a:pPr>
                 <a:defRPr/>
               </a:pPr>
-              <a:t>21/05/2012</a:t>
+              <a:t>27/05/2012</a:t>
             </a:fld>
             <a:endParaRPr lang="pt-BR"/>
           </a:p>
@@ -9673,7 +9673,7 @@
               <a:pPr>
                 <a:defRPr/>
               </a:pPr>
-              <a:t>21/05/2012</a:t>
+              <a:t>27/05/2012</a:t>
             </a:fld>
             <a:endParaRPr lang="pt-BR"/>
           </a:p>
@@ -9957,7 +9957,7 @@
               <a:pPr>
                 <a:defRPr/>
               </a:pPr>
-              <a:t>21/05/2012</a:t>
+              <a:t>27/05/2012</a:t>
             </a:fld>
             <a:endParaRPr lang="pt-BR"/>
           </a:p>
@@ -10435,7 +10435,7 @@
               <a:pPr>
                 <a:defRPr/>
               </a:pPr>
-              <a:t>21/05/2012</a:t>
+              <a:t>27/05/2012</a:t>
             </a:fld>
             <a:endParaRPr lang="pt-BR"/>
           </a:p>
@@ -17808,15 +17808,7 @@
             </a:r>
             <a:r>
               <a:rPr lang="pt-BR" sz="2400" dirty="0" smtClean="0"/>
-              <a:t>” fornecido pelo </a:t>
-            </a:r>
-            <a:r>
-              <a:rPr lang="pt-BR" sz="2400" dirty="0" smtClean="0"/>
-              <a:t>instrutor para algum diretório de seu HD. </a:t>
-            </a:r>
-            <a:r>
-              <a:rPr lang="pt-BR" sz="2400" dirty="0" smtClean="0"/>
-              <a:t>Isto deverá gerar um diretório chamado “</a:t>
+              <a:t>” fornecido pelo instrutor para algum diretório de seu HD. Isto deverá gerar um diretório chamado “</a:t>
             </a:r>
             <a:r>
               <a:rPr lang="pt-BR" sz="2400" i="1" dirty="0" smtClean="0">
@@ -17841,11 +17833,7 @@
             </a:pPr>
             <a:r>
               <a:rPr lang="pt-BR" sz="2400" dirty="0" smtClean="0"/>
-              <a:t>Crie uma </a:t>
-            </a:r>
-            <a:r>
-              <a:rPr lang="pt-BR" sz="2400" dirty="0" smtClean="0"/>
-              <a:t>nova aplicação </a:t>
+              <a:t>Crie uma nova aplicação </a:t>
             </a:r>
             <a:r>
               <a:rPr lang="pt-BR" sz="2400" dirty="0" err="1" smtClean="0"/>
@@ -17877,11 +17865,7 @@
             </a:r>
             <a:r>
               <a:rPr lang="pt-BR" sz="2400" dirty="0" smtClean="0"/>
-              <a:t> que </a:t>
-            </a:r>
-            <a:r>
-              <a:rPr lang="pt-BR" sz="2400" dirty="0" smtClean="0"/>
-              <a:t>deverá criar 3 subdiretórios em “</a:t>
+              <a:t> que deverá criar 3 subdiretórios em “</a:t>
             </a:r>
             <a:r>
               <a:rPr lang="pt-BR" sz="2400" i="1" dirty="0" smtClean="0"/>
@@ -17944,15 +17928,7 @@
             </a:r>
             <a:r>
               <a:rPr lang="pt-BR" sz="2400" dirty="0" smtClean="0"/>
-              <a:t>” movendo cada </a:t>
-            </a:r>
-            <a:r>
-              <a:rPr lang="pt-BR" sz="2400" dirty="0" smtClean="0"/>
-              <a:t>arquivo </a:t>
-            </a:r>
-            <a:r>
-              <a:rPr lang="pt-BR" sz="2400" dirty="0" smtClean="0"/>
-              <a:t>para um dos diretórios acima conforme sua extensão.</a:t>
+              <a:t>” movendo cada arquivo para um dos diretórios acima conforme sua extensão.</a:t>
             </a:r>
             <a:endParaRPr lang="pt-BR" sz="2400" dirty="0"/>
           </a:p>
@@ -18191,11 +18167,7 @@
           <a:p>
             <a:r>
               <a:rPr lang="pt-BR" dirty="0" smtClean="0"/>
-              <a:t>Exercício </a:t>
-            </a:r>
-            <a:r>
-              <a:rPr lang="pt-BR" dirty="0" smtClean="0"/>
-              <a:t>(Fim)</a:t>
+              <a:t>Exercício (Fim)</a:t>
             </a:r>
             <a:endParaRPr lang="pt-BR" dirty="0"/>
           </a:p>
@@ -46481,11 +46453,7 @@
             </a:r>
             <a:r>
               <a:rPr lang="pt-BR" sz="2200" dirty="0" smtClean="0"/>
-              <a:t> no mesmo projeto do exercício anterior e c</a:t>
-            </a:r>
-            <a:r>
-              <a:rPr lang="pt-BR" sz="2200" dirty="0" smtClean="0"/>
-              <a:t>opie para este pacote a classe </a:t>
+              <a:t> no mesmo projeto do exercício anterior e copie para este pacote a classe </a:t>
             </a:r>
             <a:r>
               <a:rPr lang="pt-BR" sz="2200" dirty="0" err="1" smtClean="0">
@@ -46512,17 +46480,12 @@
             </a:r>
             <a:r>
               <a:rPr lang="pt-BR" sz="2200" dirty="0" err="1" smtClean="0"/>
-              <a:t>FileCopy</a:t>
-            </a:r>
-            <a:r>
-              <a:rPr lang="pt-BR" sz="2200" dirty="0" err="1" smtClean="0"/>
-              <a:t>Frame</a:t>
+              <a:t>FileCopyFrame</a:t>
             </a:r>
             <a:r>
               <a:rPr lang="pt-BR" sz="2200" dirty="0" smtClean="0"/>
               <a:t> é uma classe executável que exibe uma janela permitindo ao usuário digitar o nome de dois arquivos.</a:t>
             </a:r>
-            <a:endParaRPr lang="pt-BR" sz="2200" dirty="0" smtClean="0"/>
           </a:p>
         </p:txBody>
       </p:sp>
@@ -46744,7 +46707,6 @@
               <a:rPr lang="pt-BR" sz="2400" dirty="0" smtClean="0"/>
               <a:t>().</a:t>
             </a:r>
-            <a:endParaRPr lang="pt-BR" sz="2400" dirty="0" smtClean="0"/>
           </a:p>
         </p:txBody>
       </p:sp>
@@ -47109,12 +47071,69 @@
             <p:ph idx="1"/>
           </p:nvPr>
         </p:nvSpPr>
-        <p:spPr/>
+        <p:spPr>
+          <a:xfrm>
+            <a:off x="457200" y="1600201"/>
+            <a:ext cx="8147248" cy="2548880"/>
+          </a:xfrm>
+        </p:spPr>
         <p:txBody>
           <a:bodyPr/>
           <a:lstStyle/>
           <a:p>
-            <a:endParaRPr lang="pt-BR" smtClean="0"/>
+            <a:pPr>
+              <a:spcBef>
+                <a:spcPts val="3000"/>
+              </a:spcBef>
+            </a:pPr>
+            <a:r>
+              <a:rPr lang="pt-BR" sz="2400" dirty="0" smtClean="0"/>
+              <a:t>Atravé</a:t>
+            </a:r>
+            <a:r>
+              <a:rPr lang="pt-BR" sz="2400" dirty="0" smtClean="0"/>
+              <a:t>s da classe </a:t>
+            </a:r>
+            <a:r>
+              <a:rPr lang="pt-BR" sz="2400" dirty="0" err="1" smtClean="0">
+                <a:solidFill>
+                  <a:srgbClr val="FFC000"/>
+                </a:solidFill>
+              </a:rPr>
+              <a:t>java</a:t>
+            </a:r>
+            <a:r>
+              <a:rPr lang="pt-BR" sz="2400" dirty="0" smtClean="0">
+                <a:solidFill>
+                  <a:srgbClr val="FFC000"/>
+                </a:solidFill>
+              </a:rPr>
+              <a:t>.</a:t>
+            </a:r>
+            <a:r>
+              <a:rPr lang="pt-BR" sz="2400" dirty="0" err="1" smtClean="0">
+                <a:solidFill>
+                  <a:srgbClr val="FFC000"/>
+                </a:solidFill>
+              </a:rPr>
+              <a:t>util.RandomAccessFile</a:t>
+            </a:r>
+            <a:r>
+              <a:rPr lang="pt-BR" sz="2400" dirty="0" smtClean="0"/>
+              <a:t> podemos ler e manipular informações em arquivos em formato DAT.</a:t>
+            </a:r>
+          </a:p>
+          <a:p>
+            <a:pPr>
+              <a:spcBef>
+                <a:spcPts val="3000"/>
+              </a:spcBef>
+            </a:pPr>
+            <a:r>
+              <a:rPr lang="pt-BR" sz="2400" dirty="0" smtClean="0"/>
+              <a:t>Um arquivo DAT é um arquivo binário utilizado tipicamente para guardar informações de tamanho fixo.</a:t>
+            </a:r>
+            <a:endParaRPr lang="pt-BR" sz="2400" dirty="0" smtClean="0"/>
           </a:p>
         </p:txBody>
       </p:sp>
@@ -47147,11 +47166,2660 @@
           </a:p>
         </p:txBody>
       </p:sp>
+      <p:grpSp>
+        <p:nvGrpSpPr>
+          <p:cNvPr id="5" name="Grupo 7"/>
+          <p:cNvGrpSpPr/>
+          <p:nvPr/>
+        </p:nvGrpSpPr>
+        <p:grpSpPr>
+          <a:xfrm>
+            <a:off x="467544" y="5445224"/>
+            <a:ext cx="8064896" cy="288032"/>
+            <a:chOff x="467544" y="5445224"/>
+            <a:chExt cx="8064896" cy="288032"/>
+          </a:xfrm>
+        </p:grpSpPr>
+        <p:sp>
+          <p:nvSpPr>
+            <p:cNvPr id="6" name="Retângulo 5"/>
+            <p:cNvSpPr/>
+            <p:nvPr/>
+          </p:nvSpPr>
+          <p:spPr>
+            <a:xfrm>
+              <a:off x="467544" y="5445224"/>
+              <a:ext cx="216024" cy="288032"/>
+            </a:xfrm>
+            <a:prstGeom prst="rect">
+              <a:avLst/>
+            </a:prstGeom>
+            <a:solidFill>
+              <a:srgbClr val="FFC000"/>
+            </a:solidFill>
+            <a:ln w="28575">
+              <a:solidFill>
+                <a:schemeClr val="tx1"/>
+              </a:solidFill>
+            </a:ln>
+          </p:spPr>
+          <p:style>
+            <a:lnRef idx="2">
+              <a:schemeClr val="accent1">
+                <a:shade val="50000"/>
+              </a:schemeClr>
+            </a:lnRef>
+            <a:fillRef idx="1">
+              <a:schemeClr val="accent1"/>
+            </a:fillRef>
+            <a:effectRef idx="0">
+              <a:schemeClr val="accent1"/>
+            </a:effectRef>
+            <a:fontRef idx="minor">
+              <a:schemeClr val="lt1"/>
+            </a:fontRef>
+          </p:style>
+          <p:txBody>
+            <a:bodyPr lIns="0" tIns="46800" rIns="0" rtlCol="0" anchor="ctr"/>
+            <a:lstStyle/>
+            <a:p>
+              <a:pPr algn="ctr"/>
+              <a:endParaRPr lang="pt-BR" sz="900" dirty="0"/>
+            </a:p>
+          </p:txBody>
+        </p:sp>
+        <p:sp>
+          <p:nvSpPr>
+            <p:cNvPr id="7" name="Retângulo 6"/>
+            <p:cNvSpPr/>
+            <p:nvPr/>
+          </p:nvSpPr>
+          <p:spPr>
+            <a:xfrm>
+              <a:off x="683568" y="5445224"/>
+              <a:ext cx="216024" cy="288032"/>
+            </a:xfrm>
+            <a:prstGeom prst="rect">
+              <a:avLst/>
+            </a:prstGeom>
+            <a:solidFill>
+              <a:srgbClr val="FFC000"/>
+            </a:solidFill>
+            <a:ln w="28575">
+              <a:solidFill>
+                <a:schemeClr val="tx1"/>
+              </a:solidFill>
+            </a:ln>
+          </p:spPr>
+          <p:style>
+            <a:lnRef idx="2">
+              <a:schemeClr val="accent1">
+                <a:shade val="50000"/>
+              </a:schemeClr>
+            </a:lnRef>
+            <a:fillRef idx="1">
+              <a:schemeClr val="accent1"/>
+            </a:fillRef>
+            <a:effectRef idx="0">
+              <a:schemeClr val="accent1"/>
+            </a:effectRef>
+            <a:fontRef idx="minor">
+              <a:schemeClr val="lt1"/>
+            </a:fontRef>
+          </p:style>
+          <p:txBody>
+            <a:bodyPr lIns="0" tIns="46800" rIns="0" rtlCol="0" anchor="ctr"/>
+            <a:lstStyle/>
+            <a:p>
+              <a:pPr algn="ctr"/>
+              <a:endParaRPr lang="pt-BR" sz="900" dirty="0" smtClean="0"/>
+            </a:p>
+          </p:txBody>
+        </p:sp>
+        <p:sp>
+          <p:nvSpPr>
+            <p:cNvPr id="8" name="Retângulo 7"/>
+            <p:cNvSpPr/>
+            <p:nvPr/>
+          </p:nvSpPr>
+          <p:spPr>
+            <a:xfrm>
+              <a:off x="899592" y="5445224"/>
+              <a:ext cx="216024" cy="288032"/>
+            </a:xfrm>
+            <a:prstGeom prst="rect">
+              <a:avLst/>
+            </a:prstGeom>
+            <a:solidFill>
+              <a:srgbClr val="FFC000"/>
+            </a:solidFill>
+            <a:ln w="28575">
+              <a:solidFill>
+                <a:schemeClr val="tx1"/>
+              </a:solidFill>
+            </a:ln>
+          </p:spPr>
+          <p:style>
+            <a:lnRef idx="2">
+              <a:schemeClr val="accent1">
+                <a:shade val="50000"/>
+              </a:schemeClr>
+            </a:lnRef>
+            <a:fillRef idx="1">
+              <a:schemeClr val="accent1"/>
+            </a:fillRef>
+            <a:effectRef idx="0">
+              <a:schemeClr val="accent1"/>
+            </a:effectRef>
+            <a:fontRef idx="minor">
+              <a:schemeClr val="lt1"/>
+            </a:fontRef>
+          </p:style>
+          <p:txBody>
+            <a:bodyPr lIns="0" tIns="46800" rIns="0" rtlCol="0" anchor="ctr"/>
+            <a:lstStyle/>
+            <a:p>
+              <a:pPr algn="ctr"/>
+              <a:endParaRPr lang="pt-BR" sz="900" dirty="0" smtClean="0"/>
+            </a:p>
+          </p:txBody>
+        </p:sp>
+        <p:sp>
+          <p:nvSpPr>
+            <p:cNvPr id="9" name="Retângulo 8"/>
+            <p:cNvSpPr/>
+            <p:nvPr/>
+          </p:nvSpPr>
+          <p:spPr>
+            <a:xfrm>
+              <a:off x="1115616" y="5445224"/>
+              <a:ext cx="216024" cy="288032"/>
+            </a:xfrm>
+            <a:prstGeom prst="rect">
+              <a:avLst/>
+            </a:prstGeom>
+            <a:solidFill>
+              <a:srgbClr val="FFC000"/>
+            </a:solidFill>
+            <a:ln w="28575">
+              <a:solidFill>
+                <a:schemeClr val="tx1"/>
+              </a:solidFill>
+            </a:ln>
+          </p:spPr>
+          <p:style>
+            <a:lnRef idx="2">
+              <a:schemeClr val="accent1">
+                <a:shade val="50000"/>
+              </a:schemeClr>
+            </a:lnRef>
+            <a:fillRef idx="1">
+              <a:schemeClr val="accent1"/>
+            </a:fillRef>
+            <a:effectRef idx="0">
+              <a:schemeClr val="accent1"/>
+            </a:effectRef>
+            <a:fontRef idx="minor">
+              <a:schemeClr val="lt1"/>
+            </a:fontRef>
+          </p:style>
+          <p:txBody>
+            <a:bodyPr lIns="0" tIns="46800" rIns="0" rtlCol="0" anchor="ctr"/>
+            <a:lstStyle/>
+            <a:p>
+              <a:pPr algn="ctr"/>
+              <a:endParaRPr lang="pt-BR" sz="900" dirty="0" smtClean="0"/>
+            </a:p>
+          </p:txBody>
+        </p:sp>
+        <p:sp>
+          <p:nvSpPr>
+            <p:cNvPr id="10" name="Retângulo 9"/>
+            <p:cNvSpPr/>
+            <p:nvPr/>
+          </p:nvSpPr>
+          <p:spPr>
+            <a:xfrm>
+              <a:off x="1331640" y="5445224"/>
+              <a:ext cx="216024" cy="288032"/>
+            </a:xfrm>
+            <a:prstGeom prst="rect">
+              <a:avLst/>
+            </a:prstGeom>
+            <a:solidFill>
+              <a:srgbClr val="FFC000"/>
+            </a:solidFill>
+            <a:ln w="28575">
+              <a:solidFill>
+                <a:schemeClr val="tx1"/>
+              </a:solidFill>
+            </a:ln>
+          </p:spPr>
+          <p:style>
+            <a:lnRef idx="2">
+              <a:schemeClr val="accent1">
+                <a:shade val="50000"/>
+              </a:schemeClr>
+            </a:lnRef>
+            <a:fillRef idx="1">
+              <a:schemeClr val="accent1"/>
+            </a:fillRef>
+            <a:effectRef idx="0">
+              <a:schemeClr val="accent1"/>
+            </a:effectRef>
+            <a:fontRef idx="minor">
+              <a:schemeClr val="lt1"/>
+            </a:fontRef>
+          </p:style>
+          <p:txBody>
+            <a:bodyPr lIns="0" tIns="46800" rIns="0" rtlCol="0" anchor="ctr"/>
+            <a:lstStyle/>
+            <a:p>
+              <a:pPr algn="ctr"/>
+              <a:endParaRPr lang="pt-BR" sz="900" dirty="0" smtClean="0"/>
+            </a:p>
+          </p:txBody>
+        </p:sp>
+        <p:sp>
+          <p:nvSpPr>
+            <p:cNvPr id="11" name="Retângulo 10"/>
+            <p:cNvSpPr/>
+            <p:nvPr/>
+          </p:nvSpPr>
+          <p:spPr>
+            <a:xfrm>
+              <a:off x="1547664" y="5445224"/>
+              <a:ext cx="216024" cy="288032"/>
+            </a:xfrm>
+            <a:prstGeom prst="rect">
+              <a:avLst/>
+            </a:prstGeom>
+            <a:solidFill>
+              <a:srgbClr val="FFC000"/>
+            </a:solidFill>
+            <a:ln w="28575">
+              <a:solidFill>
+                <a:schemeClr val="tx1"/>
+              </a:solidFill>
+            </a:ln>
+          </p:spPr>
+          <p:style>
+            <a:lnRef idx="2">
+              <a:schemeClr val="accent1">
+                <a:shade val="50000"/>
+              </a:schemeClr>
+            </a:lnRef>
+            <a:fillRef idx="1">
+              <a:schemeClr val="accent1"/>
+            </a:fillRef>
+            <a:effectRef idx="0">
+              <a:schemeClr val="accent1"/>
+            </a:effectRef>
+            <a:fontRef idx="minor">
+              <a:schemeClr val="lt1"/>
+            </a:fontRef>
+          </p:style>
+          <p:txBody>
+            <a:bodyPr lIns="0" tIns="46800" rIns="0" rtlCol="0" anchor="ctr"/>
+            <a:lstStyle/>
+            <a:p>
+              <a:pPr algn="ctr"/>
+              <a:endParaRPr lang="pt-BR" sz="900" dirty="0" smtClean="0"/>
+            </a:p>
+          </p:txBody>
+        </p:sp>
+        <p:sp>
+          <p:nvSpPr>
+            <p:cNvPr id="12" name="Retângulo 11"/>
+            <p:cNvSpPr/>
+            <p:nvPr/>
+          </p:nvSpPr>
+          <p:spPr>
+            <a:xfrm>
+              <a:off x="1763688" y="5445224"/>
+              <a:ext cx="216024" cy="288032"/>
+            </a:xfrm>
+            <a:prstGeom prst="rect">
+              <a:avLst/>
+            </a:prstGeom>
+            <a:solidFill>
+              <a:srgbClr val="FFC000"/>
+            </a:solidFill>
+            <a:ln w="28575">
+              <a:solidFill>
+                <a:schemeClr val="tx1"/>
+              </a:solidFill>
+            </a:ln>
+          </p:spPr>
+          <p:style>
+            <a:lnRef idx="2">
+              <a:schemeClr val="accent1">
+                <a:shade val="50000"/>
+              </a:schemeClr>
+            </a:lnRef>
+            <a:fillRef idx="1">
+              <a:schemeClr val="accent1"/>
+            </a:fillRef>
+            <a:effectRef idx="0">
+              <a:schemeClr val="accent1"/>
+            </a:effectRef>
+            <a:fontRef idx="minor">
+              <a:schemeClr val="lt1"/>
+            </a:fontRef>
+          </p:style>
+          <p:txBody>
+            <a:bodyPr lIns="0" tIns="46800" rIns="0" rtlCol="0" anchor="ctr"/>
+            <a:lstStyle/>
+            <a:p>
+              <a:pPr algn="ctr"/>
+              <a:endParaRPr lang="pt-BR" sz="900" dirty="0" smtClean="0"/>
+            </a:p>
+          </p:txBody>
+        </p:sp>
+        <p:sp>
+          <p:nvSpPr>
+            <p:cNvPr id="13" name="Retângulo 12"/>
+            <p:cNvSpPr/>
+            <p:nvPr/>
+          </p:nvSpPr>
+          <p:spPr>
+            <a:xfrm>
+              <a:off x="1979712" y="5445224"/>
+              <a:ext cx="216024" cy="288032"/>
+            </a:xfrm>
+            <a:prstGeom prst="rect">
+              <a:avLst/>
+            </a:prstGeom>
+            <a:solidFill>
+              <a:srgbClr val="FFC000"/>
+            </a:solidFill>
+            <a:ln w="28575">
+              <a:solidFill>
+                <a:schemeClr val="tx1"/>
+              </a:solidFill>
+            </a:ln>
+          </p:spPr>
+          <p:style>
+            <a:lnRef idx="2">
+              <a:schemeClr val="accent1">
+                <a:shade val="50000"/>
+              </a:schemeClr>
+            </a:lnRef>
+            <a:fillRef idx="1">
+              <a:schemeClr val="accent1"/>
+            </a:fillRef>
+            <a:effectRef idx="0">
+              <a:schemeClr val="accent1"/>
+            </a:effectRef>
+            <a:fontRef idx="minor">
+              <a:schemeClr val="lt1"/>
+            </a:fontRef>
+          </p:style>
+          <p:txBody>
+            <a:bodyPr lIns="0" tIns="46800" rIns="0" rtlCol="0" anchor="ctr"/>
+            <a:lstStyle/>
+            <a:p>
+              <a:pPr algn="ctr"/>
+              <a:endParaRPr lang="pt-BR" sz="900" dirty="0" smtClean="0"/>
+            </a:p>
+          </p:txBody>
+        </p:sp>
+        <p:sp>
+          <p:nvSpPr>
+            <p:cNvPr id="14" name="Retângulo 13"/>
+            <p:cNvSpPr/>
+            <p:nvPr/>
+          </p:nvSpPr>
+          <p:spPr>
+            <a:xfrm>
+              <a:off x="2195736" y="5445224"/>
+              <a:ext cx="216024" cy="288032"/>
+            </a:xfrm>
+            <a:prstGeom prst="rect">
+              <a:avLst/>
+            </a:prstGeom>
+            <a:solidFill>
+              <a:srgbClr val="FFC000"/>
+            </a:solidFill>
+            <a:ln w="28575">
+              <a:solidFill>
+                <a:schemeClr val="tx1"/>
+              </a:solidFill>
+            </a:ln>
+          </p:spPr>
+          <p:style>
+            <a:lnRef idx="2">
+              <a:schemeClr val="accent1">
+                <a:shade val="50000"/>
+              </a:schemeClr>
+            </a:lnRef>
+            <a:fillRef idx="1">
+              <a:schemeClr val="accent1"/>
+            </a:fillRef>
+            <a:effectRef idx="0">
+              <a:schemeClr val="accent1"/>
+            </a:effectRef>
+            <a:fontRef idx="minor">
+              <a:schemeClr val="lt1"/>
+            </a:fontRef>
+          </p:style>
+          <p:txBody>
+            <a:bodyPr lIns="0" tIns="46800" rIns="0" rtlCol="0" anchor="ctr"/>
+            <a:lstStyle/>
+            <a:p>
+              <a:pPr algn="ctr"/>
+              <a:endParaRPr lang="pt-BR" sz="900" dirty="0" smtClean="0"/>
+            </a:p>
+          </p:txBody>
+        </p:sp>
+        <p:sp>
+          <p:nvSpPr>
+            <p:cNvPr id="15" name="Retângulo 14"/>
+            <p:cNvSpPr/>
+            <p:nvPr/>
+          </p:nvSpPr>
+          <p:spPr>
+            <a:xfrm>
+              <a:off x="2411760" y="5445224"/>
+              <a:ext cx="216024" cy="288032"/>
+            </a:xfrm>
+            <a:prstGeom prst="rect">
+              <a:avLst/>
+            </a:prstGeom>
+            <a:solidFill>
+              <a:srgbClr val="FFC000"/>
+            </a:solidFill>
+            <a:ln w="28575">
+              <a:solidFill>
+                <a:schemeClr val="tx1"/>
+              </a:solidFill>
+            </a:ln>
+          </p:spPr>
+          <p:style>
+            <a:lnRef idx="2">
+              <a:schemeClr val="accent1">
+                <a:shade val="50000"/>
+              </a:schemeClr>
+            </a:lnRef>
+            <a:fillRef idx="1">
+              <a:schemeClr val="accent1"/>
+            </a:fillRef>
+            <a:effectRef idx="0">
+              <a:schemeClr val="accent1"/>
+            </a:effectRef>
+            <a:fontRef idx="minor">
+              <a:schemeClr val="lt1"/>
+            </a:fontRef>
+          </p:style>
+          <p:txBody>
+            <a:bodyPr lIns="0" tIns="46800" rIns="0" rtlCol="0" anchor="ctr"/>
+            <a:lstStyle/>
+            <a:p>
+              <a:pPr algn="ctr"/>
+              <a:endParaRPr lang="pt-BR" sz="900" dirty="0" smtClean="0"/>
+            </a:p>
+          </p:txBody>
+        </p:sp>
+        <p:sp>
+          <p:nvSpPr>
+            <p:cNvPr id="16" name="Retângulo 15"/>
+            <p:cNvSpPr/>
+            <p:nvPr/>
+          </p:nvSpPr>
+          <p:spPr>
+            <a:xfrm>
+              <a:off x="2627784" y="5445224"/>
+              <a:ext cx="216024" cy="288032"/>
+            </a:xfrm>
+            <a:prstGeom prst="rect">
+              <a:avLst/>
+            </a:prstGeom>
+            <a:solidFill>
+              <a:srgbClr val="FFC000"/>
+            </a:solidFill>
+            <a:ln w="28575">
+              <a:solidFill>
+                <a:schemeClr val="tx1"/>
+              </a:solidFill>
+            </a:ln>
+          </p:spPr>
+          <p:style>
+            <a:lnRef idx="2">
+              <a:schemeClr val="accent1">
+                <a:shade val="50000"/>
+              </a:schemeClr>
+            </a:lnRef>
+            <a:fillRef idx="1">
+              <a:schemeClr val="accent1"/>
+            </a:fillRef>
+            <a:effectRef idx="0">
+              <a:schemeClr val="accent1"/>
+            </a:effectRef>
+            <a:fontRef idx="minor">
+              <a:schemeClr val="lt1"/>
+            </a:fontRef>
+          </p:style>
+          <p:txBody>
+            <a:bodyPr lIns="0" tIns="46800" rIns="0" rtlCol="0" anchor="ctr"/>
+            <a:lstStyle/>
+            <a:p>
+              <a:pPr algn="ctr"/>
+              <a:endParaRPr lang="pt-BR" sz="900" dirty="0" smtClean="0"/>
+            </a:p>
+          </p:txBody>
+        </p:sp>
+        <p:sp>
+          <p:nvSpPr>
+            <p:cNvPr id="17" name="Retângulo 16"/>
+            <p:cNvSpPr/>
+            <p:nvPr/>
+          </p:nvSpPr>
+          <p:spPr>
+            <a:xfrm>
+              <a:off x="2843808" y="5445224"/>
+              <a:ext cx="216024" cy="288032"/>
+            </a:xfrm>
+            <a:prstGeom prst="rect">
+              <a:avLst/>
+            </a:prstGeom>
+            <a:solidFill>
+              <a:srgbClr val="FFC000"/>
+            </a:solidFill>
+            <a:ln w="28575">
+              <a:solidFill>
+                <a:schemeClr val="tx1"/>
+              </a:solidFill>
+            </a:ln>
+          </p:spPr>
+          <p:style>
+            <a:lnRef idx="2">
+              <a:schemeClr val="accent1">
+                <a:shade val="50000"/>
+              </a:schemeClr>
+            </a:lnRef>
+            <a:fillRef idx="1">
+              <a:schemeClr val="accent1"/>
+            </a:fillRef>
+            <a:effectRef idx="0">
+              <a:schemeClr val="accent1"/>
+            </a:effectRef>
+            <a:fontRef idx="minor">
+              <a:schemeClr val="lt1"/>
+            </a:fontRef>
+          </p:style>
+          <p:txBody>
+            <a:bodyPr lIns="0" tIns="46800" rIns="0" rtlCol="0" anchor="ctr"/>
+            <a:lstStyle/>
+            <a:p>
+              <a:pPr algn="ctr"/>
+              <a:endParaRPr lang="pt-BR" sz="900" dirty="0" smtClean="0"/>
+            </a:p>
+          </p:txBody>
+        </p:sp>
+        <p:sp>
+          <p:nvSpPr>
+            <p:cNvPr id="18" name="Retângulo 17"/>
+            <p:cNvSpPr/>
+            <p:nvPr/>
+          </p:nvSpPr>
+          <p:spPr>
+            <a:xfrm>
+              <a:off x="3059832" y="5445224"/>
+              <a:ext cx="216024" cy="288032"/>
+            </a:xfrm>
+            <a:prstGeom prst="rect">
+              <a:avLst/>
+            </a:prstGeom>
+            <a:solidFill>
+              <a:srgbClr val="FFC000"/>
+            </a:solidFill>
+            <a:ln w="28575">
+              <a:solidFill>
+                <a:schemeClr val="tx1"/>
+              </a:solidFill>
+            </a:ln>
+          </p:spPr>
+          <p:style>
+            <a:lnRef idx="2">
+              <a:schemeClr val="accent1">
+                <a:shade val="50000"/>
+              </a:schemeClr>
+            </a:lnRef>
+            <a:fillRef idx="1">
+              <a:schemeClr val="accent1"/>
+            </a:fillRef>
+            <a:effectRef idx="0">
+              <a:schemeClr val="accent1"/>
+            </a:effectRef>
+            <a:fontRef idx="minor">
+              <a:schemeClr val="lt1"/>
+            </a:fontRef>
+          </p:style>
+          <p:txBody>
+            <a:bodyPr lIns="0" tIns="46800" rIns="0" rtlCol="0" anchor="ctr"/>
+            <a:lstStyle/>
+            <a:p>
+              <a:pPr algn="ctr"/>
+              <a:endParaRPr lang="pt-BR" sz="900" dirty="0" smtClean="0"/>
+            </a:p>
+          </p:txBody>
+        </p:sp>
+        <p:sp>
+          <p:nvSpPr>
+            <p:cNvPr id="19" name="Retângulo 18"/>
+            <p:cNvSpPr/>
+            <p:nvPr/>
+          </p:nvSpPr>
+          <p:spPr>
+            <a:xfrm>
+              <a:off x="3275856" y="5445224"/>
+              <a:ext cx="216024" cy="288032"/>
+            </a:xfrm>
+            <a:prstGeom prst="rect">
+              <a:avLst/>
+            </a:prstGeom>
+            <a:solidFill>
+              <a:srgbClr val="FFC000"/>
+            </a:solidFill>
+            <a:ln w="28575">
+              <a:solidFill>
+                <a:schemeClr val="tx1"/>
+              </a:solidFill>
+            </a:ln>
+          </p:spPr>
+          <p:style>
+            <a:lnRef idx="2">
+              <a:schemeClr val="accent1">
+                <a:shade val="50000"/>
+              </a:schemeClr>
+            </a:lnRef>
+            <a:fillRef idx="1">
+              <a:schemeClr val="accent1"/>
+            </a:fillRef>
+            <a:effectRef idx="0">
+              <a:schemeClr val="accent1"/>
+            </a:effectRef>
+            <a:fontRef idx="minor">
+              <a:schemeClr val="lt1"/>
+            </a:fontRef>
+          </p:style>
+          <p:txBody>
+            <a:bodyPr lIns="0" tIns="46800" rIns="0" rtlCol="0" anchor="ctr"/>
+            <a:lstStyle/>
+            <a:p>
+              <a:pPr algn="ctr"/>
+              <a:endParaRPr lang="pt-BR" sz="900" dirty="0" smtClean="0"/>
+            </a:p>
+          </p:txBody>
+        </p:sp>
+        <p:sp>
+          <p:nvSpPr>
+            <p:cNvPr id="20" name="Retângulo 19"/>
+            <p:cNvSpPr/>
+            <p:nvPr/>
+          </p:nvSpPr>
+          <p:spPr>
+            <a:xfrm>
+              <a:off x="3491880" y="5445224"/>
+              <a:ext cx="216024" cy="288032"/>
+            </a:xfrm>
+            <a:prstGeom prst="rect">
+              <a:avLst/>
+            </a:prstGeom>
+            <a:solidFill>
+              <a:srgbClr val="FFC000"/>
+            </a:solidFill>
+            <a:ln w="28575">
+              <a:solidFill>
+                <a:schemeClr val="tx1"/>
+              </a:solidFill>
+            </a:ln>
+          </p:spPr>
+          <p:style>
+            <a:lnRef idx="2">
+              <a:schemeClr val="accent1">
+                <a:shade val="50000"/>
+              </a:schemeClr>
+            </a:lnRef>
+            <a:fillRef idx="1">
+              <a:schemeClr val="accent1"/>
+            </a:fillRef>
+            <a:effectRef idx="0">
+              <a:schemeClr val="accent1"/>
+            </a:effectRef>
+            <a:fontRef idx="minor">
+              <a:schemeClr val="lt1"/>
+            </a:fontRef>
+          </p:style>
+          <p:txBody>
+            <a:bodyPr lIns="0" tIns="46800" rIns="0" rtlCol="0" anchor="ctr"/>
+            <a:lstStyle/>
+            <a:p>
+              <a:pPr algn="ctr"/>
+              <a:endParaRPr lang="pt-BR" sz="900" dirty="0" smtClean="0"/>
+            </a:p>
+          </p:txBody>
+        </p:sp>
+        <p:sp>
+          <p:nvSpPr>
+            <p:cNvPr id="21" name="Retângulo 20"/>
+            <p:cNvSpPr/>
+            <p:nvPr/>
+          </p:nvSpPr>
+          <p:spPr>
+            <a:xfrm>
+              <a:off x="3707904" y="5445224"/>
+              <a:ext cx="216024" cy="288032"/>
+            </a:xfrm>
+            <a:prstGeom prst="rect">
+              <a:avLst/>
+            </a:prstGeom>
+            <a:solidFill>
+              <a:srgbClr val="FFC000"/>
+            </a:solidFill>
+            <a:ln w="28575">
+              <a:solidFill>
+                <a:schemeClr val="tx1"/>
+              </a:solidFill>
+            </a:ln>
+          </p:spPr>
+          <p:style>
+            <a:lnRef idx="2">
+              <a:schemeClr val="accent1">
+                <a:shade val="50000"/>
+              </a:schemeClr>
+            </a:lnRef>
+            <a:fillRef idx="1">
+              <a:schemeClr val="accent1"/>
+            </a:fillRef>
+            <a:effectRef idx="0">
+              <a:schemeClr val="accent1"/>
+            </a:effectRef>
+            <a:fontRef idx="minor">
+              <a:schemeClr val="lt1"/>
+            </a:fontRef>
+          </p:style>
+          <p:txBody>
+            <a:bodyPr lIns="0" tIns="46800" rIns="0" rtlCol="0" anchor="ctr"/>
+            <a:lstStyle/>
+            <a:p>
+              <a:pPr algn="ctr"/>
+              <a:endParaRPr lang="pt-BR" sz="900" dirty="0" smtClean="0"/>
+            </a:p>
+          </p:txBody>
+        </p:sp>
+        <p:sp>
+          <p:nvSpPr>
+            <p:cNvPr id="22" name="Retângulo 21"/>
+            <p:cNvSpPr/>
+            <p:nvPr/>
+          </p:nvSpPr>
+          <p:spPr>
+            <a:xfrm>
+              <a:off x="3923928" y="5445224"/>
+              <a:ext cx="216024" cy="288032"/>
+            </a:xfrm>
+            <a:prstGeom prst="rect">
+              <a:avLst/>
+            </a:prstGeom>
+            <a:solidFill>
+              <a:srgbClr val="FFC000"/>
+            </a:solidFill>
+            <a:ln w="28575">
+              <a:solidFill>
+                <a:schemeClr val="tx1"/>
+              </a:solidFill>
+            </a:ln>
+          </p:spPr>
+          <p:style>
+            <a:lnRef idx="2">
+              <a:schemeClr val="accent1">
+                <a:shade val="50000"/>
+              </a:schemeClr>
+            </a:lnRef>
+            <a:fillRef idx="1">
+              <a:schemeClr val="accent1"/>
+            </a:fillRef>
+            <a:effectRef idx="0">
+              <a:schemeClr val="accent1"/>
+            </a:effectRef>
+            <a:fontRef idx="minor">
+              <a:schemeClr val="lt1"/>
+            </a:fontRef>
+          </p:style>
+          <p:txBody>
+            <a:bodyPr lIns="0" tIns="46800" rIns="0" rtlCol="0" anchor="ctr"/>
+            <a:lstStyle/>
+            <a:p>
+              <a:pPr algn="ctr"/>
+              <a:endParaRPr lang="pt-BR" sz="900" dirty="0" smtClean="0"/>
+            </a:p>
+          </p:txBody>
+        </p:sp>
+        <p:sp>
+          <p:nvSpPr>
+            <p:cNvPr id="23" name="Retângulo 22"/>
+            <p:cNvSpPr/>
+            <p:nvPr/>
+          </p:nvSpPr>
+          <p:spPr>
+            <a:xfrm>
+              <a:off x="4139952" y="5445224"/>
+              <a:ext cx="216024" cy="288032"/>
+            </a:xfrm>
+            <a:prstGeom prst="rect">
+              <a:avLst/>
+            </a:prstGeom>
+            <a:solidFill>
+              <a:srgbClr val="FFC000"/>
+            </a:solidFill>
+            <a:ln w="28575">
+              <a:solidFill>
+                <a:schemeClr val="tx1"/>
+              </a:solidFill>
+            </a:ln>
+          </p:spPr>
+          <p:style>
+            <a:lnRef idx="2">
+              <a:schemeClr val="accent1">
+                <a:shade val="50000"/>
+              </a:schemeClr>
+            </a:lnRef>
+            <a:fillRef idx="1">
+              <a:schemeClr val="accent1"/>
+            </a:fillRef>
+            <a:effectRef idx="0">
+              <a:schemeClr val="accent1"/>
+            </a:effectRef>
+            <a:fontRef idx="minor">
+              <a:schemeClr val="lt1"/>
+            </a:fontRef>
+          </p:style>
+          <p:txBody>
+            <a:bodyPr lIns="0" tIns="46800" rIns="0" rtlCol="0" anchor="ctr"/>
+            <a:lstStyle/>
+            <a:p>
+              <a:pPr algn="ctr"/>
+              <a:endParaRPr lang="pt-BR" sz="900" dirty="0" smtClean="0"/>
+            </a:p>
+          </p:txBody>
+        </p:sp>
+        <p:sp>
+          <p:nvSpPr>
+            <p:cNvPr id="24" name="Retângulo 23"/>
+            <p:cNvSpPr/>
+            <p:nvPr/>
+          </p:nvSpPr>
+          <p:spPr>
+            <a:xfrm>
+              <a:off x="4355976" y="5445224"/>
+              <a:ext cx="216024" cy="288032"/>
+            </a:xfrm>
+            <a:prstGeom prst="rect">
+              <a:avLst/>
+            </a:prstGeom>
+            <a:solidFill>
+              <a:srgbClr val="FFC000"/>
+            </a:solidFill>
+            <a:ln w="28575">
+              <a:solidFill>
+                <a:schemeClr val="tx1"/>
+              </a:solidFill>
+            </a:ln>
+          </p:spPr>
+          <p:style>
+            <a:lnRef idx="2">
+              <a:schemeClr val="accent1">
+                <a:shade val="50000"/>
+              </a:schemeClr>
+            </a:lnRef>
+            <a:fillRef idx="1">
+              <a:schemeClr val="accent1"/>
+            </a:fillRef>
+            <a:effectRef idx="0">
+              <a:schemeClr val="accent1"/>
+            </a:effectRef>
+            <a:fontRef idx="minor">
+              <a:schemeClr val="lt1"/>
+            </a:fontRef>
+          </p:style>
+          <p:txBody>
+            <a:bodyPr lIns="0" tIns="46800" rIns="0" rtlCol="0" anchor="ctr"/>
+            <a:lstStyle/>
+            <a:p>
+              <a:pPr algn="ctr"/>
+              <a:endParaRPr lang="pt-BR" sz="900" dirty="0" smtClean="0"/>
+            </a:p>
+          </p:txBody>
+        </p:sp>
+        <p:sp>
+          <p:nvSpPr>
+            <p:cNvPr id="25" name="Retângulo 24"/>
+            <p:cNvSpPr/>
+            <p:nvPr/>
+          </p:nvSpPr>
+          <p:spPr>
+            <a:xfrm>
+              <a:off x="4572000" y="5445224"/>
+              <a:ext cx="216024" cy="288032"/>
+            </a:xfrm>
+            <a:prstGeom prst="rect">
+              <a:avLst/>
+            </a:prstGeom>
+            <a:solidFill>
+              <a:srgbClr val="FFC000"/>
+            </a:solidFill>
+            <a:ln w="28575">
+              <a:solidFill>
+                <a:schemeClr val="tx1"/>
+              </a:solidFill>
+            </a:ln>
+          </p:spPr>
+          <p:style>
+            <a:lnRef idx="2">
+              <a:schemeClr val="accent1">
+                <a:shade val="50000"/>
+              </a:schemeClr>
+            </a:lnRef>
+            <a:fillRef idx="1">
+              <a:schemeClr val="accent1"/>
+            </a:fillRef>
+            <a:effectRef idx="0">
+              <a:schemeClr val="accent1"/>
+            </a:effectRef>
+            <a:fontRef idx="minor">
+              <a:schemeClr val="lt1"/>
+            </a:fontRef>
+          </p:style>
+          <p:txBody>
+            <a:bodyPr lIns="0" tIns="46800" rIns="0" rtlCol="0" anchor="ctr"/>
+            <a:lstStyle/>
+            <a:p>
+              <a:pPr algn="ctr"/>
+              <a:endParaRPr lang="pt-BR" sz="900" dirty="0" smtClean="0"/>
+            </a:p>
+          </p:txBody>
+        </p:sp>
+        <p:sp>
+          <p:nvSpPr>
+            <p:cNvPr id="26" name="Retângulo 25"/>
+            <p:cNvSpPr/>
+            <p:nvPr/>
+          </p:nvSpPr>
+          <p:spPr>
+            <a:xfrm>
+              <a:off x="4788024" y="5445224"/>
+              <a:ext cx="216024" cy="288032"/>
+            </a:xfrm>
+            <a:prstGeom prst="rect">
+              <a:avLst/>
+            </a:prstGeom>
+            <a:solidFill>
+              <a:srgbClr val="FFC000"/>
+            </a:solidFill>
+            <a:ln w="28575">
+              <a:solidFill>
+                <a:schemeClr val="tx1"/>
+              </a:solidFill>
+            </a:ln>
+          </p:spPr>
+          <p:style>
+            <a:lnRef idx="2">
+              <a:schemeClr val="accent1">
+                <a:shade val="50000"/>
+              </a:schemeClr>
+            </a:lnRef>
+            <a:fillRef idx="1">
+              <a:schemeClr val="accent1"/>
+            </a:fillRef>
+            <a:effectRef idx="0">
+              <a:schemeClr val="accent1"/>
+            </a:effectRef>
+            <a:fontRef idx="minor">
+              <a:schemeClr val="lt1"/>
+            </a:fontRef>
+          </p:style>
+          <p:txBody>
+            <a:bodyPr lIns="0" tIns="46800" rIns="0" rtlCol="0" anchor="ctr"/>
+            <a:lstStyle/>
+            <a:p>
+              <a:pPr algn="ctr"/>
+              <a:endParaRPr lang="pt-BR" sz="900" dirty="0" smtClean="0"/>
+            </a:p>
+          </p:txBody>
+        </p:sp>
+        <p:sp>
+          <p:nvSpPr>
+            <p:cNvPr id="27" name="Retângulo 26"/>
+            <p:cNvSpPr/>
+            <p:nvPr/>
+          </p:nvSpPr>
+          <p:spPr>
+            <a:xfrm>
+              <a:off x="5004048" y="5445224"/>
+              <a:ext cx="216024" cy="288032"/>
+            </a:xfrm>
+            <a:prstGeom prst="rect">
+              <a:avLst/>
+            </a:prstGeom>
+            <a:solidFill>
+              <a:srgbClr val="FFC000"/>
+            </a:solidFill>
+            <a:ln w="28575">
+              <a:solidFill>
+                <a:schemeClr val="tx1"/>
+              </a:solidFill>
+            </a:ln>
+          </p:spPr>
+          <p:style>
+            <a:lnRef idx="2">
+              <a:schemeClr val="accent1">
+                <a:shade val="50000"/>
+              </a:schemeClr>
+            </a:lnRef>
+            <a:fillRef idx="1">
+              <a:schemeClr val="accent1"/>
+            </a:fillRef>
+            <a:effectRef idx="0">
+              <a:schemeClr val="accent1"/>
+            </a:effectRef>
+            <a:fontRef idx="minor">
+              <a:schemeClr val="lt1"/>
+            </a:fontRef>
+          </p:style>
+          <p:txBody>
+            <a:bodyPr lIns="0" tIns="46800" rIns="0" rtlCol="0" anchor="ctr"/>
+            <a:lstStyle/>
+            <a:p>
+              <a:pPr algn="ctr"/>
+              <a:endParaRPr lang="pt-BR" sz="900" dirty="0" smtClean="0"/>
+            </a:p>
+          </p:txBody>
+        </p:sp>
+        <p:sp>
+          <p:nvSpPr>
+            <p:cNvPr id="28" name="Retângulo 27"/>
+            <p:cNvSpPr/>
+            <p:nvPr/>
+          </p:nvSpPr>
+          <p:spPr>
+            <a:xfrm>
+              <a:off x="5220072" y="5445224"/>
+              <a:ext cx="216024" cy="288032"/>
+            </a:xfrm>
+            <a:prstGeom prst="rect">
+              <a:avLst/>
+            </a:prstGeom>
+            <a:solidFill>
+              <a:srgbClr val="FFC000"/>
+            </a:solidFill>
+            <a:ln w="28575">
+              <a:solidFill>
+                <a:schemeClr val="tx1"/>
+              </a:solidFill>
+            </a:ln>
+          </p:spPr>
+          <p:style>
+            <a:lnRef idx="2">
+              <a:schemeClr val="accent1">
+                <a:shade val="50000"/>
+              </a:schemeClr>
+            </a:lnRef>
+            <a:fillRef idx="1">
+              <a:schemeClr val="accent1"/>
+            </a:fillRef>
+            <a:effectRef idx="0">
+              <a:schemeClr val="accent1"/>
+            </a:effectRef>
+            <a:fontRef idx="minor">
+              <a:schemeClr val="lt1"/>
+            </a:fontRef>
+          </p:style>
+          <p:txBody>
+            <a:bodyPr lIns="0" tIns="46800" rIns="0" rtlCol="0" anchor="ctr"/>
+            <a:lstStyle/>
+            <a:p>
+              <a:pPr algn="ctr"/>
+              <a:endParaRPr lang="pt-BR" sz="900" dirty="0" smtClean="0"/>
+            </a:p>
+          </p:txBody>
+        </p:sp>
+        <p:sp>
+          <p:nvSpPr>
+            <p:cNvPr id="29" name="Retângulo 28"/>
+            <p:cNvSpPr/>
+            <p:nvPr/>
+          </p:nvSpPr>
+          <p:spPr>
+            <a:xfrm>
+              <a:off x="5436096" y="5445224"/>
+              <a:ext cx="216024" cy="288032"/>
+            </a:xfrm>
+            <a:prstGeom prst="rect">
+              <a:avLst/>
+            </a:prstGeom>
+            <a:solidFill>
+              <a:srgbClr val="FFC000"/>
+            </a:solidFill>
+            <a:ln w="28575">
+              <a:solidFill>
+                <a:schemeClr val="tx1"/>
+              </a:solidFill>
+            </a:ln>
+          </p:spPr>
+          <p:style>
+            <a:lnRef idx="2">
+              <a:schemeClr val="accent1">
+                <a:shade val="50000"/>
+              </a:schemeClr>
+            </a:lnRef>
+            <a:fillRef idx="1">
+              <a:schemeClr val="accent1"/>
+            </a:fillRef>
+            <a:effectRef idx="0">
+              <a:schemeClr val="accent1"/>
+            </a:effectRef>
+            <a:fontRef idx="minor">
+              <a:schemeClr val="lt1"/>
+            </a:fontRef>
+          </p:style>
+          <p:txBody>
+            <a:bodyPr lIns="0" tIns="46800" rIns="0" rtlCol="0" anchor="ctr"/>
+            <a:lstStyle/>
+            <a:p>
+              <a:pPr algn="ctr"/>
+              <a:endParaRPr lang="pt-BR" sz="900" dirty="0" smtClean="0"/>
+            </a:p>
+          </p:txBody>
+        </p:sp>
+        <p:sp>
+          <p:nvSpPr>
+            <p:cNvPr id="30" name="Retângulo 29"/>
+            <p:cNvSpPr/>
+            <p:nvPr/>
+          </p:nvSpPr>
+          <p:spPr>
+            <a:xfrm>
+              <a:off x="5652120" y="5445224"/>
+              <a:ext cx="216024" cy="288032"/>
+            </a:xfrm>
+            <a:prstGeom prst="rect">
+              <a:avLst/>
+            </a:prstGeom>
+            <a:solidFill>
+              <a:srgbClr val="FFC000"/>
+            </a:solidFill>
+            <a:ln w="28575">
+              <a:solidFill>
+                <a:schemeClr val="tx1"/>
+              </a:solidFill>
+            </a:ln>
+          </p:spPr>
+          <p:style>
+            <a:lnRef idx="2">
+              <a:schemeClr val="accent1">
+                <a:shade val="50000"/>
+              </a:schemeClr>
+            </a:lnRef>
+            <a:fillRef idx="1">
+              <a:schemeClr val="accent1"/>
+            </a:fillRef>
+            <a:effectRef idx="0">
+              <a:schemeClr val="accent1"/>
+            </a:effectRef>
+            <a:fontRef idx="minor">
+              <a:schemeClr val="lt1"/>
+            </a:fontRef>
+          </p:style>
+          <p:txBody>
+            <a:bodyPr lIns="0" tIns="46800" rIns="0" rtlCol="0" anchor="ctr"/>
+            <a:lstStyle/>
+            <a:p>
+              <a:pPr algn="ctr"/>
+              <a:endParaRPr lang="pt-BR" sz="900" dirty="0" smtClean="0"/>
+            </a:p>
+          </p:txBody>
+        </p:sp>
+        <p:sp>
+          <p:nvSpPr>
+            <p:cNvPr id="31" name="Retângulo 30"/>
+            <p:cNvSpPr/>
+            <p:nvPr/>
+          </p:nvSpPr>
+          <p:spPr>
+            <a:xfrm>
+              <a:off x="5868144" y="5445224"/>
+              <a:ext cx="216024" cy="288032"/>
+            </a:xfrm>
+            <a:prstGeom prst="rect">
+              <a:avLst/>
+            </a:prstGeom>
+            <a:solidFill>
+              <a:srgbClr val="FFC000"/>
+            </a:solidFill>
+            <a:ln w="28575">
+              <a:solidFill>
+                <a:schemeClr val="tx1"/>
+              </a:solidFill>
+            </a:ln>
+          </p:spPr>
+          <p:style>
+            <a:lnRef idx="2">
+              <a:schemeClr val="accent1">
+                <a:shade val="50000"/>
+              </a:schemeClr>
+            </a:lnRef>
+            <a:fillRef idx="1">
+              <a:schemeClr val="accent1"/>
+            </a:fillRef>
+            <a:effectRef idx="0">
+              <a:schemeClr val="accent1"/>
+            </a:effectRef>
+            <a:fontRef idx="minor">
+              <a:schemeClr val="lt1"/>
+            </a:fontRef>
+          </p:style>
+          <p:txBody>
+            <a:bodyPr lIns="0" tIns="46800" rIns="0" rtlCol="0" anchor="ctr"/>
+            <a:lstStyle/>
+            <a:p>
+              <a:pPr algn="ctr"/>
+              <a:endParaRPr lang="pt-BR" sz="900" dirty="0" smtClean="0"/>
+            </a:p>
+          </p:txBody>
+        </p:sp>
+        <p:sp>
+          <p:nvSpPr>
+            <p:cNvPr id="32" name="Retângulo 31"/>
+            <p:cNvSpPr/>
+            <p:nvPr/>
+          </p:nvSpPr>
+          <p:spPr>
+            <a:xfrm>
+              <a:off x="6084168" y="5445224"/>
+              <a:ext cx="216024" cy="288032"/>
+            </a:xfrm>
+            <a:prstGeom prst="rect">
+              <a:avLst/>
+            </a:prstGeom>
+            <a:solidFill>
+              <a:srgbClr val="FFC000"/>
+            </a:solidFill>
+            <a:ln w="28575">
+              <a:solidFill>
+                <a:schemeClr val="tx1"/>
+              </a:solidFill>
+            </a:ln>
+          </p:spPr>
+          <p:style>
+            <a:lnRef idx="2">
+              <a:schemeClr val="accent1">
+                <a:shade val="50000"/>
+              </a:schemeClr>
+            </a:lnRef>
+            <a:fillRef idx="1">
+              <a:schemeClr val="accent1"/>
+            </a:fillRef>
+            <a:effectRef idx="0">
+              <a:schemeClr val="accent1"/>
+            </a:effectRef>
+            <a:fontRef idx="minor">
+              <a:schemeClr val="lt1"/>
+            </a:fontRef>
+          </p:style>
+          <p:txBody>
+            <a:bodyPr lIns="0" tIns="46800" rIns="0" rtlCol="0" anchor="ctr"/>
+            <a:lstStyle/>
+            <a:p>
+              <a:pPr algn="ctr"/>
+              <a:r>
+                <a:rPr lang="pt-BR" sz="900" dirty="0" smtClean="0"/>
+                <a:t></a:t>
+              </a:r>
+              <a:endParaRPr lang="pt-BR" sz="900" dirty="0" smtClean="0"/>
+            </a:p>
+          </p:txBody>
+        </p:sp>
+        <p:sp>
+          <p:nvSpPr>
+            <p:cNvPr id="33" name="Retângulo 32"/>
+            <p:cNvSpPr/>
+            <p:nvPr/>
+          </p:nvSpPr>
+          <p:spPr>
+            <a:xfrm>
+              <a:off x="6300192" y="5445224"/>
+              <a:ext cx="216024" cy="288032"/>
+            </a:xfrm>
+            <a:prstGeom prst="rect">
+              <a:avLst/>
+            </a:prstGeom>
+            <a:solidFill>
+              <a:srgbClr val="FFC000"/>
+            </a:solidFill>
+            <a:ln w="28575">
+              <a:solidFill>
+                <a:schemeClr val="tx1"/>
+              </a:solidFill>
+            </a:ln>
+          </p:spPr>
+          <p:style>
+            <a:lnRef idx="2">
+              <a:schemeClr val="accent1">
+                <a:shade val="50000"/>
+              </a:schemeClr>
+            </a:lnRef>
+            <a:fillRef idx="1">
+              <a:schemeClr val="accent1"/>
+            </a:fillRef>
+            <a:effectRef idx="0">
+              <a:schemeClr val="accent1"/>
+            </a:effectRef>
+            <a:fontRef idx="minor">
+              <a:schemeClr val="lt1"/>
+            </a:fontRef>
+          </p:style>
+          <p:txBody>
+            <a:bodyPr lIns="0" tIns="46800" rIns="0" rtlCol="0" anchor="ctr"/>
+            <a:lstStyle/>
+            <a:p>
+              <a:pPr algn="ctr"/>
+              <a:endParaRPr lang="pt-BR" sz="900" dirty="0" smtClean="0"/>
+            </a:p>
+          </p:txBody>
+        </p:sp>
+        <p:sp>
+          <p:nvSpPr>
+            <p:cNvPr id="34" name="Retângulo 33"/>
+            <p:cNvSpPr/>
+            <p:nvPr/>
+          </p:nvSpPr>
+          <p:spPr>
+            <a:xfrm>
+              <a:off x="6516216" y="5445224"/>
+              <a:ext cx="216024" cy="288032"/>
+            </a:xfrm>
+            <a:prstGeom prst="rect">
+              <a:avLst/>
+            </a:prstGeom>
+            <a:solidFill>
+              <a:srgbClr val="FFC000"/>
+            </a:solidFill>
+            <a:ln w="28575">
+              <a:solidFill>
+                <a:schemeClr val="tx1"/>
+              </a:solidFill>
+            </a:ln>
+          </p:spPr>
+          <p:style>
+            <a:lnRef idx="2">
+              <a:schemeClr val="accent1">
+                <a:shade val="50000"/>
+              </a:schemeClr>
+            </a:lnRef>
+            <a:fillRef idx="1">
+              <a:schemeClr val="accent1"/>
+            </a:fillRef>
+            <a:effectRef idx="0">
+              <a:schemeClr val="accent1"/>
+            </a:effectRef>
+            <a:fontRef idx="minor">
+              <a:schemeClr val="lt1"/>
+            </a:fontRef>
+          </p:style>
+          <p:txBody>
+            <a:bodyPr lIns="0" tIns="46800" rIns="0" rtlCol="0" anchor="ctr"/>
+            <a:lstStyle/>
+            <a:p>
+              <a:pPr algn="ctr"/>
+              <a:endParaRPr lang="pt-BR" sz="900" dirty="0" smtClean="0"/>
+            </a:p>
+          </p:txBody>
+        </p:sp>
+        <p:sp>
+          <p:nvSpPr>
+            <p:cNvPr id="35" name="Retângulo 34"/>
+            <p:cNvSpPr/>
+            <p:nvPr/>
+          </p:nvSpPr>
+          <p:spPr>
+            <a:xfrm>
+              <a:off x="6732240" y="5445224"/>
+              <a:ext cx="216024" cy="288032"/>
+            </a:xfrm>
+            <a:prstGeom prst="rect">
+              <a:avLst/>
+            </a:prstGeom>
+            <a:solidFill>
+              <a:srgbClr val="FFC000"/>
+            </a:solidFill>
+            <a:ln w="28575">
+              <a:solidFill>
+                <a:schemeClr val="tx1"/>
+              </a:solidFill>
+            </a:ln>
+          </p:spPr>
+          <p:style>
+            <a:lnRef idx="2">
+              <a:schemeClr val="accent1">
+                <a:shade val="50000"/>
+              </a:schemeClr>
+            </a:lnRef>
+            <a:fillRef idx="1">
+              <a:schemeClr val="accent1"/>
+            </a:fillRef>
+            <a:effectRef idx="0">
+              <a:schemeClr val="accent1"/>
+            </a:effectRef>
+            <a:fontRef idx="minor">
+              <a:schemeClr val="lt1"/>
+            </a:fontRef>
+          </p:style>
+          <p:txBody>
+            <a:bodyPr lIns="0" tIns="46800" rIns="0" rtlCol="0" anchor="ctr"/>
+            <a:lstStyle/>
+            <a:p>
+              <a:pPr algn="ctr"/>
+              <a:r>
+                <a:rPr lang="pt-BR" sz="900" dirty="0" smtClean="0"/>
+                <a:t></a:t>
+              </a:r>
+              <a:endParaRPr lang="pt-BR" sz="900" dirty="0" smtClean="0"/>
+            </a:p>
+          </p:txBody>
+        </p:sp>
+        <p:sp>
+          <p:nvSpPr>
+            <p:cNvPr id="36" name="Retângulo 35"/>
+            <p:cNvSpPr/>
+            <p:nvPr/>
+          </p:nvSpPr>
+          <p:spPr>
+            <a:xfrm>
+              <a:off x="6948264" y="5445224"/>
+              <a:ext cx="720080" cy="288032"/>
+            </a:xfrm>
+            <a:prstGeom prst="rect">
+              <a:avLst/>
+            </a:prstGeom>
+            <a:solidFill>
+              <a:srgbClr val="FFC000"/>
+            </a:solidFill>
+            <a:ln w="28575">
+              <a:solidFill>
+                <a:schemeClr val="tx1"/>
+              </a:solidFill>
+            </a:ln>
+          </p:spPr>
+          <p:style>
+            <a:lnRef idx="2">
+              <a:schemeClr val="accent1">
+                <a:shade val="50000"/>
+              </a:schemeClr>
+            </a:lnRef>
+            <a:fillRef idx="1">
+              <a:schemeClr val="accent1"/>
+            </a:fillRef>
+            <a:effectRef idx="0">
+              <a:schemeClr val="accent1"/>
+            </a:effectRef>
+            <a:fontRef idx="minor">
+              <a:schemeClr val="lt1"/>
+            </a:fontRef>
+          </p:style>
+          <p:txBody>
+            <a:bodyPr lIns="0" tIns="46800" rIns="0" rtlCol="0" anchor="ctr"/>
+            <a:lstStyle/>
+            <a:p>
+              <a:pPr algn="ctr"/>
+              <a:r>
+                <a:rPr lang="pt-BR" sz="900" dirty="0" smtClean="0"/>
+                <a:t>...</a:t>
+              </a:r>
+            </a:p>
+          </p:txBody>
+        </p:sp>
+        <p:sp>
+          <p:nvSpPr>
+            <p:cNvPr id="37" name="Retângulo 36"/>
+            <p:cNvSpPr/>
+            <p:nvPr/>
+          </p:nvSpPr>
+          <p:spPr>
+            <a:xfrm>
+              <a:off x="7668344" y="5445224"/>
+              <a:ext cx="216024" cy="288032"/>
+            </a:xfrm>
+            <a:prstGeom prst="rect">
+              <a:avLst/>
+            </a:prstGeom>
+            <a:solidFill>
+              <a:srgbClr val="FFC000"/>
+            </a:solidFill>
+            <a:ln w="28575">
+              <a:solidFill>
+                <a:schemeClr val="tx1"/>
+              </a:solidFill>
+            </a:ln>
+          </p:spPr>
+          <p:style>
+            <a:lnRef idx="2">
+              <a:schemeClr val="accent1">
+                <a:shade val="50000"/>
+              </a:schemeClr>
+            </a:lnRef>
+            <a:fillRef idx="1">
+              <a:schemeClr val="accent1"/>
+            </a:fillRef>
+            <a:effectRef idx="0">
+              <a:schemeClr val="accent1"/>
+            </a:effectRef>
+            <a:fontRef idx="minor">
+              <a:schemeClr val="lt1"/>
+            </a:fontRef>
+          </p:style>
+          <p:txBody>
+            <a:bodyPr lIns="0" tIns="46800" rIns="0" rtlCol="0" anchor="ctr"/>
+            <a:lstStyle/>
+            <a:p>
+              <a:pPr algn="ctr"/>
+              <a:endParaRPr lang="pt-BR" sz="900" dirty="0" smtClean="0"/>
+            </a:p>
+          </p:txBody>
+        </p:sp>
+        <p:sp>
+          <p:nvSpPr>
+            <p:cNvPr id="38" name="Retângulo 37"/>
+            <p:cNvSpPr/>
+            <p:nvPr/>
+          </p:nvSpPr>
+          <p:spPr>
+            <a:xfrm>
+              <a:off x="7884368" y="5445224"/>
+              <a:ext cx="216024" cy="288032"/>
+            </a:xfrm>
+            <a:prstGeom prst="rect">
+              <a:avLst/>
+            </a:prstGeom>
+            <a:solidFill>
+              <a:srgbClr val="FFC000"/>
+            </a:solidFill>
+            <a:ln w="28575">
+              <a:solidFill>
+                <a:schemeClr val="tx1"/>
+              </a:solidFill>
+            </a:ln>
+          </p:spPr>
+          <p:style>
+            <a:lnRef idx="2">
+              <a:schemeClr val="accent1">
+                <a:shade val="50000"/>
+              </a:schemeClr>
+            </a:lnRef>
+            <a:fillRef idx="1">
+              <a:schemeClr val="accent1"/>
+            </a:fillRef>
+            <a:effectRef idx="0">
+              <a:schemeClr val="accent1"/>
+            </a:effectRef>
+            <a:fontRef idx="minor">
+              <a:schemeClr val="lt1"/>
+            </a:fontRef>
+          </p:style>
+          <p:txBody>
+            <a:bodyPr lIns="0" tIns="46800" rIns="0" rtlCol="0" anchor="ctr"/>
+            <a:lstStyle/>
+            <a:p>
+              <a:pPr algn="ctr"/>
+              <a:endParaRPr lang="pt-BR" sz="900" dirty="0" smtClean="0"/>
+            </a:p>
+          </p:txBody>
+        </p:sp>
+        <p:sp>
+          <p:nvSpPr>
+            <p:cNvPr id="39" name="Retângulo 38"/>
+            <p:cNvSpPr/>
+            <p:nvPr/>
+          </p:nvSpPr>
+          <p:spPr>
+            <a:xfrm>
+              <a:off x="8100392" y="5445224"/>
+              <a:ext cx="216024" cy="288032"/>
+            </a:xfrm>
+            <a:prstGeom prst="rect">
+              <a:avLst/>
+            </a:prstGeom>
+            <a:solidFill>
+              <a:srgbClr val="FFC000"/>
+            </a:solidFill>
+            <a:ln w="28575">
+              <a:solidFill>
+                <a:schemeClr val="tx1"/>
+              </a:solidFill>
+            </a:ln>
+          </p:spPr>
+          <p:style>
+            <a:lnRef idx="2">
+              <a:schemeClr val="accent1">
+                <a:shade val="50000"/>
+              </a:schemeClr>
+            </a:lnRef>
+            <a:fillRef idx="1">
+              <a:schemeClr val="accent1"/>
+            </a:fillRef>
+            <a:effectRef idx="0">
+              <a:schemeClr val="accent1"/>
+            </a:effectRef>
+            <a:fontRef idx="minor">
+              <a:schemeClr val="lt1"/>
+            </a:fontRef>
+          </p:style>
+          <p:txBody>
+            <a:bodyPr lIns="0" tIns="46800" rIns="0" rtlCol="0" anchor="ctr"/>
+            <a:lstStyle/>
+            <a:p>
+              <a:pPr algn="ctr"/>
+              <a:endParaRPr lang="pt-BR" sz="900" dirty="0" smtClean="0"/>
+            </a:p>
+          </p:txBody>
+        </p:sp>
+        <p:sp>
+          <p:nvSpPr>
+            <p:cNvPr id="40" name="Retângulo 39"/>
+            <p:cNvSpPr/>
+            <p:nvPr/>
+          </p:nvSpPr>
+          <p:spPr>
+            <a:xfrm>
+              <a:off x="8316416" y="5445224"/>
+              <a:ext cx="216024" cy="288032"/>
+            </a:xfrm>
+            <a:prstGeom prst="rect">
+              <a:avLst/>
+            </a:prstGeom>
+            <a:solidFill>
+              <a:srgbClr val="FFC000"/>
+            </a:solidFill>
+            <a:ln w="28575">
+              <a:solidFill>
+                <a:schemeClr val="tx1"/>
+              </a:solidFill>
+            </a:ln>
+          </p:spPr>
+          <p:style>
+            <a:lnRef idx="2">
+              <a:schemeClr val="accent1">
+                <a:shade val="50000"/>
+              </a:schemeClr>
+            </a:lnRef>
+            <a:fillRef idx="1">
+              <a:schemeClr val="accent1"/>
+            </a:fillRef>
+            <a:effectRef idx="0">
+              <a:schemeClr val="accent1"/>
+            </a:effectRef>
+            <a:fontRef idx="minor">
+              <a:schemeClr val="lt1"/>
+            </a:fontRef>
+          </p:style>
+          <p:txBody>
+            <a:bodyPr lIns="0" tIns="46800" rIns="0" rtlCol="0" anchor="ctr"/>
+            <a:lstStyle/>
+            <a:p>
+              <a:pPr algn="ctr"/>
+              <a:endParaRPr lang="pt-BR" sz="900" dirty="0" smtClean="0"/>
+            </a:p>
+          </p:txBody>
+        </p:sp>
+      </p:grpSp>
+      <p:sp>
+        <p:nvSpPr>
+          <p:cNvPr id="42" name="Retângulo 41"/>
+          <p:cNvSpPr/>
+          <p:nvPr/>
+        </p:nvSpPr>
+        <p:spPr>
+          <a:xfrm>
+            <a:off x="611560" y="4725144"/>
+            <a:ext cx="792088" cy="360040"/>
+          </a:xfrm>
+          <a:prstGeom prst="rect">
+            <a:avLst/>
+          </a:prstGeom>
+          <a:noFill/>
+          <a:ln>
+            <a:noFill/>
+          </a:ln>
+        </p:spPr>
+        <p:style>
+          <a:lnRef idx="2">
+            <a:schemeClr val="accent1">
+              <a:shade val="50000"/>
+            </a:schemeClr>
+          </a:lnRef>
+          <a:fillRef idx="1">
+            <a:schemeClr val="accent1"/>
+          </a:fillRef>
+          <a:effectRef idx="0">
+            <a:schemeClr val="accent1"/>
+          </a:effectRef>
+          <a:fontRef idx="minor">
+            <a:schemeClr val="lt1"/>
+          </a:fontRef>
+        </p:style>
+        <p:txBody>
+          <a:bodyPr rtlCol="0" anchor="ctr"/>
+          <a:lstStyle/>
+          <a:p>
+            <a:pPr algn="ctr"/>
+            <a:r>
+              <a:rPr lang="pt-BR" sz="1600" dirty="0" smtClean="0"/>
+              <a:t>nome</a:t>
+            </a:r>
+            <a:endParaRPr lang="pt-BR" sz="1600" dirty="0"/>
+          </a:p>
+        </p:txBody>
+      </p:sp>
+      <p:sp>
+        <p:nvSpPr>
+          <p:cNvPr id="43" name="Retângulo 42"/>
+          <p:cNvSpPr/>
+          <p:nvPr/>
+        </p:nvSpPr>
+        <p:spPr>
+          <a:xfrm>
+            <a:off x="1475656" y="4725144"/>
+            <a:ext cx="576064" cy="360040"/>
+          </a:xfrm>
+          <a:prstGeom prst="rect">
+            <a:avLst/>
+          </a:prstGeom>
+          <a:noFill/>
+          <a:ln>
+            <a:noFill/>
+          </a:ln>
+        </p:spPr>
+        <p:style>
+          <a:lnRef idx="2">
+            <a:schemeClr val="accent1">
+              <a:shade val="50000"/>
+            </a:schemeClr>
+          </a:lnRef>
+          <a:fillRef idx="1">
+            <a:schemeClr val="accent1"/>
+          </a:fillRef>
+          <a:effectRef idx="0">
+            <a:schemeClr val="accent1"/>
+          </a:effectRef>
+          <a:fontRef idx="minor">
+            <a:schemeClr val="lt1"/>
+          </a:fontRef>
+        </p:style>
+        <p:txBody>
+          <a:bodyPr rtlCol="0" anchor="ctr"/>
+          <a:lstStyle/>
+          <a:p>
+            <a:pPr algn="ctr"/>
+            <a:r>
+              <a:rPr lang="pt-BR" sz="1600" dirty="0" err="1" smtClean="0"/>
+              <a:t>tel</a:t>
+            </a:r>
+            <a:endParaRPr lang="pt-BR" sz="1600" dirty="0"/>
+          </a:p>
+        </p:txBody>
+      </p:sp>
+      <p:sp>
+        <p:nvSpPr>
+          <p:cNvPr id="44" name="Retângulo 43"/>
+          <p:cNvSpPr/>
+          <p:nvPr/>
+        </p:nvSpPr>
+        <p:spPr>
+          <a:xfrm>
+            <a:off x="1907704" y="4725144"/>
+            <a:ext cx="1080120" cy="360040"/>
+          </a:xfrm>
+          <a:prstGeom prst="rect">
+            <a:avLst/>
+          </a:prstGeom>
+          <a:noFill/>
+          <a:ln>
+            <a:noFill/>
+          </a:ln>
+        </p:spPr>
+        <p:style>
+          <a:lnRef idx="2">
+            <a:schemeClr val="accent1">
+              <a:shade val="50000"/>
+            </a:schemeClr>
+          </a:lnRef>
+          <a:fillRef idx="1">
+            <a:schemeClr val="accent1"/>
+          </a:fillRef>
+          <a:effectRef idx="0">
+            <a:schemeClr val="accent1"/>
+          </a:effectRef>
+          <a:fontRef idx="minor">
+            <a:schemeClr val="lt1"/>
+          </a:fontRef>
+        </p:style>
+        <p:txBody>
+          <a:bodyPr rtlCol="0" anchor="ctr"/>
+          <a:lstStyle/>
+          <a:p>
+            <a:pPr algn="ctr"/>
+            <a:r>
+              <a:rPr lang="pt-BR" sz="1600" dirty="0" err="1" smtClean="0"/>
+              <a:t>endereco</a:t>
+            </a:r>
+            <a:endParaRPr lang="pt-BR" sz="1600" dirty="0"/>
+          </a:p>
+        </p:txBody>
+      </p:sp>
+      <p:sp>
+        <p:nvSpPr>
+          <p:cNvPr id="45" name="Chave direita 44"/>
+          <p:cNvSpPr/>
+          <p:nvPr/>
+        </p:nvSpPr>
+        <p:spPr>
+          <a:xfrm rot="16200000">
+            <a:off x="899592" y="4725144"/>
+            <a:ext cx="216024" cy="1080120"/>
+          </a:xfrm>
+          <a:prstGeom prst="rightBrace">
+            <a:avLst/>
+          </a:prstGeom>
+          <a:ln w="28575">
+            <a:solidFill>
+              <a:schemeClr val="tx1"/>
+            </a:solidFill>
+          </a:ln>
+        </p:spPr>
+        <p:style>
+          <a:lnRef idx="1">
+            <a:schemeClr val="accent1"/>
+          </a:lnRef>
+          <a:fillRef idx="0">
+            <a:schemeClr val="accent1"/>
+          </a:fillRef>
+          <a:effectRef idx="0">
+            <a:schemeClr val="accent1"/>
+          </a:effectRef>
+          <a:fontRef idx="minor">
+            <a:schemeClr val="tx1"/>
+          </a:fontRef>
+        </p:style>
+        <p:txBody>
+          <a:bodyPr rtlCol="0" anchor="ctr"/>
+          <a:lstStyle/>
+          <a:p>
+            <a:pPr algn="ctr"/>
+            <a:endParaRPr lang="pt-BR"/>
+          </a:p>
+        </p:txBody>
+      </p:sp>
+      <p:sp>
+        <p:nvSpPr>
+          <p:cNvPr id="46" name="Chave direita 45"/>
+          <p:cNvSpPr/>
+          <p:nvPr/>
+        </p:nvSpPr>
+        <p:spPr>
+          <a:xfrm rot="16200000">
+            <a:off x="1655676" y="5049180"/>
+            <a:ext cx="216024" cy="432048"/>
+          </a:xfrm>
+          <a:prstGeom prst="rightBrace">
+            <a:avLst/>
+          </a:prstGeom>
+          <a:ln w="28575">
+            <a:solidFill>
+              <a:schemeClr val="tx1"/>
+            </a:solidFill>
+          </a:ln>
+        </p:spPr>
+        <p:style>
+          <a:lnRef idx="1">
+            <a:schemeClr val="accent1"/>
+          </a:lnRef>
+          <a:fillRef idx="0">
+            <a:schemeClr val="accent1"/>
+          </a:fillRef>
+          <a:effectRef idx="0">
+            <a:schemeClr val="accent1"/>
+          </a:effectRef>
+          <a:fontRef idx="minor">
+            <a:schemeClr val="tx1"/>
+          </a:fontRef>
+        </p:style>
+        <p:txBody>
+          <a:bodyPr rtlCol="0" anchor="ctr"/>
+          <a:lstStyle/>
+          <a:p>
+            <a:pPr algn="ctr"/>
+            <a:endParaRPr lang="pt-BR"/>
+          </a:p>
+        </p:txBody>
+      </p:sp>
+      <p:sp>
+        <p:nvSpPr>
+          <p:cNvPr id="47" name="Chave direita 46"/>
+          <p:cNvSpPr/>
+          <p:nvPr/>
+        </p:nvSpPr>
+        <p:spPr>
+          <a:xfrm rot="16200000">
+            <a:off x="2303748" y="4833156"/>
+            <a:ext cx="216024" cy="864096"/>
+          </a:xfrm>
+          <a:prstGeom prst="rightBrace">
+            <a:avLst/>
+          </a:prstGeom>
+          <a:ln w="28575">
+            <a:solidFill>
+              <a:schemeClr val="tx1"/>
+            </a:solidFill>
+          </a:ln>
+        </p:spPr>
+        <p:style>
+          <a:lnRef idx="1">
+            <a:schemeClr val="accent1"/>
+          </a:lnRef>
+          <a:fillRef idx="0">
+            <a:schemeClr val="accent1"/>
+          </a:fillRef>
+          <a:effectRef idx="0">
+            <a:schemeClr val="accent1"/>
+          </a:effectRef>
+          <a:fontRef idx="minor">
+            <a:schemeClr val="tx1"/>
+          </a:fontRef>
+        </p:style>
+        <p:txBody>
+          <a:bodyPr rtlCol="0" anchor="ctr"/>
+          <a:lstStyle/>
+          <a:p>
+            <a:pPr algn="ctr"/>
+            <a:endParaRPr lang="pt-BR"/>
+          </a:p>
+        </p:txBody>
+      </p:sp>
+      <p:sp>
+        <p:nvSpPr>
+          <p:cNvPr id="48" name="Retângulo 47"/>
+          <p:cNvSpPr/>
+          <p:nvPr/>
+        </p:nvSpPr>
+        <p:spPr>
+          <a:xfrm>
+            <a:off x="2987824" y="4725144"/>
+            <a:ext cx="792088" cy="360040"/>
+          </a:xfrm>
+          <a:prstGeom prst="rect">
+            <a:avLst/>
+          </a:prstGeom>
+          <a:noFill/>
+          <a:ln>
+            <a:noFill/>
+          </a:ln>
+        </p:spPr>
+        <p:style>
+          <a:lnRef idx="2">
+            <a:schemeClr val="accent1">
+              <a:shade val="50000"/>
+            </a:schemeClr>
+          </a:lnRef>
+          <a:fillRef idx="1">
+            <a:schemeClr val="accent1"/>
+          </a:fillRef>
+          <a:effectRef idx="0">
+            <a:schemeClr val="accent1"/>
+          </a:effectRef>
+          <a:fontRef idx="minor">
+            <a:schemeClr val="lt1"/>
+          </a:fontRef>
+        </p:style>
+        <p:txBody>
+          <a:bodyPr rtlCol="0" anchor="ctr"/>
+          <a:lstStyle/>
+          <a:p>
+            <a:pPr algn="ctr"/>
+            <a:r>
+              <a:rPr lang="pt-BR" sz="1600" dirty="0" smtClean="0"/>
+              <a:t>nome</a:t>
+            </a:r>
+            <a:endParaRPr lang="pt-BR" sz="1600" dirty="0"/>
+          </a:p>
+        </p:txBody>
+      </p:sp>
+      <p:sp>
+        <p:nvSpPr>
+          <p:cNvPr id="49" name="Retângulo 48"/>
+          <p:cNvSpPr/>
+          <p:nvPr/>
+        </p:nvSpPr>
+        <p:spPr>
+          <a:xfrm>
+            <a:off x="3851920" y="4725144"/>
+            <a:ext cx="576064" cy="360040"/>
+          </a:xfrm>
+          <a:prstGeom prst="rect">
+            <a:avLst/>
+          </a:prstGeom>
+          <a:noFill/>
+          <a:ln>
+            <a:noFill/>
+          </a:ln>
+        </p:spPr>
+        <p:style>
+          <a:lnRef idx="2">
+            <a:schemeClr val="accent1">
+              <a:shade val="50000"/>
+            </a:schemeClr>
+          </a:lnRef>
+          <a:fillRef idx="1">
+            <a:schemeClr val="accent1"/>
+          </a:fillRef>
+          <a:effectRef idx="0">
+            <a:schemeClr val="accent1"/>
+          </a:effectRef>
+          <a:fontRef idx="minor">
+            <a:schemeClr val="lt1"/>
+          </a:fontRef>
+        </p:style>
+        <p:txBody>
+          <a:bodyPr rtlCol="0" anchor="ctr"/>
+          <a:lstStyle/>
+          <a:p>
+            <a:pPr algn="ctr"/>
+            <a:r>
+              <a:rPr lang="pt-BR" sz="1600" dirty="0" err="1" smtClean="0"/>
+              <a:t>tel</a:t>
+            </a:r>
+            <a:endParaRPr lang="pt-BR" sz="1600" dirty="0"/>
+          </a:p>
+        </p:txBody>
+      </p:sp>
+      <p:sp>
+        <p:nvSpPr>
+          <p:cNvPr id="50" name="Retângulo 49"/>
+          <p:cNvSpPr/>
+          <p:nvPr/>
+        </p:nvSpPr>
+        <p:spPr>
+          <a:xfrm>
+            <a:off x="4283968" y="4725144"/>
+            <a:ext cx="1152128" cy="360040"/>
+          </a:xfrm>
+          <a:prstGeom prst="rect">
+            <a:avLst/>
+          </a:prstGeom>
+          <a:noFill/>
+          <a:ln>
+            <a:noFill/>
+          </a:ln>
+        </p:spPr>
+        <p:style>
+          <a:lnRef idx="2">
+            <a:schemeClr val="accent1">
+              <a:shade val="50000"/>
+            </a:schemeClr>
+          </a:lnRef>
+          <a:fillRef idx="1">
+            <a:schemeClr val="accent1"/>
+          </a:fillRef>
+          <a:effectRef idx="0">
+            <a:schemeClr val="accent1"/>
+          </a:effectRef>
+          <a:fontRef idx="minor">
+            <a:schemeClr val="lt1"/>
+          </a:fontRef>
+        </p:style>
+        <p:txBody>
+          <a:bodyPr rtlCol="0" anchor="ctr"/>
+          <a:lstStyle/>
+          <a:p>
+            <a:pPr algn="ctr"/>
+            <a:r>
+              <a:rPr lang="pt-BR" sz="1600" dirty="0" err="1" smtClean="0"/>
+              <a:t>endereco</a:t>
+            </a:r>
+            <a:endParaRPr lang="pt-BR" sz="1600" dirty="0"/>
+          </a:p>
+        </p:txBody>
+      </p:sp>
+      <p:sp>
+        <p:nvSpPr>
+          <p:cNvPr id="51" name="Chave direita 50"/>
+          <p:cNvSpPr/>
+          <p:nvPr/>
+        </p:nvSpPr>
+        <p:spPr>
+          <a:xfrm rot="16200000">
+            <a:off x="3275856" y="4725144"/>
+            <a:ext cx="216024" cy="1080120"/>
+          </a:xfrm>
+          <a:prstGeom prst="rightBrace">
+            <a:avLst/>
+          </a:prstGeom>
+          <a:ln w="28575">
+            <a:solidFill>
+              <a:schemeClr val="tx1"/>
+            </a:solidFill>
+          </a:ln>
+        </p:spPr>
+        <p:style>
+          <a:lnRef idx="1">
+            <a:schemeClr val="accent1"/>
+          </a:lnRef>
+          <a:fillRef idx="0">
+            <a:schemeClr val="accent1"/>
+          </a:fillRef>
+          <a:effectRef idx="0">
+            <a:schemeClr val="accent1"/>
+          </a:effectRef>
+          <a:fontRef idx="minor">
+            <a:schemeClr val="tx1"/>
+          </a:fontRef>
+        </p:style>
+        <p:txBody>
+          <a:bodyPr rtlCol="0" anchor="ctr"/>
+          <a:lstStyle/>
+          <a:p>
+            <a:pPr algn="ctr"/>
+            <a:endParaRPr lang="pt-BR"/>
+          </a:p>
+        </p:txBody>
+      </p:sp>
+      <p:sp>
+        <p:nvSpPr>
+          <p:cNvPr id="52" name="Chave direita 51"/>
+          <p:cNvSpPr/>
+          <p:nvPr/>
+        </p:nvSpPr>
+        <p:spPr>
+          <a:xfrm rot="16200000">
+            <a:off x="4031940" y="5049180"/>
+            <a:ext cx="216024" cy="432048"/>
+          </a:xfrm>
+          <a:prstGeom prst="rightBrace">
+            <a:avLst/>
+          </a:prstGeom>
+          <a:ln w="28575">
+            <a:solidFill>
+              <a:schemeClr val="tx1"/>
+            </a:solidFill>
+          </a:ln>
+        </p:spPr>
+        <p:style>
+          <a:lnRef idx="1">
+            <a:schemeClr val="accent1"/>
+          </a:lnRef>
+          <a:fillRef idx="0">
+            <a:schemeClr val="accent1"/>
+          </a:fillRef>
+          <a:effectRef idx="0">
+            <a:schemeClr val="accent1"/>
+          </a:effectRef>
+          <a:fontRef idx="minor">
+            <a:schemeClr val="tx1"/>
+          </a:fontRef>
+        </p:style>
+        <p:txBody>
+          <a:bodyPr rtlCol="0" anchor="ctr"/>
+          <a:lstStyle/>
+          <a:p>
+            <a:pPr algn="ctr"/>
+            <a:endParaRPr lang="pt-BR"/>
+          </a:p>
+        </p:txBody>
+      </p:sp>
+      <p:sp>
+        <p:nvSpPr>
+          <p:cNvPr id="53" name="Chave direita 52"/>
+          <p:cNvSpPr/>
+          <p:nvPr/>
+        </p:nvSpPr>
+        <p:spPr>
+          <a:xfrm rot="16200000">
+            <a:off x="4680012" y="4833156"/>
+            <a:ext cx="216024" cy="864096"/>
+          </a:xfrm>
+          <a:prstGeom prst="rightBrace">
+            <a:avLst/>
+          </a:prstGeom>
+          <a:ln w="28575">
+            <a:solidFill>
+              <a:schemeClr val="tx1"/>
+            </a:solidFill>
+          </a:ln>
+        </p:spPr>
+        <p:style>
+          <a:lnRef idx="1">
+            <a:schemeClr val="accent1"/>
+          </a:lnRef>
+          <a:fillRef idx="0">
+            <a:schemeClr val="accent1"/>
+          </a:fillRef>
+          <a:effectRef idx="0">
+            <a:schemeClr val="accent1"/>
+          </a:effectRef>
+          <a:fontRef idx="minor">
+            <a:schemeClr val="tx1"/>
+          </a:fontRef>
+        </p:style>
+        <p:txBody>
+          <a:bodyPr rtlCol="0" anchor="ctr"/>
+          <a:lstStyle/>
+          <a:p>
+            <a:pPr algn="ctr"/>
+            <a:endParaRPr lang="pt-BR"/>
+          </a:p>
+        </p:txBody>
+      </p:sp>
+      <p:sp>
+        <p:nvSpPr>
+          <p:cNvPr id="54" name="Retângulo 53"/>
+          <p:cNvSpPr/>
+          <p:nvPr/>
+        </p:nvSpPr>
+        <p:spPr>
+          <a:xfrm>
+            <a:off x="5364088" y="4725144"/>
+            <a:ext cx="792088" cy="360040"/>
+          </a:xfrm>
+          <a:prstGeom prst="rect">
+            <a:avLst/>
+          </a:prstGeom>
+          <a:noFill/>
+          <a:ln>
+            <a:noFill/>
+          </a:ln>
+        </p:spPr>
+        <p:style>
+          <a:lnRef idx="2">
+            <a:schemeClr val="accent1">
+              <a:shade val="50000"/>
+            </a:schemeClr>
+          </a:lnRef>
+          <a:fillRef idx="1">
+            <a:schemeClr val="accent1"/>
+          </a:fillRef>
+          <a:effectRef idx="0">
+            <a:schemeClr val="accent1"/>
+          </a:effectRef>
+          <a:fontRef idx="minor">
+            <a:schemeClr val="lt1"/>
+          </a:fontRef>
+        </p:style>
+        <p:txBody>
+          <a:bodyPr rtlCol="0" anchor="ctr"/>
+          <a:lstStyle/>
+          <a:p>
+            <a:pPr algn="ctr"/>
+            <a:r>
+              <a:rPr lang="pt-BR" sz="1600" dirty="0" smtClean="0"/>
+              <a:t>nome</a:t>
+            </a:r>
+            <a:endParaRPr lang="pt-BR" sz="1600" dirty="0"/>
+          </a:p>
+        </p:txBody>
+      </p:sp>
+      <p:sp>
+        <p:nvSpPr>
+          <p:cNvPr id="55" name="Retângulo 54"/>
+          <p:cNvSpPr/>
+          <p:nvPr/>
+        </p:nvSpPr>
+        <p:spPr>
+          <a:xfrm>
+            <a:off x="6228184" y="4725144"/>
+            <a:ext cx="576064" cy="360040"/>
+          </a:xfrm>
+          <a:prstGeom prst="rect">
+            <a:avLst/>
+          </a:prstGeom>
+          <a:noFill/>
+          <a:ln>
+            <a:noFill/>
+          </a:ln>
+        </p:spPr>
+        <p:style>
+          <a:lnRef idx="2">
+            <a:schemeClr val="accent1">
+              <a:shade val="50000"/>
+            </a:schemeClr>
+          </a:lnRef>
+          <a:fillRef idx="1">
+            <a:schemeClr val="accent1"/>
+          </a:fillRef>
+          <a:effectRef idx="0">
+            <a:schemeClr val="accent1"/>
+          </a:effectRef>
+          <a:fontRef idx="minor">
+            <a:schemeClr val="lt1"/>
+          </a:fontRef>
+        </p:style>
+        <p:txBody>
+          <a:bodyPr rtlCol="0" anchor="ctr"/>
+          <a:lstStyle/>
+          <a:p>
+            <a:pPr algn="ctr"/>
+            <a:r>
+              <a:rPr lang="pt-BR" sz="1600" dirty="0" err="1" smtClean="0"/>
+              <a:t>tel</a:t>
+            </a:r>
+            <a:endParaRPr lang="pt-BR" sz="1600" dirty="0"/>
+          </a:p>
+        </p:txBody>
+      </p:sp>
+      <p:sp>
+        <p:nvSpPr>
+          <p:cNvPr id="56" name="Retângulo 55"/>
+          <p:cNvSpPr/>
+          <p:nvPr/>
+        </p:nvSpPr>
+        <p:spPr>
+          <a:xfrm>
+            <a:off x="6660232" y="4725144"/>
+            <a:ext cx="1152128" cy="360040"/>
+          </a:xfrm>
+          <a:prstGeom prst="rect">
+            <a:avLst/>
+          </a:prstGeom>
+          <a:noFill/>
+          <a:ln>
+            <a:noFill/>
+          </a:ln>
+        </p:spPr>
+        <p:style>
+          <a:lnRef idx="2">
+            <a:schemeClr val="accent1">
+              <a:shade val="50000"/>
+            </a:schemeClr>
+          </a:lnRef>
+          <a:fillRef idx="1">
+            <a:schemeClr val="accent1"/>
+          </a:fillRef>
+          <a:effectRef idx="0">
+            <a:schemeClr val="accent1"/>
+          </a:effectRef>
+          <a:fontRef idx="minor">
+            <a:schemeClr val="lt1"/>
+          </a:fontRef>
+        </p:style>
+        <p:txBody>
+          <a:bodyPr rtlCol="0" anchor="ctr"/>
+          <a:lstStyle/>
+          <a:p>
+            <a:pPr algn="ctr"/>
+            <a:r>
+              <a:rPr lang="pt-BR" sz="1600" dirty="0" err="1" smtClean="0"/>
+              <a:t>endereco</a:t>
+            </a:r>
+            <a:endParaRPr lang="pt-BR" sz="1600" dirty="0"/>
+          </a:p>
+        </p:txBody>
+      </p:sp>
+      <p:sp>
+        <p:nvSpPr>
+          <p:cNvPr id="57" name="Chave direita 56"/>
+          <p:cNvSpPr/>
+          <p:nvPr/>
+        </p:nvSpPr>
+        <p:spPr>
+          <a:xfrm rot="16200000">
+            <a:off x="5652120" y="4725144"/>
+            <a:ext cx="216024" cy="1080120"/>
+          </a:xfrm>
+          <a:prstGeom prst="rightBrace">
+            <a:avLst/>
+          </a:prstGeom>
+          <a:ln w="28575">
+            <a:solidFill>
+              <a:schemeClr val="tx1"/>
+            </a:solidFill>
+          </a:ln>
+        </p:spPr>
+        <p:style>
+          <a:lnRef idx="1">
+            <a:schemeClr val="accent1"/>
+          </a:lnRef>
+          <a:fillRef idx="0">
+            <a:schemeClr val="accent1"/>
+          </a:fillRef>
+          <a:effectRef idx="0">
+            <a:schemeClr val="accent1"/>
+          </a:effectRef>
+          <a:fontRef idx="minor">
+            <a:schemeClr val="tx1"/>
+          </a:fontRef>
+        </p:style>
+        <p:txBody>
+          <a:bodyPr rtlCol="0" anchor="ctr"/>
+          <a:lstStyle/>
+          <a:p>
+            <a:pPr algn="ctr"/>
+            <a:endParaRPr lang="pt-BR"/>
+          </a:p>
+        </p:txBody>
+      </p:sp>
+      <p:sp>
+        <p:nvSpPr>
+          <p:cNvPr id="58" name="Chave direita 57"/>
+          <p:cNvSpPr/>
+          <p:nvPr/>
+        </p:nvSpPr>
+        <p:spPr>
+          <a:xfrm rot="16200000">
+            <a:off x="6408204" y="5049180"/>
+            <a:ext cx="216024" cy="432048"/>
+          </a:xfrm>
+          <a:prstGeom prst="rightBrace">
+            <a:avLst/>
+          </a:prstGeom>
+          <a:ln w="28575">
+            <a:solidFill>
+              <a:schemeClr val="tx1"/>
+            </a:solidFill>
+          </a:ln>
+        </p:spPr>
+        <p:style>
+          <a:lnRef idx="1">
+            <a:schemeClr val="accent1"/>
+          </a:lnRef>
+          <a:fillRef idx="0">
+            <a:schemeClr val="accent1"/>
+          </a:fillRef>
+          <a:effectRef idx="0">
+            <a:schemeClr val="accent1"/>
+          </a:effectRef>
+          <a:fontRef idx="minor">
+            <a:schemeClr val="tx1"/>
+          </a:fontRef>
+        </p:style>
+        <p:txBody>
+          <a:bodyPr rtlCol="0" anchor="ctr"/>
+          <a:lstStyle/>
+          <a:p>
+            <a:pPr algn="ctr"/>
+            <a:endParaRPr lang="pt-BR"/>
+          </a:p>
+        </p:txBody>
+      </p:sp>
+      <p:sp>
+        <p:nvSpPr>
+          <p:cNvPr id="59" name="Chave direita 58"/>
+          <p:cNvSpPr/>
+          <p:nvPr/>
+        </p:nvSpPr>
+        <p:spPr>
+          <a:xfrm rot="16200000">
+            <a:off x="7056276" y="4833156"/>
+            <a:ext cx="216024" cy="864096"/>
+          </a:xfrm>
+          <a:prstGeom prst="rightBrace">
+            <a:avLst/>
+          </a:prstGeom>
+          <a:ln w="28575">
+            <a:solidFill>
+              <a:schemeClr val="tx1"/>
+            </a:solidFill>
+          </a:ln>
+        </p:spPr>
+        <p:style>
+          <a:lnRef idx="1">
+            <a:schemeClr val="accent1"/>
+          </a:lnRef>
+          <a:fillRef idx="0">
+            <a:schemeClr val="accent1"/>
+          </a:fillRef>
+          <a:effectRef idx="0">
+            <a:schemeClr val="accent1"/>
+          </a:effectRef>
+          <a:fontRef idx="minor">
+            <a:schemeClr val="tx1"/>
+          </a:fontRef>
+        </p:style>
+        <p:txBody>
+          <a:bodyPr rtlCol="0" anchor="ctr"/>
+          <a:lstStyle/>
+          <a:p>
+            <a:pPr algn="ctr"/>
+            <a:endParaRPr lang="pt-BR"/>
+          </a:p>
+        </p:txBody>
+      </p:sp>
     </p:spTree>
   </p:cSld>
   <p:clrMapOvr>
     <a:masterClrMapping/>
   </p:clrMapOvr>
+  <p:timing>
+    <p:tnLst>
+      <p:par>
+        <p:cTn id="1" dur="indefinite" restart="never" nodeType="tmRoot">
+          <p:childTnLst>
+            <p:seq concurrent="1" nextAc="seek">
+              <p:cTn id="2" dur="indefinite" nodeType="mainSeq">
+                <p:childTnLst>
+                  <p:par>
+                    <p:cTn id="3" fill="hold">
+                      <p:stCondLst>
+                        <p:cond delay="indefinite"/>
+                        <p:cond evt="onBegin" delay="0">
+                          <p:tn val="2"/>
+                        </p:cond>
+                      </p:stCondLst>
+                      <p:childTnLst>
+                        <p:par>
+                          <p:cTn id="4" fill="hold">
+                            <p:stCondLst>
+                              <p:cond delay="0"/>
+                            </p:stCondLst>
+                            <p:childTnLst>
+                              <p:par>
+                                <p:cTn id="5" presetID="2" presetClass="entr" presetSubtype="4" fill="hold" nodeType="withEffect">
+                                  <p:stCondLst>
+                                    <p:cond delay="0"/>
+                                  </p:stCondLst>
+                                  <p:childTnLst>
+                                    <p:set>
+                                      <p:cBhvr>
+                                        <p:cTn id="6" dur="1" fill="hold">
+                                          <p:stCondLst>
+                                            <p:cond delay="0"/>
+                                          </p:stCondLst>
+                                        </p:cTn>
+                                        <p:tgtEl>
+                                          <p:spTgt spid="5"/>
+                                        </p:tgtEl>
+                                        <p:attrNameLst>
+                                          <p:attrName>style.visibility</p:attrName>
+                                        </p:attrNameLst>
+                                      </p:cBhvr>
+                                      <p:to>
+                                        <p:strVal val="visible"/>
+                                      </p:to>
+                                    </p:set>
+                                    <p:anim calcmode="lin" valueType="num">
+                                      <p:cBhvr additive="base">
+                                        <p:cTn id="7" dur="500" fill="hold"/>
+                                        <p:tgtEl>
+                                          <p:spTgt spid="5"/>
+                                        </p:tgtEl>
+                                        <p:attrNameLst>
+                                          <p:attrName>ppt_x</p:attrName>
+                                        </p:attrNameLst>
+                                      </p:cBhvr>
+                                      <p:tavLst>
+                                        <p:tav tm="0">
+                                          <p:val>
+                                            <p:strVal val="#ppt_x"/>
+                                          </p:val>
+                                        </p:tav>
+                                        <p:tav tm="100000">
+                                          <p:val>
+                                            <p:strVal val="#ppt_x"/>
+                                          </p:val>
+                                        </p:tav>
+                                      </p:tavLst>
+                                    </p:anim>
+                                    <p:anim calcmode="lin" valueType="num">
+                                      <p:cBhvr additive="base">
+                                        <p:cTn id="8" dur="500" fill="hold"/>
+                                        <p:tgtEl>
+                                          <p:spTgt spid="5"/>
+                                        </p:tgtEl>
+                                        <p:attrNameLst>
+                                          <p:attrName>ppt_y</p:attrName>
+                                        </p:attrNameLst>
+                                      </p:cBhvr>
+                                      <p:tavLst>
+                                        <p:tav tm="0">
+                                          <p:val>
+                                            <p:strVal val="1+#ppt_h/2"/>
+                                          </p:val>
+                                        </p:tav>
+                                        <p:tav tm="100000">
+                                          <p:val>
+                                            <p:strVal val="#ppt_y"/>
+                                          </p:val>
+                                        </p:tav>
+                                      </p:tavLst>
+                                    </p:anim>
+                                  </p:childTnLst>
+                                </p:cTn>
+                              </p:par>
+                            </p:childTnLst>
+                          </p:cTn>
+                        </p:par>
+                      </p:childTnLst>
+                    </p:cTn>
+                  </p:par>
+                </p:childTnLst>
+              </p:cTn>
+              <p:prevCondLst>
+                <p:cond evt="onPrev" delay="0">
+                  <p:tgtEl>
+                    <p:sldTgt/>
+                  </p:tgtEl>
+                </p:cond>
+              </p:prevCondLst>
+              <p:nextCondLst>
+                <p:cond evt="onNext" delay="0">
+                  <p:tgtEl>
+                    <p:sldTgt/>
+                  </p:tgtEl>
+                </p:cond>
+              </p:nextCondLst>
+            </p:seq>
+          </p:childTnLst>
+        </p:cTn>
+      </p:par>
+    </p:tnLst>
+  </p:timing>
 </p:sld>
 </file>
 

--- a/trunk/2-Java-Programmer-Modulo-II/16.Capitulo10.pptx
+++ b/trunk/2-Java-Programmer-Modulo-II/16.Capitulo10.pptx
@@ -278,7 +278,7 @@
               <a:pPr>
                 <a:defRPr/>
               </a:pPr>
-              <a:t>30/05/2012</a:t>
+              <a:t>14/7/2012</a:t>
             </a:fld>
             <a:endParaRPr lang="pt-BR"/>
           </a:p>
@@ -3683,7 +3683,7 @@
               <a:pPr>
                 <a:defRPr/>
               </a:pPr>
-              <a:t>30/05/2012</a:t>
+              <a:t>14/7/2012</a:t>
             </a:fld>
             <a:endParaRPr lang="pt-BR"/>
           </a:p>
@@ -3875,7 +3875,7 @@
               <a:pPr>
                 <a:defRPr/>
               </a:pPr>
-              <a:t>30/05/2012</a:t>
+              <a:t>14/7/2012</a:t>
             </a:fld>
             <a:endParaRPr lang="pt-BR"/>
           </a:p>
@@ -4077,7 +4077,7 @@
               <a:pPr>
                 <a:defRPr/>
               </a:pPr>
-              <a:t>30/05/2012</a:t>
+              <a:t>14/7/2012</a:t>
             </a:fld>
             <a:endParaRPr lang="pt-BR"/>
           </a:p>
@@ -4273,7 +4273,7 @@
               <a:pPr>
                 <a:defRPr/>
               </a:pPr>
-              <a:t>30/05/2012</a:t>
+              <a:t>14/7/2012</a:t>
             </a:fld>
             <a:endParaRPr lang="pt-BR"/>
           </a:p>
@@ -4779,7 +4779,7 @@
               <a:pPr>
                 <a:defRPr/>
               </a:pPr>
-              <a:t>30/05/2012</a:t>
+              <a:t>14/7/2012</a:t>
             </a:fld>
             <a:endParaRPr lang="pt-BR"/>
           </a:p>
@@ -5070,7 +5070,7 @@
               <a:pPr>
                 <a:defRPr/>
               </a:pPr>
-              <a:t>30/05/2012</a:t>
+              <a:t>14/7/2012</a:t>
             </a:fld>
             <a:endParaRPr lang="pt-BR"/>
           </a:p>
@@ -5471,7 +5471,7 @@
               <a:pPr>
                 <a:defRPr/>
               </a:pPr>
-              <a:t>30/05/2012</a:t>
+              <a:t>14/7/2012</a:t>
             </a:fld>
             <a:endParaRPr lang="pt-BR"/>
           </a:p>
@@ -5620,7 +5620,7 @@
               <a:pPr>
                 <a:defRPr/>
               </a:pPr>
-              <a:t>30/05/2012</a:t>
+              <a:t>14/7/2012</a:t>
             </a:fld>
             <a:endParaRPr lang="pt-BR"/>
           </a:p>
@@ -5737,7 +5737,7 @@
               <a:pPr>
                 <a:defRPr/>
               </a:pPr>
-              <a:t>30/05/2012</a:t>
+              <a:t>14/7/2012</a:t>
             </a:fld>
             <a:endParaRPr lang="pt-BR"/>
           </a:p>
@@ -6013,7 +6013,7 @@
               <a:pPr>
                 <a:defRPr/>
               </a:pPr>
-              <a:t>30/05/2012</a:t>
+              <a:t>14/7/2012</a:t>
             </a:fld>
             <a:endParaRPr lang="pt-BR"/>
           </a:p>
@@ -6297,7 +6297,7 @@
               <a:pPr>
                 <a:defRPr/>
               </a:pPr>
-              <a:t>30/05/2012</a:t>
+              <a:t>14/7/2012</a:t>
             </a:fld>
             <a:endParaRPr lang="pt-BR"/>
           </a:p>
@@ -6775,7 +6775,7 @@
               <a:pPr>
                 <a:defRPr/>
               </a:pPr>
-              <a:t>30/05/2012</a:t>
+              <a:t>14/7/2012</a:t>
             </a:fld>
             <a:endParaRPr lang="pt-BR"/>
           </a:p>
@@ -18144,8 +18144,8 @@
         </p:nvSpPr>
         <p:spPr>
           <a:xfrm>
-            <a:off x="457200" y="274638"/>
-            <a:ext cx="8147248" cy="1143000"/>
+            <a:off x="214282" y="274638"/>
+            <a:ext cx="8715436" cy="1143000"/>
           </a:xfrm>
         </p:spPr>
         <p:txBody>
@@ -18155,13 +18155,8 @@
             <a:pPr eaLnBrk="1" hangingPunct="1"/>
             <a:r>
               <a:rPr lang="pt-BR" sz="4400" dirty="0" smtClean="0"/>
-              <a:t>Acessando o Sistema </a:t>
-            </a:r>
-            <a:r>
-              <a:rPr lang="pt-BR" sz="4400" smtClean="0"/>
-              <a:t>de Arquivos</a:t>
-            </a:r>
-            <a:endParaRPr lang="pt-BR" sz="4400" dirty="0" smtClean="0"/>
+              <a:t>Acessando o Sistema de Arquivos</a:t>
+            </a:r>
           </a:p>
         </p:txBody>
       </p:sp>
